--- a/images/LogisticRegression.pptx
+++ b/images/LogisticRegression.pptx
@@ -7,6 +7,8 @@
   <p:sldIdLst>
     <p:sldId id="256" r:id="rId2"/>
     <p:sldId id="257" r:id="rId3"/>
+    <p:sldId id="260" r:id="rId4"/>
+    <p:sldId id="259" r:id="rId5"/>
   </p:sldIdLst>
   <p:sldSz cx="12192000" cy="6858000"/>
   <p:notesSz cx="6858000" cy="9144000"/>
@@ -105,6 +107,11 @@
       </a:defRPr>
     </a:lvl9pPr>
   </p:defaultTextStyle>
+  <p:extLst>
+    <p:ext uri="{EFAFB233-063F-42B5-8137-9DF3F51BA10A}">
+      <p15:sldGuideLst xmlns:p15="http://schemas.microsoft.com/office/powerpoint/2012/main"/>
+    </p:ext>
+  </p:extLst>
 </p:presentation>
 </file>
 
@@ -255,7 +262,7 @@
           <a:p>
             <a:fld id="{69E1685D-D328-4315-911D-0A1DD31BE3AD}" type="datetimeFigureOut">
               <a:rPr lang="en-US" smtClean="0"/>
-              <a:t>6/17/2021</a:t>
+              <a:t>6/21/2021</a:t>
             </a:fld>
             <a:endParaRPr lang="en-US"/>
           </a:p>
@@ -453,7 +460,7 @@
           <a:p>
             <a:fld id="{69E1685D-D328-4315-911D-0A1DD31BE3AD}" type="datetimeFigureOut">
               <a:rPr lang="en-US" smtClean="0"/>
-              <a:t>6/17/2021</a:t>
+              <a:t>6/21/2021</a:t>
             </a:fld>
             <a:endParaRPr lang="en-US"/>
           </a:p>
@@ -661,7 +668,7 @@
           <a:p>
             <a:fld id="{69E1685D-D328-4315-911D-0A1DD31BE3AD}" type="datetimeFigureOut">
               <a:rPr lang="en-US" smtClean="0"/>
-              <a:t>6/17/2021</a:t>
+              <a:t>6/21/2021</a:t>
             </a:fld>
             <a:endParaRPr lang="en-US"/>
           </a:p>
@@ -859,7 +866,7 @@
           <a:p>
             <a:fld id="{69E1685D-D328-4315-911D-0A1DD31BE3AD}" type="datetimeFigureOut">
               <a:rPr lang="en-US" smtClean="0"/>
-              <a:t>6/17/2021</a:t>
+              <a:t>6/21/2021</a:t>
             </a:fld>
             <a:endParaRPr lang="en-US"/>
           </a:p>
@@ -1134,7 +1141,7 @@
           <a:p>
             <a:fld id="{69E1685D-D328-4315-911D-0A1DD31BE3AD}" type="datetimeFigureOut">
               <a:rPr lang="en-US" smtClean="0"/>
-              <a:t>6/17/2021</a:t>
+              <a:t>6/21/2021</a:t>
             </a:fld>
             <a:endParaRPr lang="en-US"/>
           </a:p>
@@ -1399,7 +1406,7 @@
           <a:p>
             <a:fld id="{69E1685D-D328-4315-911D-0A1DD31BE3AD}" type="datetimeFigureOut">
               <a:rPr lang="en-US" smtClean="0"/>
-              <a:t>6/17/2021</a:t>
+              <a:t>6/21/2021</a:t>
             </a:fld>
             <a:endParaRPr lang="en-US"/>
           </a:p>
@@ -1811,7 +1818,7 @@
           <a:p>
             <a:fld id="{69E1685D-D328-4315-911D-0A1DD31BE3AD}" type="datetimeFigureOut">
               <a:rPr lang="en-US" smtClean="0"/>
-              <a:t>6/17/2021</a:t>
+              <a:t>6/21/2021</a:t>
             </a:fld>
             <a:endParaRPr lang="en-US"/>
           </a:p>
@@ -1952,7 +1959,7 @@
           <a:p>
             <a:fld id="{69E1685D-D328-4315-911D-0A1DD31BE3AD}" type="datetimeFigureOut">
               <a:rPr lang="en-US" smtClean="0"/>
-              <a:t>6/17/2021</a:t>
+              <a:t>6/21/2021</a:t>
             </a:fld>
             <a:endParaRPr lang="en-US"/>
           </a:p>
@@ -2065,7 +2072,7 @@
           <a:p>
             <a:fld id="{69E1685D-D328-4315-911D-0A1DD31BE3AD}" type="datetimeFigureOut">
               <a:rPr lang="en-US" smtClean="0"/>
-              <a:t>6/17/2021</a:t>
+              <a:t>6/21/2021</a:t>
             </a:fld>
             <a:endParaRPr lang="en-US"/>
           </a:p>
@@ -2376,7 +2383,7 @@
           <a:p>
             <a:fld id="{69E1685D-D328-4315-911D-0A1DD31BE3AD}" type="datetimeFigureOut">
               <a:rPr lang="en-US" smtClean="0"/>
-              <a:t>6/17/2021</a:t>
+              <a:t>6/21/2021</a:t>
             </a:fld>
             <a:endParaRPr lang="en-US"/>
           </a:p>
@@ -2664,7 +2671,7 @@
           <a:p>
             <a:fld id="{69E1685D-D328-4315-911D-0A1DD31BE3AD}" type="datetimeFigureOut">
               <a:rPr lang="en-US" smtClean="0"/>
-              <a:t>6/17/2021</a:t>
+              <a:t>6/21/2021</a:t>
             </a:fld>
             <a:endParaRPr lang="en-US"/>
           </a:p>
@@ -2905,7 +2912,7 @@
           <a:p>
             <a:fld id="{69E1685D-D328-4315-911D-0A1DD31BE3AD}" type="datetimeFigureOut">
               <a:rPr lang="en-US" smtClean="0"/>
-              <a:t>6/17/2021</a:t>
+              <a:t>6/21/2021</a:t>
             </a:fld>
             <a:endParaRPr lang="en-US"/>
           </a:p>
@@ -3336,7 +3343,7 @@
         </p:nvSpPr>
         <p:spPr>
           <a:xfrm>
-            <a:off x="981522" y="1179497"/>
+            <a:off x="1335056" y="1549517"/>
             <a:ext cx="1077767" cy="3539613"/>
           </a:xfrm>
           <a:prstGeom prst="rect">
@@ -3385,7 +3392,7 @@
         </p:nvSpPr>
         <p:spPr>
           <a:xfrm>
-            <a:off x="829122" y="1027097"/>
+            <a:off x="1182656" y="1397117"/>
             <a:ext cx="1077767" cy="3539613"/>
           </a:xfrm>
           <a:prstGeom prst="rect">
@@ -3434,7 +3441,7 @@
         </p:nvSpPr>
         <p:spPr>
           <a:xfrm>
-            <a:off x="676722" y="874697"/>
+            <a:off x="1030256" y="1244717"/>
             <a:ext cx="1077767" cy="3539613"/>
           </a:xfrm>
           <a:prstGeom prst="rect">
@@ -3483,7 +3490,7 @@
         </p:nvSpPr>
         <p:spPr>
           <a:xfrm>
-            <a:off x="928957" y="1724054"/>
+            <a:off x="1282491" y="2094074"/>
             <a:ext cx="515815" cy="369332"/>
           </a:xfrm>
           <a:prstGeom prst="rect">
@@ -3523,7 +3530,7 @@
         </p:nvSpPr>
         <p:spPr>
           <a:xfrm>
-            <a:off x="947110" y="1153783"/>
+            <a:off x="1300644" y="1523803"/>
             <a:ext cx="515815" cy="369332"/>
           </a:xfrm>
           <a:prstGeom prst="rect">
@@ -3563,7 +3570,7 @@
         </p:nvSpPr>
         <p:spPr>
           <a:xfrm>
-            <a:off x="947110" y="2294325"/>
+            <a:off x="1300644" y="2664345"/>
             <a:ext cx="515815" cy="369332"/>
           </a:xfrm>
           <a:prstGeom prst="rect">
@@ -3603,7 +3610,7 @@
         </p:nvSpPr>
         <p:spPr>
           <a:xfrm>
-            <a:off x="947110" y="3508608"/>
+            <a:off x="1300644" y="3878628"/>
             <a:ext cx="515815" cy="369332"/>
           </a:xfrm>
           <a:prstGeom prst="rect">
@@ -3646,7 +3653,7 @@
             </p:nvSpPr>
             <p:spPr>
               <a:xfrm>
-                <a:off x="4374220" y="2134122"/>
+                <a:off x="4727754" y="2504142"/>
                 <a:ext cx="689393" cy="830997"/>
               </a:xfrm>
               <a:prstGeom prst="rect">
@@ -3704,7 +3711,7 @@
             </p:nvSpPr>
             <p:spPr>
               <a:xfrm>
-                <a:off x="4374220" y="2134122"/>
+                <a:off x="4727754" y="2504142"/>
                 <a:ext cx="689393" cy="830997"/>
               </a:xfrm>
               <a:prstGeom prst="rect">
@@ -3751,7 +3758,7 @@
         </p:nvSpPr>
         <p:spPr>
           <a:xfrm>
-            <a:off x="947110" y="2901466"/>
+            <a:off x="1300644" y="3271486"/>
             <a:ext cx="515815" cy="369332"/>
           </a:xfrm>
           <a:prstGeom prst="rect">
@@ -3792,7 +3799,7 @@
         </p:nvCxnSpPr>
         <p:spPr>
           <a:xfrm>
-            <a:off x="1462925" y="1338449"/>
+            <a:off x="1816459" y="1708469"/>
             <a:ext cx="2911295" cy="1211172"/>
           </a:xfrm>
           <a:prstGeom prst="straightConnector1">
@@ -3834,7 +3841,7 @@
         </p:nvCxnSpPr>
         <p:spPr>
           <a:xfrm>
-            <a:off x="1444772" y="1908720"/>
+            <a:off x="1798306" y="2278740"/>
             <a:ext cx="2929448" cy="640901"/>
           </a:xfrm>
           <a:prstGeom prst="straightConnector1">
@@ -3876,7 +3883,7 @@
         </p:nvCxnSpPr>
         <p:spPr>
           <a:xfrm>
-            <a:off x="1462925" y="2478991"/>
+            <a:off x="1816459" y="2849011"/>
             <a:ext cx="2911295" cy="70630"/>
           </a:xfrm>
           <a:prstGeom prst="straightConnector1">
@@ -3918,7 +3925,7 @@
         </p:nvCxnSpPr>
         <p:spPr>
           <a:xfrm flipV="1">
-            <a:off x="1462925" y="2549621"/>
+            <a:off x="1816459" y="2919641"/>
             <a:ext cx="2911295" cy="1143653"/>
           </a:xfrm>
           <a:prstGeom prst="straightConnector1">
@@ -3957,7 +3964,7 @@
         </p:nvSpPr>
         <p:spPr>
           <a:xfrm>
-            <a:off x="5863807" y="2318787"/>
+            <a:off x="6217341" y="2688807"/>
             <a:ext cx="1215419" cy="461665"/>
           </a:xfrm>
           <a:prstGeom prst="rect">
@@ -3998,7 +4005,7 @@
         </p:nvSpPr>
         <p:spPr>
           <a:xfrm>
-            <a:off x="5863807" y="2849869"/>
+            <a:off x="6217341" y="3219889"/>
             <a:ext cx="1471058" cy="646331"/>
           </a:xfrm>
           <a:prstGeom prst="rect">
@@ -4042,7 +4049,7 @@
         </p:nvSpPr>
         <p:spPr>
           <a:xfrm>
-            <a:off x="7617163" y="2334869"/>
+            <a:off x="7970697" y="2704889"/>
             <a:ext cx="1215419" cy="461665"/>
           </a:xfrm>
           <a:prstGeom prst="rect">
@@ -4083,7 +4090,7 @@
         </p:nvSpPr>
         <p:spPr>
           <a:xfrm>
-            <a:off x="7624916" y="2821947"/>
+            <a:off x="7978450" y="3191967"/>
             <a:ext cx="1471058" cy="646331"/>
           </a:xfrm>
           <a:prstGeom prst="rect">
@@ -4127,7 +4134,7 @@
         </p:nvSpPr>
         <p:spPr>
           <a:xfrm>
-            <a:off x="2292426" y="873959"/>
+            <a:off x="2645960" y="1243979"/>
             <a:ext cx="7225200" cy="3845151"/>
           </a:xfrm>
           <a:prstGeom prst="rect">
@@ -4162,10 +4169,10 @@
       </p:sp>
       <p:sp>
         <p:nvSpPr>
-          <p:cNvPr id="25" name="TextBox 24">
-            <a:extLst>
-              <a:ext uri="{FF2B5EF4-FFF2-40B4-BE49-F238E27FC236}">
-                <a16:creationId xmlns:a16="http://schemas.microsoft.com/office/drawing/2014/main" id="{A1AED3A4-82FA-4612-82B0-90EFCC8F2AED}"/>
+          <p:cNvPr id="26" name="TextBox 25">
+            <a:extLst>
+              <a:ext uri="{FF2B5EF4-FFF2-40B4-BE49-F238E27FC236}">
+                <a16:creationId xmlns:a16="http://schemas.microsoft.com/office/drawing/2014/main" id="{E971BF70-7D16-4138-87DC-159690A1D57D}"/>
               </a:ext>
             </a:extLst>
           </p:cNvPr>
@@ -4174,8 +4181,8 @@
         </p:nvSpPr>
         <p:spPr>
           <a:xfrm>
-            <a:off x="3050835" y="4841703"/>
-            <a:ext cx="4025555" cy="369332"/>
+            <a:off x="2828994" y="2048039"/>
+            <a:ext cx="515815" cy="369332"/>
           </a:xfrm>
           <a:prstGeom prst="rect">
             <a:avLst/>
@@ -4193,17 +4200,17 @@
           <a:p>
             <a:r>
               <a:rPr lang="en-US" dirty="0"/>
-              <a:t>Logistic Regression Model</a:t>
-            </a:r>
-          </a:p>
-        </p:txBody>
-      </p:sp>
-      <p:sp>
-        <p:nvSpPr>
-          <p:cNvPr id="26" name="TextBox 25">
-            <a:extLst>
-              <a:ext uri="{FF2B5EF4-FFF2-40B4-BE49-F238E27FC236}">
-                <a16:creationId xmlns:a16="http://schemas.microsoft.com/office/drawing/2014/main" id="{E971BF70-7D16-4138-87DC-159690A1D57D}"/>
+              <a:t>w0</a:t>
+            </a:r>
+          </a:p>
+        </p:txBody>
+      </p:sp>
+      <p:sp>
+        <p:nvSpPr>
+          <p:cNvPr id="27" name="TextBox 26">
+            <a:extLst>
+              <a:ext uri="{FF2B5EF4-FFF2-40B4-BE49-F238E27FC236}">
+                <a16:creationId xmlns:a16="http://schemas.microsoft.com/office/drawing/2014/main" id="{E216F7D5-A534-477B-8AA2-41A2C1CB1537}"/>
               </a:ext>
             </a:extLst>
           </p:cNvPr>
@@ -4212,7 +4219,7 @@
         </p:nvSpPr>
         <p:spPr>
           <a:xfrm>
-            <a:off x="2475460" y="1678019"/>
+            <a:off x="2828993" y="2455903"/>
             <a:ext cx="515815" cy="369332"/>
           </a:xfrm>
           <a:prstGeom prst="rect">
@@ -4231,17 +4238,17 @@
           <a:p>
             <a:r>
               <a:rPr lang="en-US" dirty="0"/>
-              <a:t>w0</a:t>
-            </a:r>
-          </a:p>
-        </p:txBody>
-      </p:sp>
-      <p:sp>
-        <p:nvSpPr>
-          <p:cNvPr id="27" name="TextBox 26">
-            <a:extLst>
-              <a:ext uri="{FF2B5EF4-FFF2-40B4-BE49-F238E27FC236}">
-                <a16:creationId xmlns:a16="http://schemas.microsoft.com/office/drawing/2014/main" id="{E216F7D5-A534-477B-8AA2-41A2C1CB1537}"/>
+              <a:t>w1</a:t>
+            </a:r>
+          </a:p>
+        </p:txBody>
+      </p:sp>
+      <p:sp>
+        <p:nvSpPr>
+          <p:cNvPr id="28" name="TextBox 27">
+            <a:extLst>
+              <a:ext uri="{FF2B5EF4-FFF2-40B4-BE49-F238E27FC236}">
+                <a16:creationId xmlns:a16="http://schemas.microsoft.com/office/drawing/2014/main" id="{F22D21DA-7980-4989-BB9E-59A8029EDCC1}"/>
               </a:ext>
             </a:extLst>
           </p:cNvPr>
@@ -4250,7 +4257,7 @@
         </p:nvSpPr>
         <p:spPr>
           <a:xfrm>
-            <a:off x="2475459" y="2085883"/>
+            <a:off x="2869835" y="2843981"/>
             <a:ext cx="515815" cy="369332"/>
           </a:xfrm>
           <a:prstGeom prst="rect">
@@ -4269,17 +4276,17 @@
           <a:p>
             <a:r>
               <a:rPr lang="en-US" dirty="0"/>
-              <a:t>w1</a:t>
-            </a:r>
-          </a:p>
-        </p:txBody>
-      </p:sp>
-      <p:sp>
-        <p:nvSpPr>
-          <p:cNvPr id="28" name="TextBox 27">
-            <a:extLst>
-              <a:ext uri="{FF2B5EF4-FFF2-40B4-BE49-F238E27FC236}">
-                <a16:creationId xmlns:a16="http://schemas.microsoft.com/office/drawing/2014/main" id="{F22D21DA-7980-4989-BB9E-59A8029EDCC1}"/>
+              <a:t>w2</a:t>
+            </a:r>
+          </a:p>
+        </p:txBody>
+      </p:sp>
+      <p:sp>
+        <p:nvSpPr>
+          <p:cNvPr id="29" name="TextBox 28">
+            <a:extLst>
+              <a:ext uri="{FF2B5EF4-FFF2-40B4-BE49-F238E27FC236}">
+                <a16:creationId xmlns:a16="http://schemas.microsoft.com/office/drawing/2014/main" id="{2D1E1DFB-A957-48F1-9A92-0C933B4ABAC8}"/>
               </a:ext>
             </a:extLst>
           </p:cNvPr>
@@ -4288,7 +4295,7 @@
         </p:nvSpPr>
         <p:spPr>
           <a:xfrm>
-            <a:off x="2516301" y="2473961"/>
+            <a:off x="2911621" y="3566338"/>
             <a:ext cx="515815" cy="369332"/>
           </a:xfrm>
           <a:prstGeom prst="rect">
@@ -4306,44 +4313,6 @@
           <a:lstStyle/>
           <a:p>
             <a:r>
-              <a:rPr lang="en-US" dirty="0"/>
-              <a:t>w2</a:t>
-            </a:r>
-          </a:p>
-        </p:txBody>
-      </p:sp>
-      <p:sp>
-        <p:nvSpPr>
-          <p:cNvPr id="29" name="TextBox 28">
-            <a:extLst>
-              <a:ext uri="{FF2B5EF4-FFF2-40B4-BE49-F238E27FC236}">
-                <a16:creationId xmlns:a16="http://schemas.microsoft.com/office/drawing/2014/main" id="{2D1E1DFB-A957-48F1-9A92-0C933B4ABAC8}"/>
-              </a:ext>
-            </a:extLst>
-          </p:cNvPr>
-          <p:cNvSpPr txBox="1"/>
-          <p:nvPr/>
-        </p:nvSpPr>
-        <p:spPr>
-          <a:xfrm>
-            <a:off x="2558087" y="3196318"/>
-            <a:ext cx="515815" cy="369332"/>
-          </a:xfrm>
-          <a:prstGeom prst="rect">
-            <a:avLst/>
-          </a:prstGeom>
-          <a:noFill/>
-          <a:ln>
-            <a:noFill/>
-          </a:ln>
-        </p:spPr>
-        <p:txBody>
-          <a:bodyPr wrap="square" rtlCol="0">
-            <a:spAutoFit/>
-          </a:bodyPr>
-          <a:lstStyle/>
-          <a:p>
-            <a:r>
               <a:rPr lang="en-US" dirty="0" err="1"/>
               <a:t>wn</a:t>
             </a:r>
@@ -4368,7 +4337,7 @@
         </p:nvCxnSpPr>
         <p:spPr>
           <a:xfrm flipV="1">
-            <a:off x="5063613" y="2549620"/>
+            <a:off x="5417147" y="2919640"/>
             <a:ext cx="800194" cy="1"/>
           </a:xfrm>
           <a:prstGeom prst="straightConnector1">
@@ -4411,7 +4380,7 @@
         </p:nvCxnSpPr>
         <p:spPr>
           <a:xfrm>
-            <a:off x="7079226" y="2549620"/>
+            <a:off x="7432760" y="2919640"/>
             <a:ext cx="537937" cy="16082"/>
           </a:xfrm>
           <a:prstGeom prst="straightConnector1">
@@ -4452,7 +4421,7 @@
         </p:nvCxnSpPr>
         <p:spPr>
           <a:xfrm flipV="1">
-            <a:off x="8832582" y="2565701"/>
+            <a:off x="9186116" y="2935721"/>
             <a:ext cx="1451960" cy="1"/>
           </a:xfrm>
           <a:prstGeom prst="straightConnector1">
@@ -4491,7 +4460,7 @@
         </p:nvSpPr>
         <p:spPr>
           <a:xfrm>
-            <a:off x="10317820" y="2381035"/>
+            <a:off x="10671354" y="2751055"/>
             <a:ext cx="892658" cy="369332"/>
           </a:xfrm>
           <a:prstGeom prst="rect">
@@ -4714,8 +4683,8 @@
           </a:p>
         </p:txBody>
       </p:sp>
-      <mc:AlternateContent xmlns:mc="http://schemas.openxmlformats.org/markup-compatibility/2006">
-        <mc:Choice xmlns:a14="http://schemas.microsoft.com/office/drawing/2010/main" Requires="a14">
+      <mc:AlternateContent xmlns:mc="http://schemas.openxmlformats.org/markup-compatibility/2006" xmlns:a14="http://schemas.microsoft.com/office/drawing/2010/main">
+        <mc:Choice Requires="a14">
           <p:sp>
             <p:nvSpPr>
               <p:cNvPr id="9" name="TextBox 8">
@@ -4771,7 +4740,7 @@
             </p:txBody>
           </p:sp>
         </mc:Choice>
-        <mc:Fallback>
+        <mc:Fallback xmlns="">
           <p:sp>
             <p:nvSpPr>
               <p:cNvPr id="9" name="TextBox 8">
@@ -5146,8 +5115,8 @@
           </a:fontRef>
         </p:style>
       </p:cxnSp>
-      <mc:AlternateContent xmlns:mc="http://schemas.openxmlformats.org/markup-compatibility/2006">
-        <mc:Choice xmlns:a14="http://schemas.microsoft.com/office/drawing/2010/main" Requires="a14">
+      <mc:AlternateContent xmlns:mc="http://schemas.openxmlformats.org/markup-compatibility/2006" xmlns:a14="http://schemas.microsoft.com/office/drawing/2010/main">
+        <mc:Choice Requires="a14">
           <p:sp>
             <p:nvSpPr>
               <p:cNvPr id="86" name="TextBox 85">
@@ -5203,7 +5172,7 @@
             </p:txBody>
           </p:sp>
         </mc:Choice>
-        <mc:Fallback>
+        <mc:Fallback xmlns="">
           <p:sp>
             <p:nvSpPr>
               <p:cNvPr id="86" name="TextBox 85">
@@ -5540,8 +5509,8 @@
           </a:fontRef>
         </p:style>
       </p:cxnSp>
-      <mc:AlternateContent xmlns:mc="http://schemas.openxmlformats.org/markup-compatibility/2006">
-        <mc:Choice xmlns:a14="http://schemas.microsoft.com/office/drawing/2010/main" Requires="a14">
+      <mc:AlternateContent xmlns:mc="http://schemas.openxmlformats.org/markup-compatibility/2006" xmlns:a14="http://schemas.microsoft.com/office/drawing/2010/main">
+        <mc:Choice Requires="a14">
           <p:sp>
             <p:nvSpPr>
               <p:cNvPr id="105" name="TextBox 104">
@@ -5597,7 +5566,7 @@
             </p:txBody>
           </p:sp>
         </mc:Choice>
-        <mc:Fallback>
+        <mc:Fallback xmlns="">
           <p:sp>
             <p:nvSpPr>
               <p:cNvPr id="105" name="TextBox 104">
@@ -7116,6 +7085,6338 @@
     <p:extLst>
       <p:ext uri="{BB962C8B-B14F-4D97-AF65-F5344CB8AC3E}">
         <p14:creationId xmlns:p14="http://schemas.microsoft.com/office/powerpoint/2010/main" val="1501086605"/>
+      </p:ext>
+    </p:extLst>
+  </p:cSld>
+  <p:clrMapOvr>
+    <a:masterClrMapping/>
+  </p:clrMapOvr>
+</p:sld>
+</file>
+
+<file path=ppt/slides/slide3.xml><?xml version="1.0" encoding="utf-8"?>
+<p:sld xmlns:a="http://schemas.openxmlformats.org/drawingml/2006/main" xmlns:r="http://schemas.openxmlformats.org/officeDocument/2006/relationships" xmlns:p="http://schemas.openxmlformats.org/presentationml/2006/main">
+  <p:cSld>
+    <p:spTree>
+      <p:nvGrpSpPr>
+        <p:cNvPr id="1" name=""/>
+        <p:cNvGrpSpPr/>
+        <p:nvPr/>
+      </p:nvGrpSpPr>
+      <p:grpSpPr>
+        <a:xfrm>
+          <a:off x="0" y="0"/>
+          <a:ext cx="0" cy="0"/>
+          <a:chOff x="0" y="0"/>
+          <a:chExt cx="0" cy="0"/>
+        </a:xfrm>
+      </p:grpSpPr>
+      <p:sp>
+        <p:nvSpPr>
+          <p:cNvPr id="39" name="Rectangle 38">
+            <a:extLst>
+              <a:ext uri="{FF2B5EF4-FFF2-40B4-BE49-F238E27FC236}">
+                <a16:creationId xmlns:a16="http://schemas.microsoft.com/office/drawing/2014/main" id="{A3E900A6-B225-440D-A5D6-01149CBEA7F8}"/>
+              </a:ext>
+            </a:extLst>
+          </p:cNvPr>
+          <p:cNvSpPr/>
+          <p:nvPr/>
+        </p:nvSpPr>
+        <p:spPr>
+          <a:xfrm>
+            <a:off x="1172496" y="746877"/>
+            <a:ext cx="1077767" cy="3539613"/>
+          </a:xfrm>
+          <a:prstGeom prst="rect">
+            <a:avLst/>
+          </a:prstGeom>
+          <a:solidFill>
+            <a:schemeClr val="bg2"/>
+          </a:solidFill>
+        </p:spPr>
+        <p:style>
+          <a:lnRef idx="2">
+            <a:schemeClr val="accent1">
+              <a:shade val="50000"/>
+            </a:schemeClr>
+          </a:lnRef>
+          <a:fillRef idx="1">
+            <a:schemeClr val="accent1"/>
+          </a:fillRef>
+          <a:effectRef idx="0">
+            <a:schemeClr val="accent1"/>
+          </a:effectRef>
+          <a:fontRef idx="minor">
+            <a:schemeClr val="lt1"/>
+          </a:fontRef>
+        </p:style>
+        <p:txBody>
+          <a:bodyPr rtlCol="0" anchor="ctr"/>
+          <a:lstStyle/>
+          <a:p>
+            <a:pPr algn="ctr"/>
+            <a:endParaRPr lang="en-US"/>
+          </a:p>
+        </p:txBody>
+      </p:sp>
+      <p:sp>
+        <p:nvSpPr>
+          <p:cNvPr id="38" name="Rectangle 37">
+            <a:extLst>
+              <a:ext uri="{FF2B5EF4-FFF2-40B4-BE49-F238E27FC236}">
+                <a16:creationId xmlns:a16="http://schemas.microsoft.com/office/drawing/2014/main" id="{CFA06B08-65DE-4EC0-914E-C838BD9CB55C}"/>
+              </a:ext>
+            </a:extLst>
+          </p:cNvPr>
+          <p:cNvSpPr/>
+          <p:nvPr/>
+        </p:nvSpPr>
+        <p:spPr>
+          <a:xfrm>
+            <a:off x="1020096" y="594477"/>
+            <a:ext cx="1077767" cy="3539613"/>
+          </a:xfrm>
+          <a:prstGeom prst="rect">
+            <a:avLst/>
+          </a:prstGeom>
+          <a:solidFill>
+            <a:schemeClr val="bg2"/>
+          </a:solidFill>
+        </p:spPr>
+        <p:style>
+          <a:lnRef idx="2">
+            <a:schemeClr val="accent1">
+              <a:shade val="50000"/>
+            </a:schemeClr>
+          </a:lnRef>
+          <a:fillRef idx="1">
+            <a:schemeClr val="accent1"/>
+          </a:fillRef>
+          <a:effectRef idx="0">
+            <a:schemeClr val="accent1"/>
+          </a:effectRef>
+          <a:fontRef idx="minor">
+            <a:schemeClr val="lt1"/>
+          </a:fontRef>
+        </p:style>
+        <p:txBody>
+          <a:bodyPr rtlCol="0" anchor="ctr"/>
+          <a:lstStyle/>
+          <a:p>
+            <a:pPr algn="ctr"/>
+            <a:endParaRPr lang="en-US"/>
+          </a:p>
+        </p:txBody>
+      </p:sp>
+      <p:sp>
+        <p:nvSpPr>
+          <p:cNvPr id="30" name="Rectangle 29">
+            <a:extLst>
+              <a:ext uri="{FF2B5EF4-FFF2-40B4-BE49-F238E27FC236}">
+                <a16:creationId xmlns:a16="http://schemas.microsoft.com/office/drawing/2014/main" id="{1917CE69-DBA0-4AC8-A4B3-00BDDA8AE20A}"/>
+              </a:ext>
+            </a:extLst>
+          </p:cNvPr>
+          <p:cNvSpPr/>
+          <p:nvPr/>
+        </p:nvSpPr>
+        <p:spPr>
+          <a:xfrm>
+            <a:off x="867696" y="442077"/>
+            <a:ext cx="1077767" cy="3539613"/>
+          </a:xfrm>
+          <a:prstGeom prst="rect">
+            <a:avLst/>
+          </a:prstGeom>
+          <a:solidFill>
+            <a:schemeClr val="bg2"/>
+          </a:solidFill>
+        </p:spPr>
+        <p:style>
+          <a:lnRef idx="2">
+            <a:schemeClr val="accent1">
+              <a:shade val="50000"/>
+            </a:schemeClr>
+          </a:lnRef>
+          <a:fillRef idx="1">
+            <a:schemeClr val="accent1"/>
+          </a:fillRef>
+          <a:effectRef idx="0">
+            <a:schemeClr val="accent1"/>
+          </a:effectRef>
+          <a:fontRef idx="minor">
+            <a:schemeClr val="lt1"/>
+          </a:fontRef>
+        </p:style>
+        <p:txBody>
+          <a:bodyPr rtlCol="0" anchor="ctr"/>
+          <a:lstStyle/>
+          <a:p>
+            <a:pPr algn="ctr"/>
+            <a:endParaRPr lang="en-US"/>
+          </a:p>
+        </p:txBody>
+      </p:sp>
+      <p:sp>
+        <p:nvSpPr>
+          <p:cNvPr id="4" name="TextBox 3">
+            <a:extLst>
+              <a:ext uri="{FF2B5EF4-FFF2-40B4-BE49-F238E27FC236}">
+                <a16:creationId xmlns:a16="http://schemas.microsoft.com/office/drawing/2014/main" id="{C533E833-889B-45AE-B726-FDBA9DDDF972}"/>
+              </a:ext>
+            </a:extLst>
+          </p:cNvPr>
+          <p:cNvSpPr txBox="1"/>
+          <p:nvPr/>
+        </p:nvSpPr>
+        <p:spPr>
+          <a:xfrm>
+            <a:off x="1119931" y="1291434"/>
+            <a:ext cx="515815" cy="369332"/>
+          </a:xfrm>
+          <a:prstGeom prst="rect">
+            <a:avLst/>
+          </a:prstGeom>
+          <a:noFill/>
+          <a:ln>
+            <a:solidFill>
+              <a:schemeClr val="tx1"/>
+            </a:solidFill>
+          </a:ln>
+        </p:spPr>
+        <p:txBody>
+          <a:bodyPr wrap="square" rtlCol="0">
+            <a:spAutoFit/>
+          </a:bodyPr>
+          <a:lstStyle/>
+          <a:p>
+            <a:r>
+              <a:rPr lang="en-US" dirty="0"/>
+              <a:t>X1</a:t>
+            </a:r>
+          </a:p>
+        </p:txBody>
+      </p:sp>
+      <p:sp>
+        <p:nvSpPr>
+          <p:cNvPr id="5" name="TextBox 4">
+            <a:extLst>
+              <a:ext uri="{FF2B5EF4-FFF2-40B4-BE49-F238E27FC236}">
+                <a16:creationId xmlns:a16="http://schemas.microsoft.com/office/drawing/2014/main" id="{3F560874-8779-4F3B-B87B-427C25AB38E3}"/>
+              </a:ext>
+            </a:extLst>
+          </p:cNvPr>
+          <p:cNvSpPr txBox="1"/>
+          <p:nvPr/>
+        </p:nvSpPr>
+        <p:spPr>
+          <a:xfrm>
+            <a:off x="1138084" y="721163"/>
+            <a:ext cx="515815" cy="369332"/>
+          </a:xfrm>
+          <a:prstGeom prst="rect">
+            <a:avLst/>
+          </a:prstGeom>
+          <a:noFill/>
+          <a:ln>
+            <a:solidFill>
+              <a:schemeClr val="tx1"/>
+            </a:solidFill>
+          </a:ln>
+        </p:spPr>
+        <p:txBody>
+          <a:bodyPr wrap="square" rtlCol="0">
+            <a:spAutoFit/>
+          </a:bodyPr>
+          <a:lstStyle/>
+          <a:p>
+            <a:r>
+              <a:rPr lang="en-US" dirty="0"/>
+              <a:t>1</a:t>
+            </a:r>
+          </a:p>
+        </p:txBody>
+      </p:sp>
+      <p:sp>
+        <p:nvSpPr>
+          <p:cNvPr id="7" name="TextBox 6">
+            <a:extLst>
+              <a:ext uri="{FF2B5EF4-FFF2-40B4-BE49-F238E27FC236}">
+                <a16:creationId xmlns:a16="http://schemas.microsoft.com/office/drawing/2014/main" id="{B92D09EB-B949-4647-AD07-1557C5F0E597}"/>
+              </a:ext>
+            </a:extLst>
+          </p:cNvPr>
+          <p:cNvSpPr txBox="1"/>
+          <p:nvPr/>
+        </p:nvSpPr>
+        <p:spPr>
+          <a:xfrm>
+            <a:off x="1138084" y="1861705"/>
+            <a:ext cx="515815" cy="369332"/>
+          </a:xfrm>
+          <a:prstGeom prst="rect">
+            <a:avLst/>
+          </a:prstGeom>
+          <a:noFill/>
+          <a:ln>
+            <a:solidFill>
+              <a:schemeClr val="tx1"/>
+            </a:solidFill>
+          </a:ln>
+        </p:spPr>
+        <p:txBody>
+          <a:bodyPr wrap="square" rtlCol="0">
+            <a:spAutoFit/>
+          </a:bodyPr>
+          <a:lstStyle/>
+          <a:p>
+            <a:r>
+              <a:rPr lang="en-US" dirty="0"/>
+              <a:t>X2</a:t>
+            </a:r>
+          </a:p>
+        </p:txBody>
+      </p:sp>
+      <p:sp>
+        <p:nvSpPr>
+          <p:cNvPr id="8" name="TextBox 7">
+            <a:extLst>
+              <a:ext uri="{FF2B5EF4-FFF2-40B4-BE49-F238E27FC236}">
+                <a16:creationId xmlns:a16="http://schemas.microsoft.com/office/drawing/2014/main" id="{2BC2B862-D0AB-41F9-8C81-9370ADDB24F3}"/>
+              </a:ext>
+            </a:extLst>
+          </p:cNvPr>
+          <p:cNvSpPr txBox="1"/>
+          <p:nvPr/>
+        </p:nvSpPr>
+        <p:spPr>
+          <a:xfrm>
+            <a:off x="1138084" y="3075988"/>
+            <a:ext cx="515815" cy="369332"/>
+          </a:xfrm>
+          <a:prstGeom prst="rect">
+            <a:avLst/>
+          </a:prstGeom>
+          <a:noFill/>
+          <a:ln>
+            <a:solidFill>
+              <a:schemeClr val="tx1"/>
+            </a:solidFill>
+          </a:ln>
+        </p:spPr>
+        <p:txBody>
+          <a:bodyPr wrap="square" rtlCol="0">
+            <a:spAutoFit/>
+          </a:bodyPr>
+          <a:lstStyle/>
+          <a:p>
+            <a:r>
+              <a:rPr lang="en-US" dirty="0" err="1"/>
+              <a:t>Xn</a:t>
+            </a:r>
+            <a:endParaRPr lang="en-US" dirty="0"/>
+          </a:p>
+        </p:txBody>
+      </p:sp>
+      <mc:AlternateContent xmlns:mc="http://schemas.openxmlformats.org/markup-compatibility/2006" xmlns:a14="http://schemas.microsoft.com/office/drawing/2010/main">
+        <mc:Choice Requires="a14">
+          <p:sp>
+            <p:nvSpPr>
+              <p:cNvPr id="10" name="TextBox 9">
+                <a:extLst>
+                  <a:ext uri="{FF2B5EF4-FFF2-40B4-BE49-F238E27FC236}">
+                    <a16:creationId xmlns:a16="http://schemas.microsoft.com/office/drawing/2014/main" id="{168EA729-14B6-486B-8C33-CA7592BB20DE}"/>
+                  </a:ext>
+                </a:extLst>
+              </p:cNvPr>
+              <p:cNvSpPr txBox="1"/>
+              <p:nvPr/>
+            </p:nvSpPr>
+            <p:spPr>
+              <a:xfrm>
+                <a:off x="4565194" y="1701502"/>
+                <a:ext cx="689393" cy="830997"/>
+              </a:xfrm>
+              <a:prstGeom prst="rect">
+                <a:avLst/>
+              </a:prstGeom>
+              <a:noFill/>
+              <a:ln>
+                <a:solidFill>
+                  <a:schemeClr val="tx1"/>
+                </a:solidFill>
+              </a:ln>
+            </p:spPr>
+            <p:txBody>
+              <a:bodyPr wrap="square" rtlCol="0">
+                <a:spAutoFit/>
+              </a:bodyPr>
+              <a:lstStyle/>
+              <a:p>
+                <a:r>
+                  <a:rPr lang="en-US" dirty="0"/>
+                  <a:t> </a:t>
+                </a:r>
+                <a14:m>
+                  <m:oMath xmlns:m="http://schemas.openxmlformats.org/officeDocument/2006/math">
+                    <m:r>
+                      <m:rPr>
+                        <m:sty m:val="p"/>
+                      </m:rPr>
+                      <a:rPr lang="en-US" sz="4800" b="0" i="1" smtClean="0">
+                        <a:latin typeface="Cambria Math" panose="02040503050406030204" pitchFamily="18" charset="0"/>
+                      </a:rPr>
+                      <m:t>Σ</m:t>
+                    </m:r>
+                  </m:oMath>
+                </a14:m>
+                <a:endParaRPr lang="en-US" sz="4800" b="0" dirty="0"/>
+              </a:p>
+            </p:txBody>
+          </p:sp>
+        </mc:Choice>
+        <mc:Fallback xmlns="">
+          <p:sp>
+            <p:nvSpPr>
+              <p:cNvPr id="10" name="TextBox 9">
+                <a:extLst>
+                  <a:ext uri="{FF2B5EF4-FFF2-40B4-BE49-F238E27FC236}">
+                    <a16:creationId xmlns:a16="http://schemas.microsoft.com/office/drawing/2014/main" id="{168EA729-14B6-486B-8C33-CA7592BB20DE}"/>
+                  </a:ext>
+                </a:extLst>
+              </p:cNvPr>
+              <p:cNvSpPr txBox="1">
+                <a:spLocks noRot="1" noChangeAspect="1" noMove="1" noResize="1" noEditPoints="1" noAdjustHandles="1" noChangeArrowheads="1" noChangeShapeType="1" noTextEdit="1"/>
+              </p:cNvSpPr>
+              <p:nvPr/>
+            </p:nvSpPr>
+            <p:spPr>
+              <a:xfrm>
+                <a:off x="4565194" y="1701502"/>
+                <a:ext cx="689393" cy="830997"/>
+              </a:xfrm>
+              <a:prstGeom prst="rect">
+                <a:avLst/>
+              </a:prstGeom>
+              <a:blipFill>
+                <a:blip r:embed="rId2"/>
+                <a:stretch>
+                  <a:fillRect/>
+                </a:stretch>
+              </a:blipFill>
+              <a:ln>
+                <a:solidFill>
+                  <a:schemeClr val="tx1"/>
+                </a:solidFill>
+              </a:ln>
+            </p:spPr>
+            <p:txBody>
+              <a:bodyPr/>
+              <a:lstStyle/>
+              <a:p>
+                <a:r>
+                  <a:rPr lang="en-US">
+                    <a:noFill/>
+                  </a:rPr>
+                  <a:t> </a:t>
+                </a:r>
+              </a:p>
+            </p:txBody>
+          </p:sp>
+        </mc:Fallback>
+      </mc:AlternateContent>
+      <p:sp>
+        <p:nvSpPr>
+          <p:cNvPr id="11" name="TextBox 10">
+            <a:extLst>
+              <a:ext uri="{FF2B5EF4-FFF2-40B4-BE49-F238E27FC236}">
+                <a16:creationId xmlns:a16="http://schemas.microsoft.com/office/drawing/2014/main" id="{98EDE7F1-AF95-46C6-8625-7918775E83DA}"/>
+              </a:ext>
+            </a:extLst>
+          </p:cNvPr>
+          <p:cNvSpPr txBox="1"/>
+          <p:nvPr/>
+        </p:nvSpPr>
+        <p:spPr>
+          <a:xfrm>
+            <a:off x="1138084" y="2468846"/>
+            <a:ext cx="515815" cy="369332"/>
+          </a:xfrm>
+          <a:prstGeom prst="rect">
+            <a:avLst/>
+          </a:prstGeom>
+          <a:noFill/>
+          <a:ln>
+            <a:noFill/>
+          </a:ln>
+        </p:spPr>
+        <p:txBody>
+          <a:bodyPr wrap="square" rtlCol="0">
+            <a:spAutoFit/>
+          </a:bodyPr>
+          <a:lstStyle/>
+          <a:p>
+            <a:r>
+              <a:rPr lang="en-US" dirty="0"/>
+              <a:t>…</a:t>
+            </a:r>
+          </a:p>
+        </p:txBody>
+      </p:sp>
+      <p:cxnSp>
+        <p:nvCxnSpPr>
+          <p:cNvPr id="13" name="Straight Arrow Connector 12">
+            <a:extLst>
+              <a:ext uri="{FF2B5EF4-FFF2-40B4-BE49-F238E27FC236}">
+                <a16:creationId xmlns:a16="http://schemas.microsoft.com/office/drawing/2014/main" id="{7D934D68-3B07-4130-BA00-893C1FB85F8E}"/>
+              </a:ext>
+            </a:extLst>
+          </p:cNvPr>
+          <p:cNvCxnSpPr>
+            <a:stCxn id="5" idx="3"/>
+            <a:endCxn id="10" idx="1"/>
+          </p:cNvCxnSpPr>
+          <p:nvPr/>
+        </p:nvCxnSpPr>
+        <p:spPr>
+          <a:xfrm>
+            <a:off x="1653899" y="905829"/>
+            <a:ext cx="2911295" cy="1211172"/>
+          </a:xfrm>
+          <a:prstGeom prst="straightConnector1">
+            <a:avLst/>
+          </a:prstGeom>
+          <a:ln>
+            <a:tailEnd type="triangle"/>
+          </a:ln>
+        </p:spPr>
+        <p:style>
+          <a:lnRef idx="1">
+            <a:schemeClr val="accent1"/>
+          </a:lnRef>
+          <a:fillRef idx="0">
+            <a:schemeClr val="accent1"/>
+          </a:fillRef>
+          <a:effectRef idx="0">
+            <a:schemeClr val="accent1"/>
+          </a:effectRef>
+          <a:fontRef idx="minor">
+            <a:schemeClr val="tx1"/>
+          </a:fontRef>
+        </p:style>
+      </p:cxnSp>
+      <p:cxnSp>
+        <p:nvCxnSpPr>
+          <p:cNvPr id="15" name="Straight Arrow Connector 14">
+            <a:extLst>
+              <a:ext uri="{FF2B5EF4-FFF2-40B4-BE49-F238E27FC236}">
+                <a16:creationId xmlns:a16="http://schemas.microsoft.com/office/drawing/2014/main" id="{BC9A5367-EF85-4263-84FD-DAE36E3FAFE5}"/>
+              </a:ext>
+            </a:extLst>
+          </p:cNvPr>
+          <p:cNvCxnSpPr>
+            <a:stCxn id="4" idx="3"/>
+            <a:endCxn id="10" idx="1"/>
+          </p:cNvCxnSpPr>
+          <p:nvPr/>
+        </p:nvCxnSpPr>
+        <p:spPr>
+          <a:xfrm>
+            <a:off x="1635746" y="1476100"/>
+            <a:ext cx="2929448" cy="640901"/>
+          </a:xfrm>
+          <a:prstGeom prst="straightConnector1">
+            <a:avLst/>
+          </a:prstGeom>
+          <a:ln>
+            <a:tailEnd type="triangle"/>
+          </a:ln>
+        </p:spPr>
+        <p:style>
+          <a:lnRef idx="1">
+            <a:schemeClr val="accent1"/>
+          </a:lnRef>
+          <a:fillRef idx="0">
+            <a:schemeClr val="accent1"/>
+          </a:fillRef>
+          <a:effectRef idx="0">
+            <a:schemeClr val="accent1"/>
+          </a:effectRef>
+          <a:fontRef idx="minor">
+            <a:schemeClr val="tx1"/>
+          </a:fontRef>
+        </p:style>
+      </p:cxnSp>
+      <p:cxnSp>
+        <p:nvCxnSpPr>
+          <p:cNvPr id="17" name="Straight Arrow Connector 16">
+            <a:extLst>
+              <a:ext uri="{FF2B5EF4-FFF2-40B4-BE49-F238E27FC236}">
+                <a16:creationId xmlns:a16="http://schemas.microsoft.com/office/drawing/2014/main" id="{5CCBB949-78FD-435A-9B36-A1E46A0CF544}"/>
+              </a:ext>
+            </a:extLst>
+          </p:cNvPr>
+          <p:cNvCxnSpPr>
+            <a:stCxn id="7" idx="3"/>
+            <a:endCxn id="10" idx="1"/>
+          </p:cNvCxnSpPr>
+          <p:nvPr/>
+        </p:nvCxnSpPr>
+        <p:spPr>
+          <a:xfrm>
+            <a:off x="1653899" y="2046371"/>
+            <a:ext cx="2911295" cy="70630"/>
+          </a:xfrm>
+          <a:prstGeom prst="straightConnector1">
+            <a:avLst/>
+          </a:prstGeom>
+          <a:ln>
+            <a:tailEnd type="triangle"/>
+          </a:ln>
+        </p:spPr>
+        <p:style>
+          <a:lnRef idx="1">
+            <a:schemeClr val="accent1"/>
+          </a:lnRef>
+          <a:fillRef idx="0">
+            <a:schemeClr val="accent1"/>
+          </a:fillRef>
+          <a:effectRef idx="0">
+            <a:schemeClr val="accent1"/>
+          </a:effectRef>
+          <a:fontRef idx="minor">
+            <a:schemeClr val="tx1"/>
+          </a:fontRef>
+        </p:style>
+      </p:cxnSp>
+      <p:cxnSp>
+        <p:nvCxnSpPr>
+          <p:cNvPr id="19" name="Straight Arrow Connector 18">
+            <a:extLst>
+              <a:ext uri="{FF2B5EF4-FFF2-40B4-BE49-F238E27FC236}">
+                <a16:creationId xmlns:a16="http://schemas.microsoft.com/office/drawing/2014/main" id="{7A34B58D-BF59-47E4-B20C-69756E95B798}"/>
+              </a:ext>
+            </a:extLst>
+          </p:cNvPr>
+          <p:cNvCxnSpPr>
+            <a:stCxn id="8" idx="3"/>
+            <a:endCxn id="10" idx="1"/>
+          </p:cNvCxnSpPr>
+          <p:nvPr/>
+        </p:nvCxnSpPr>
+        <p:spPr>
+          <a:xfrm flipV="1">
+            <a:off x="1653899" y="2117001"/>
+            <a:ext cx="2911295" cy="1143653"/>
+          </a:xfrm>
+          <a:prstGeom prst="straightConnector1">
+            <a:avLst/>
+          </a:prstGeom>
+          <a:ln>
+            <a:tailEnd type="triangle"/>
+          </a:ln>
+        </p:spPr>
+        <p:style>
+          <a:lnRef idx="1">
+            <a:schemeClr val="accent1"/>
+          </a:lnRef>
+          <a:fillRef idx="0">
+            <a:schemeClr val="accent1"/>
+          </a:fillRef>
+          <a:effectRef idx="0">
+            <a:schemeClr val="accent1"/>
+          </a:effectRef>
+          <a:fontRef idx="minor">
+            <a:schemeClr val="tx1"/>
+          </a:fontRef>
+        </p:style>
+      </p:cxnSp>
+      <p:sp>
+        <p:nvSpPr>
+          <p:cNvPr id="20" name="TextBox 19">
+            <a:extLst>
+              <a:ext uri="{FF2B5EF4-FFF2-40B4-BE49-F238E27FC236}">
+                <a16:creationId xmlns:a16="http://schemas.microsoft.com/office/drawing/2014/main" id="{0DC6A735-CA0F-4DC5-8F24-ED0FD466E517}"/>
+              </a:ext>
+            </a:extLst>
+          </p:cNvPr>
+          <p:cNvSpPr txBox="1"/>
+          <p:nvPr/>
+        </p:nvSpPr>
+        <p:spPr>
+          <a:xfrm>
+            <a:off x="6054781" y="1886167"/>
+            <a:ext cx="1215419" cy="461665"/>
+          </a:xfrm>
+          <a:prstGeom prst="rect">
+            <a:avLst/>
+          </a:prstGeom>
+          <a:noFill/>
+          <a:ln>
+            <a:solidFill>
+              <a:schemeClr val="tx1"/>
+            </a:solidFill>
+          </a:ln>
+        </p:spPr>
+        <p:txBody>
+          <a:bodyPr wrap="square" rtlCol="0">
+            <a:spAutoFit/>
+          </a:bodyPr>
+          <a:lstStyle/>
+          <a:p>
+            <a:r>
+              <a:rPr lang="en-US" sz="2400" dirty="0"/>
+              <a:t>sigmoid</a:t>
+            </a:r>
+            <a:endParaRPr lang="en-US" sz="2400" b="0" dirty="0"/>
+          </a:p>
+        </p:txBody>
+      </p:sp>
+      <p:sp>
+        <p:nvSpPr>
+          <p:cNvPr id="21" name="TextBox 20">
+            <a:extLst>
+              <a:ext uri="{FF2B5EF4-FFF2-40B4-BE49-F238E27FC236}">
+                <a16:creationId xmlns:a16="http://schemas.microsoft.com/office/drawing/2014/main" id="{DDA2EF24-2360-486F-B243-6F0E2D09A925}"/>
+              </a:ext>
+            </a:extLst>
+          </p:cNvPr>
+          <p:cNvSpPr txBox="1"/>
+          <p:nvPr/>
+        </p:nvSpPr>
+        <p:spPr>
+          <a:xfrm>
+            <a:off x="6054781" y="2417249"/>
+            <a:ext cx="1471058" cy="646331"/>
+          </a:xfrm>
+          <a:prstGeom prst="rect">
+            <a:avLst/>
+          </a:prstGeom>
+          <a:noFill/>
+          <a:ln>
+            <a:noFill/>
+          </a:ln>
+        </p:spPr>
+        <p:txBody>
+          <a:bodyPr wrap="square" rtlCol="0">
+            <a:spAutoFit/>
+          </a:bodyPr>
+          <a:lstStyle/>
+          <a:p>
+            <a:r>
+              <a:rPr lang="en-US" dirty="0"/>
+              <a:t>activation</a:t>
+            </a:r>
+          </a:p>
+          <a:p>
+            <a:r>
+              <a:rPr lang="en-US" dirty="0"/>
+              <a:t>function</a:t>
+            </a:r>
+          </a:p>
+        </p:txBody>
+      </p:sp>
+      <p:sp>
+        <p:nvSpPr>
+          <p:cNvPr id="22" name="TextBox 21">
+            <a:extLst>
+              <a:ext uri="{FF2B5EF4-FFF2-40B4-BE49-F238E27FC236}">
+                <a16:creationId xmlns:a16="http://schemas.microsoft.com/office/drawing/2014/main" id="{A27BD785-29E5-4978-B583-EAC74A1016D1}"/>
+              </a:ext>
+            </a:extLst>
+          </p:cNvPr>
+          <p:cNvSpPr txBox="1"/>
+          <p:nvPr/>
+        </p:nvSpPr>
+        <p:spPr>
+          <a:xfrm>
+            <a:off x="7808137" y="1902249"/>
+            <a:ext cx="1215419" cy="461665"/>
+          </a:xfrm>
+          <a:prstGeom prst="rect">
+            <a:avLst/>
+          </a:prstGeom>
+          <a:noFill/>
+          <a:ln>
+            <a:solidFill>
+              <a:schemeClr val="tx1"/>
+            </a:solidFill>
+          </a:ln>
+        </p:spPr>
+        <p:txBody>
+          <a:bodyPr wrap="square" rtlCol="0">
+            <a:spAutoFit/>
+          </a:bodyPr>
+          <a:lstStyle/>
+          <a:p>
+            <a:r>
+              <a:rPr lang="en-US" sz="2400" dirty="0"/>
+              <a:t>&gt;= 0.5</a:t>
+            </a:r>
+            <a:endParaRPr lang="en-US" sz="2400" b="0" dirty="0"/>
+          </a:p>
+        </p:txBody>
+      </p:sp>
+      <p:sp>
+        <p:nvSpPr>
+          <p:cNvPr id="23" name="TextBox 22">
+            <a:extLst>
+              <a:ext uri="{FF2B5EF4-FFF2-40B4-BE49-F238E27FC236}">
+                <a16:creationId xmlns:a16="http://schemas.microsoft.com/office/drawing/2014/main" id="{D2BA8D28-1D4C-4F5F-81DC-EFE241D111D2}"/>
+              </a:ext>
+            </a:extLst>
+          </p:cNvPr>
+          <p:cNvSpPr txBox="1"/>
+          <p:nvPr/>
+        </p:nvSpPr>
+        <p:spPr>
+          <a:xfrm>
+            <a:off x="7815890" y="2389327"/>
+            <a:ext cx="1471058" cy="646331"/>
+          </a:xfrm>
+          <a:prstGeom prst="rect">
+            <a:avLst/>
+          </a:prstGeom>
+          <a:noFill/>
+          <a:ln>
+            <a:noFill/>
+          </a:ln>
+        </p:spPr>
+        <p:txBody>
+          <a:bodyPr wrap="square" rtlCol="0">
+            <a:spAutoFit/>
+          </a:bodyPr>
+          <a:lstStyle/>
+          <a:p>
+            <a:r>
+              <a:rPr lang="en-US" dirty="0"/>
+              <a:t>threshold</a:t>
+            </a:r>
+          </a:p>
+          <a:p>
+            <a:r>
+              <a:rPr lang="en-US" dirty="0"/>
+              <a:t>function</a:t>
+            </a:r>
+          </a:p>
+        </p:txBody>
+      </p:sp>
+      <p:sp>
+        <p:nvSpPr>
+          <p:cNvPr id="24" name="Rectangle 23">
+            <a:extLst>
+              <a:ext uri="{FF2B5EF4-FFF2-40B4-BE49-F238E27FC236}">
+                <a16:creationId xmlns:a16="http://schemas.microsoft.com/office/drawing/2014/main" id="{99F3CE1C-400F-45E4-ABCB-3725FFDE2436}"/>
+              </a:ext>
+            </a:extLst>
+          </p:cNvPr>
+          <p:cNvSpPr/>
+          <p:nvPr/>
+        </p:nvSpPr>
+        <p:spPr>
+          <a:xfrm>
+            <a:off x="2483400" y="441339"/>
+            <a:ext cx="7225200" cy="3845151"/>
+          </a:xfrm>
+          <a:prstGeom prst="rect">
+            <a:avLst/>
+          </a:prstGeom>
+          <a:noFill/>
+        </p:spPr>
+        <p:style>
+          <a:lnRef idx="2">
+            <a:schemeClr val="accent1">
+              <a:shade val="50000"/>
+            </a:schemeClr>
+          </a:lnRef>
+          <a:fillRef idx="1">
+            <a:schemeClr val="accent1"/>
+          </a:fillRef>
+          <a:effectRef idx="0">
+            <a:schemeClr val="accent1"/>
+          </a:effectRef>
+          <a:fontRef idx="minor">
+            <a:schemeClr val="lt1"/>
+          </a:fontRef>
+        </p:style>
+        <p:txBody>
+          <a:bodyPr rtlCol="0" anchor="ctr"/>
+          <a:lstStyle/>
+          <a:p>
+            <a:pPr algn="ctr"/>
+            <a:endParaRPr lang="en-US"/>
+          </a:p>
+        </p:txBody>
+      </p:sp>
+      <p:sp>
+        <p:nvSpPr>
+          <p:cNvPr id="25" name="TextBox 24">
+            <a:extLst>
+              <a:ext uri="{FF2B5EF4-FFF2-40B4-BE49-F238E27FC236}">
+                <a16:creationId xmlns:a16="http://schemas.microsoft.com/office/drawing/2014/main" id="{A1AED3A4-82FA-4612-82B0-90EFCC8F2AED}"/>
+              </a:ext>
+            </a:extLst>
+          </p:cNvPr>
+          <p:cNvSpPr txBox="1"/>
+          <p:nvPr/>
+        </p:nvSpPr>
+        <p:spPr>
+          <a:xfrm>
+            <a:off x="3241809" y="4409083"/>
+            <a:ext cx="4025555" cy="369332"/>
+          </a:xfrm>
+          <a:prstGeom prst="rect">
+            <a:avLst/>
+          </a:prstGeom>
+          <a:noFill/>
+          <a:ln>
+            <a:noFill/>
+          </a:ln>
+        </p:spPr>
+        <p:txBody>
+          <a:bodyPr wrap="square" rtlCol="0">
+            <a:spAutoFit/>
+          </a:bodyPr>
+          <a:lstStyle/>
+          <a:p>
+            <a:r>
+              <a:rPr lang="en-US" dirty="0"/>
+              <a:t>Logistic Regression as Artificial Neuron</a:t>
+            </a:r>
+          </a:p>
+        </p:txBody>
+      </p:sp>
+      <p:sp>
+        <p:nvSpPr>
+          <p:cNvPr id="26" name="TextBox 25">
+            <a:extLst>
+              <a:ext uri="{FF2B5EF4-FFF2-40B4-BE49-F238E27FC236}">
+                <a16:creationId xmlns:a16="http://schemas.microsoft.com/office/drawing/2014/main" id="{E971BF70-7D16-4138-87DC-159690A1D57D}"/>
+              </a:ext>
+            </a:extLst>
+          </p:cNvPr>
+          <p:cNvSpPr txBox="1"/>
+          <p:nvPr/>
+        </p:nvSpPr>
+        <p:spPr>
+          <a:xfrm>
+            <a:off x="2666434" y="1245399"/>
+            <a:ext cx="515815" cy="369332"/>
+          </a:xfrm>
+          <a:prstGeom prst="rect">
+            <a:avLst/>
+          </a:prstGeom>
+          <a:noFill/>
+          <a:ln>
+            <a:noFill/>
+          </a:ln>
+        </p:spPr>
+        <p:txBody>
+          <a:bodyPr wrap="square" rtlCol="0">
+            <a:spAutoFit/>
+          </a:bodyPr>
+          <a:lstStyle/>
+          <a:p>
+            <a:r>
+              <a:rPr lang="en-US" dirty="0"/>
+              <a:t>w0</a:t>
+            </a:r>
+          </a:p>
+        </p:txBody>
+      </p:sp>
+      <p:sp>
+        <p:nvSpPr>
+          <p:cNvPr id="27" name="TextBox 26">
+            <a:extLst>
+              <a:ext uri="{FF2B5EF4-FFF2-40B4-BE49-F238E27FC236}">
+                <a16:creationId xmlns:a16="http://schemas.microsoft.com/office/drawing/2014/main" id="{E216F7D5-A534-477B-8AA2-41A2C1CB1537}"/>
+              </a:ext>
+            </a:extLst>
+          </p:cNvPr>
+          <p:cNvSpPr txBox="1"/>
+          <p:nvPr/>
+        </p:nvSpPr>
+        <p:spPr>
+          <a:xfrm>
+            <a:off x="2666433" y="1653263"/>
+            <a:ext cx="515815" cy="369332"/>
+          </a:xfrm>
+          <a:prstGeom prst="rect">
+            <a:avLst/>
+          </a:prstGeom>
+          <a:noFill/>
+          <a:ln>
+            <a:noFill/>
+          </a:ln>
+        </p:spPr>
+        <p:txBody>
+          <a:bodyPr wrap="square" rtlCol="0">
+            <a:spAutoFit/>
+          </a:bodyPr>
+          <a:lstStyle/>
+          <a:p>
+            <a:r>
+              <a:rPr lang="en-US" dirty="0"/>
+              <a:t>w1</a:t>
+            </a:r>
+          </a:p>
+        </p:txBody>
+      </p:sp>
+      <p:sp>
+        <p:nvSpPr>
+          <p:cNvPr id="28" name="TextBox 27">
+            <a:extLst>
+              <a:ext uri="{FF2B5EF4-FFF2-40B4-BE49-F238E27FC236}">
+                <a16:creationId xmlns:a16="http://schemas.microsoft.com/office/drawing/2014/main" id="{F22D21DA-7980-4989-BB9E-59A8029EDCC1}"/>
+              </a:ext>
+            </a:extLst>
+          </p:cNvPr>
+          <p:cNvSpPr txBox="1"/>
+          <p:nvPr/>
+        </p:nvSpPr>
+        <p:spPr>
+          <a:xfrm>
+            <a:off x="2707275" y="2041341"/>
+            <a:ext cx="515815" cy="369332"/>
+          </a:xfrm>
+          <a:prstGeom prst="rect">
+            <a:avLst/>
+          </a:prstGeom>
+          <a:noFill/>
+          <a:ln>
+            <a:noFill/>
+          </a:ln>
+        </p:spPr>
+        <p:txBody>
+          <a:bodyPr wrap="square" rtlCol="0">
+            <a:spAutoFit/>
+          </a:bodyPr>
+          <a:lstStyle/>
+          <a:p>
+            <a:r>
+              <a:rPr lang="en-US" dirty="0"/>
+              <a:t>w2</a:t>
+            </a:r>
+          </a:p>
+        </p:txBody>
+      </p:sp>
+      <p:sp>
+        <p:nvSpPr>
+          <p:cNvPr id="29" name="TextBox 28">
+            <a:extLst>
+              <a:ext uri="{FF2B5EF4-FFF2-40B4-BE49-F238E27FC236}">
+                <a16:creationId xmlns:a16="http://schemas.microsoft.com/office/drawing/2014/main" id="{2D1E1DFB-A957-48F1-9A92-0C933B4ABAC8}"/>
+              </a:ext>
+            </a:extLst>
+          </p:cNvPr>
+          <p:cNvSpPr txBox="1"/>
+          <p:nvPr/>
+        </p:nvSpPr>
+        <p:spPr>
+          <a:xfrm>
+            <a:off x="2749061" y="2763698"/>
+            <a:ext cx="515815" cy="369332"/>
+          </a:xfrm>
+          <a:prstGeom prst="rect">
+            <a:avLst/>
+          </a:prstGeom>
+          <a:noFill/>
+          <a:ln>
+            <a:noFill/>
+          </a:ln>
+        </p:spPr>
+        <p:txBody>
+          <a:bodyPr wrap="square" rtlCol="0">
+            <a:spAutoFit/>
+          </a:bodyPr>
+          <a:lstStyle/>
+          <a:p>
+            <a:r>
+              <a:rPr lang="en-US" dirty="0" err="1"/>
+              <a:t>wn</a:t>
+            </a:r>
+            <a:endParaRPr lang="en-US" dirty="0"/>
+          </a:p>
+        </p:txBody>
+      </p:sp>
+      <p:cxnSp>
+        <p:nvCxnSpPr>
+          <p:cNvPr id="45" name="Straight Arrow Connector 44">
+            <a:extLst>
+              <a:ext uri="{FF2B5EF4-FFF2-40B4-BE49-F238E27FC236}">
+                <a16:creationId xmlns:a16="http://schemas.microsoft.com/office/drawing/2014/main" id="{DD0DDD1D-9715-4BDA-96AD-F7097E84ED8D}"/>
+              </a:ext>
+            </a:extLst>
+          </p:cNvPr>
+          <p:cNvCxnSpPr>
+            <a:stCxn id="10" idx="3"/>
+            <a:endCxn id="20" idx="1"/>
+          </p:cNvCxnSpPr>
+          <p:nvPr/>
+        </p:nvCxnSpPr>
+        <p:spPr>
+          <a:xfrm flipV="1">
+            <a:off x="5254587" y="2117000"/>
+            <a:ext cx="800194" cy="1"/>
+          </a:xfrm>
+          <a:prstGeom prst="straightConnector1">
+            <a:avLst/>
+          </a:prstGeom>
+          <a:ln>
+            <a:tailEnd type="triangle"/>
+          </a:ln>
+        </p:spPr>
+        <p:style>
+          <a:lnRef idx="1">
+            <a:schemeClr val="accent1"/>
+          </a:lnRef>
+          <a:fillRef idx="0">
+            <a:schemeClr val="accent1"/>
+          </a:fillRef>
+          <a:effectRef idx="0">
+            <a:schemeClr val="accent1"/>
+          </a:effectRef>
+          <a:fontRef idx="minor">
+            <a:schemeClr val="tx1"/>
+          </a:fontRef>
+        </p:style>
+      </p:cxnSp>
+      <p:cxnSp>
+        <p:nvCxnSpPr>
+          <p:cNvPr id="47" name="Straight Arrow Connector 46">
+            <a:extLst>
+              <a:ext uri="{FF2B5EF4-FFF2-40B4-BE49-F238E27FC236}">
+                <a16:creationId xmlns:a16="http://schemas.microsoft.com/office/drawing/2014/main" id="{6AA9577F-9190-4CAD-B690-4F852DDC8F16}"/>
+              </a:ext>
+            </a:extLst>
+          </p:cNvPr>
+          <p:cNvCxnSpPr>
+            <a:cxnSpLocks/>
+            <a:stCxn id="20" idx="3"/>
+            <a:endCxn id="22" idx="1"/>
+          </p:cNvCxnSpPr>
+          <p:nvPr/>
+        </p:nvCxnSpPr>
+        <p:spPr>
+          <a:xfrm>
+            <a:off x="7270200" y="2117000"/>
+            <a:ext cx="537937" cy="16082"/>
+          </a:xfrm>
+          <a:prstGeom prst="straightConnector1">
+            <a:avLst/>
+          </a:prstGeom>
+          <a:ln>
+            <a:tailEnd type="triangle"/>
+          </a:ln>
+        </p:spPr>
+        <p:style>
+          <a:lnRef idx="1">
+            <a:schemeClr val="accent1"/>
+          </a:lnRef>
+          <a:fillRef idx="0">
+            <a:schemeClr val="accent1"/>
+          </a:fillRef>
+          <a:effectRef idx="0">
+            <a:schemeClr val="accent1"/>
+          </a:effectRef>
+          <a:fontRef idx="minor">
+            <a:schemeClr val="tx1"/>
+          </a:fontRef>
+        </p:style>
+      </p:cxnSp>
+      <p:cxnSp>
+        <p:nvCxnSpPr>
+          <p:cNvPr id="55" name="Straight Arrow Connector 54">
+            <a:extLst>
+              <a:ext uri="{FF2B5EF4-FFF2-40B4-BE49-F238E27FC236}">
+                <a16:creationId xmlns:a16="http://schemas.microsoft.com/office/drawing/2014/main" id="{05AC7E10-56CD-4638-92BF-7DDBEC97B8AB}"/>
+              </a:ext>
+            </a:extLst>
+          </p:cNvPr>
+          <p:cNvCxnSpPr>
+            <a:stCxn id="22" idx="3"/>
+          </p:cNvCxnSpPr>
+          <p:nvPr/>
+        </p:nvCxnSpPr>
+        <p:spPr>
+          <a:xfrm flipV="1">
+            <a:off x="9023556" y="2133081"/>
+            <a:ext cx="1451960" cy="1"/>
+          </a:xfrm>
+          <a:prstGeom prst="straightConnector1">
+            <a:avLst/>
+          </a:prstGeom>
+          <a:ln>
+            <a:tailEnd type="triangle"/>
+          </a:ln>
+        </p:spPr>
+        <p:style>
+          <a:lnRef idx="1">
+            <a:schemeClr val="accent1"/>
+          </a:lnRef>
+          <a:fillRef idx="0">
+            <a:schemeClr val="accent1"/>
+          </a:fillRef>
+          <a:effectRef idx="0">
+            <a:schemeClr val="accent1"/>
+          </a:effectRef>
+          <a:fontRef idx="minor">
+            <a:schemeClr val="tx1"/>
+          </a:fontRef>
+        </p:style>
+      </p:cxnSp>
+      <p:sp>
+        <p:nvSpPr>
+          <p:cNvPr id="56" name="TextBox 55">
+            <a:extLst>
+              <a:ext uri="{FF2B5EF4-FFF2-40B4-BE49-F238E27FC236}">
+                <a16:creationId xmlns:a16="http://schemas.microsoft.com/office/drawing/2014/main" id="{A2ECE543-A80B-4572-AF7B-63067B7B0FBD}"/>
+              </a:ext>
+            </a:extLst>
+          </p:cNvPr>
+          <p:cNvSpPr txBox="1"/>
+          <p:nvPr/>
+        </p:nvSpPr>
+        <p:spPr>
+          <a:xfrm>
+            <a:off x="10508794" y="1948415"/>
+            <a:ext cx="892658" cy="369332"/>
+          </a:xfrm>
+          <a:prstGeom prst="rect">
+            <a:avLst/>
+          </a:prstGeom>
+          <a:noFill/>
+          <a:ln>
+            <a:noFill/>
+          </a:ln>
+        </p:spPr>
+        <p:txBody>
+          <a:bodyPr wrap="square" rtlCol="0">
+            <a:spAutoFit/>
+          </a:bodyPr>
+          <a:lstStyle/>
+          <a:p>
+            <a:r>
+              <a:rPr lang="en-US" dirty="0"/>
+              <a:t>1 or 0</a:t>
+            </a:r>
+          </a:p>
+        </p:txBody>
+      </p:sp>
+      <p:sp>
+        <p:nvSpPr>
+          <p:cNvPr id="2" name="Oval 1">
+            <a:extLst>
+              <a:ext uri="{FF2B5EF4-FFF2-40B4-BE49-F238E27FC236}">
+                <a16:creationId xmlns:a16="http://schemas.microsoft.com/office/drawing/2014/main" id="{3310BD98-184E-4DE8-87C4-DCCD5B17872E}"/>
+              </a:ext>
+            </a:extLst>
+          </p:cNvPr>
+          <p:cNvSpPr/>
+          <p:nvPr/>
+        </p:nvSpPr>
+        <p:spPr>
+          <a:xfrm>
+            <a:off x="3651361" y="5346226"/>
+            <a:ext cx="2517058" cy="1028584"/>
+          </a:xfrm>
+          <a:prstGeom prst="ellipse">
+            <a:avLst/>
+          </a:prstGeom>
+          <a:noFill/>
+        </p:spPr>
+        <p:style>
+          <a:lnRef idx="2">
+            <a:schemeClr val="accent1">
+              <a:shade val="50000"/>
+            </a:schemeClr>
+          </a:lnRef>
+          <a:fillRef idx="1">
+            <a:schemeClr val="accent1"/>
+          </a:fillRef>
+          <a:effectRef idx="0">
+            <a:schemeClr val="accent1"/>
+          </a:effectRef>
+          <a:fontRef idx="minor">
+            <a:schemeClr val="lt1"/>
+          </a:fontRef>
+        </p:style>
+        <p:txBody>
+          <a:bodyPr rtlCol="0" anchor="ctr"/>
+          <a:lstStyle/>
+          <a:p>
+            <a:pPr algn="ctr"/>
+            <a:r>
+              <a:rPr lang="en-US" dirty="0">
+                <a:solidFill>
+                  <a:schemeClr val="tx1"/>
+                </a:solidFill>
+              </a:rPr>
+              <a:t>Cell Body</a:t>
+            </a:r>
+          </a:p>
+        </p:txBody>
+      </p:sp>
+      <p:sp>
+        <p:nvSpPr>
+          <p:cNvPr id="3" name="Freeform: Shape 2">
+            <a:extLst>
+              <a:ext uri="{FF2B5EF4-FFF2-40B4-BE49-F238E27FC236}">
+                <a16:creationId xmlns:a16="http://schemas.microsoft.com/office/drawing/2014/main" id="{43ED2030-EA8F-4C81-8F99-087E1E36F23F}"/>
+              </a:ext>
+            </a:extLst>
+          </p:cNvPr>
+          <p:cNvSpPr/>
+          <p:nvPr/>
+        </p:nvSpPr>
+        <p:spPr>
+          <a:xfrm>
+            <a:off x="1022555" y="4962060"/>
+            <a:ext cx="2694039" cy="740650"/>
+          </a:xfrm>
+          <a:custGeom>
+            <a:avLst/>
+            <a:gdLst>
+              <a:gd name="connsiteX0" fmla="*/ 2694039 w 2694039"/>
+              <a:gd name="connsiteY0" fmla="*/ 740650 h 740650"/>
+              <a:gd name="connsiteX1" fmla="*/ 816077 w 2694039"/>
+              <a:gd name="connsiteY1" fmla="*/ 386688 h 740650"/>
+              <a:gd name="connsiteX2" fmla="*/ 825910 w 2694039"/>
+              <a:gd name="connsiteY2" fmla="*/ 13063 h 740650"/>
+              <a:gd name="connsiteX3" fmla="*/ 0 w 2694039"/>
+              <a:gd name="connsiteY3" fmla="*/ 121217 h 740650"/>
+            </a:gdLst>
+            <a:ahLst/>
+            <a:cxnLst>
+              <a:cxn ang="0">
+                <a:pos x="connsiteX0" y="connsiteY0"/>
+              </a:cxn>
+              <a:cxn ang="0">
+                <a:pos x="connsiteX1" y="connsiteY1"/>
+              </a:cxn>
+              <a:cxn ang="0">
+                <a:pos x="connsiteX2" y="connsiteY2"/>
+              </a:cxn>
+              <a:cxn ang="0">
+                <a:pos x="connsiteX3" y="connsiteY3"/>
+              </a:cxn>
+            </a:cxnLst>
+            <a:rect l="l" t="t" r="r" b="b"/>
+            <a:pathLst>
+              <a:path w="2694039" h="740650">
+                <a:moveTo>
+                  <a:pt x="2694039" y="740650"/>
+                </a:moveTo>
+                <a:cubicBezTo>
+                  <a:pt x="1910735" y="624301"/>
+                  <a:pt x="1127432" y="507952"/>
+                  <a:pt x="816077" y="386688"/>
+                </a:cubicBezTo>
+                <a:cubicBezTo>
+                  <a:pt x="504722" y="265423"/>
+                  <a:pt x="961923" y="57308"/>
+                  <a:pt x="825910" y="13063"/>
+                </a:cubicBezTo>
+                <a:cubicBezTo>
+                  <a:pt x="689897" y="-31182"/>
+                  <a:pt x="344948" y="45017"/>
+                  <a:pt x="0" y="121217"/>
+                </a:cubicBezTo>
+              </a:path>
+            </a:pathLst>
+          </a:custGeom>
+          <a:noFill/>
+        </p:spPr>
+        <p:style>
+          <a:lnRef idx="2">
+            <a:schemeClr val="accent1">
+              <a:shade val="50000"/>
+            </a:schemeClr>
+          </a:lnRef>
+          <a:fillRef idx="1">
+            <a:schemeClr val="accent1"/>
+          </a:fillRef>
+          <a:effectRef idx="0">
+            <a:schemeClr val="accent1"/>
+          </a:effectRef>
+          <a:fontRef idx="minor">
+            <a:schemeClr val="lt1"/>
+          </a:fontRef>
+        </p:style>
+        <p:txBody>
+          <a:bodyPr rtlCol="0" anchor="ctr"/>
+          <a:lstStyle/>
+          <a:p>
+            <a:pPr algn="ctr"/>
+            <a:endParaRPr lang="en-US"/>
+          </a:p>
+        </p:txBody>
+      </p:sp>
+      <p:sp>
+        <p:nvSpPr>
+          <p:cNvPr id="9" name="Freeform: Shape 8">
+            <a:extLst>
+              <a:ext uri="{FF2B5EF4-FFF2-40B4-BE49-F238E27FC236}">
+                <a16:creationId xmlns:a16="http://schemas.microsoft.com/office/drawing/2014/main" id="{1C2D8C06-E0D9-46B8-8D52-4D95A6CBA28C}"/>
+              </a:ext>
+            </a:extLst>
+          </p:cNvPr>
+          <p:cNvSpPr/>
+          <p:nvPr/>
+        </p:nvSpPr>
+        <p:spPr>
+          <a:xfrm>
+            <a:off x="442452" y="5574573"/>
+            <a:ext cx="3254477" cy="358014"/>
+          </a:xfrm>
+          <a:custGeom>
+            <a:avLst/>
+            <a:gdLst>
+              <a:gd name="connsiteX0" fmla="*/ 3254477 w 3254477"/>
+              <a:gd name="connsiteY0" fmla="*/ 255956 h 358014"/>
+              <a:gd name="connsiteX1" fmla="*/ 2094271 w 3254477"/>
+              <a:gd name="connsiteY1" fmla="*/ 344446 h 358014"/>
+              <a:gd name="connsiteX2" fmla="*/ 511277 w 3254477"/>
+              <a:gd name="connsiteY2" fmla="*/ 317 h 358014"/>
+              <a:gd name="connsiteX3" fmla="*/ 0 w 3254477"/>
+              <a:gd name="connsiteY3" fmla="*/ 295285 h 358014"/>
+            </a:gdLst>
+            <a:ahLst/>
+            <a:cxnLst>
+              <a:cxn ang="0">
+                <a:pos x="connsiteX0" y="connsiteY0"/>
+              </a:cxn>
+              <a:cxn ang="0">
+                <a:pos x="connsiteX1" y="connsiteY1"/>
+              </a:cxn>
+              <a:cxn ang="0">
+                <a:pos x="connsiteX2" y="connsiteY2"/>
+              </a:cxn>
+              <a:cxn ang="0">
+                <a:pos x="connsiteX3" y="connsiteY3"/>
+              </a:cxn>
+            </a:cxnLst>
+            <a:rect l="l" t="t" r="r" b="b"/>
+            <a:pathLst>
+              <a:path w="3254477" h="358014">
+                <a:moveTo>
+                  <a:pt x="3254477" y="255956"/>
+                </a:moveTo>
+                <a:cubicBezTo>
+                  <a:pt x="2902974" y="321504"/>
+                  <a:pt x="2551471" y="387052"/>
+                  <a:pt x="2094271" y="344446"/>
+                </a:cubicBezTo>
+                <a:cubicBezTo>
+                  <a:pt x="1637071" y="301840"/>
+                  <a:pt x="860322" y="8510"/>
+                  <a:pt x="511277" y="317"/>
+                </a:cubicBezTo>
+                <a:cubicBezTo>
+                  <a:pt x="162232" y="-7876"/>
+                  <a:pt x="81116" y="143704"/>
+                  <a:pt x="0" y="295285"/>
+                </a:cubicBezTo>
+              </a:path>
+            </a:pathLst>
+          </a:custGeom>
+          <a:noFill/>
+        </p:spPr>
+        <p:style>
+          <a:lnRef idx="2">
+            <a:schemeClr val="accent1">
+              <a:shade val="50000"/>
+            </a:schemeClr>
+          </a:lnRef>
+          <a:fillRef idx="1">
+            <a:schemeClr val="accent1"/>
+          </a:fillRef>
+          <a:effectRef idx="0">
+            <a:schemeClr val="accent1"/>
+          </a:effectRef>
+          <a:fontRef idx="minor">
+            <a:schemeClr val="lt1"/>
+          </a:fontRef>
+        </p:style>
+        <p:txBody>
+          <a:bodyPr rtlCol="0" anchor="ctr"/>
+          <a:lstStyle/>
+          <a:p>
+            <a:pPr algn="ctr"/>
+            <a:endParaRPr lang="en-US"/>
+          </a:p>
+        </p:txBody>
+      </p:sp>
+      <p:sp>
+        <p:nvSpPr>
+          <p:cNvPr id="12" name="Freeform: Shape 11">
+            <a:extLst>
+              <a:ext uri="{FF2B5EF4-FFF2-40B4-BE49-F238E27FC236}">
+                <a16:creationId xmlns:a16="http://schemas.microsoft.com/office/drawing/2014/main" id="{CA808655-409E-4CA8-AFC7-AAA4B21E49DB}"/>
+              </a:ext>
+            </a:extLst>
+          </p:cNvPr>
+          <p:cNvSpPr/>
+          <p:nvPr/>
+        </p:nvSpPr>
+        <p:spPr>
+          <a:xfrm>
+            <a:off x="845574" y="5968181"/>
+            <a:ext cx="2831691" cy="334296"/>
+          </a:xfrm>
+          <a:custGeom>
+            <a:avLst/>
+            <a:gdLst>
+              <a:gd name="connsiteX0" fmla="*/ 2831691 w 2831691"/>
+              <a:gd name="connsiteY0" fmla="*/ 0 h 334296"/>
+              <a:gd name="connsiteX1" fmla="*/ 1307691 w 2831691"/>
+              <a:gd name="connsiteY1" fmla="*/ 314632 h 334296"/>
+              <a:gd name="connsiteX2" fmla="*/ 245807 w 2831691"/>
+              <a:gd name="connsiteY2" fmla="*/ 186813 h 334296"/>
+              <a:gd name="connsiteX3" fmla="*/ 0 w 2831691"/>
+              <a:gd name="connsiteY3" fmla="*/ 334296 h 334296"/>
+            </a:gdLst>
+            <a:ahLst/>
+            <a:cxnLst>
+              <a:cxn ang="0">
+                <a:pos x="connsiteX0" y="connsiteY0"/>
+              </a:cxn>
+              <a:cxn ang="0">
+                <a:pos x="connsiteX1" y="connsiteY1"/>
+              </a:cxn>
+              <a:cxn ang="0">
+                <a:pos x="connsiteX2" y="connsiteY2"/>
+              </a:cxn>
+              <a:cxn ang="0">
+                <a:pos x="connsiteX3" y="connsiteY3"/>
+              </a:cxn>
+            </a:cxnLst>
+            <a:rect l="l" t="t" r="r" b="b"/>
+            <a:pathLst>
+              <a:path w="2831691" h="334296">
+                <a:moveTo>
+                  <a:pt x="2831691" y="0"/>
+                </a:moveTo>
+                <a:cubicBezTo>
+                  <a:pt x="2285181" y="141748"/>
+                  <a:pt x="1738672" y="283497"/>
+                  <a:pt x="1307691" y="314632"/>
+                </a:cubicBezTo>
+                <a:cubicBezTo>
+                  <a:pt x="876710" y="345768"/>
+                  <a:pt x="463755" y="183536"/>
+                  <a:pt x="245807" y="186813"/>
+                </a:cubicBezTo>
+                <a:cubicBezTo>
+                  <a:pt x="27858" y="190090"/>
+                  <a:pt x="13929" y="262193"/>
+                  <a:pt x="0" y="334296"/>
+                </a:cubicBezTo>
+              </a:path>
+            </a:pathLst>
+          </a:custGeom>
+          <a:noFill/>
+        </p:spPr>
+        <p:style>
+          <a:lnRef idx="2">
+            <a:schemeClr val="accent1">
+              <a:shade val="50000"/>
+            </a:schemeClr>
+          </a:lnRef>
+          <a:fillRef idx="1">
+            <a:schemeClr val="accent1"/>
+          </a:fillRef>
+          <a:effectRef idx="0">
+            <a:schemeClr val="accent1"/>
+          </a:effectRef>
+          <a:fontRef idx="minor">
+            <a:schemeClr val="lt1"/>
+          </a:fontRef>
+        </p:style>
+        <p:txBody>
+          <a:bodyPr rtlCol="0" anchor="ctr"/>
+          <a:lstStyle/>
+          <a:p>
+            <a:pPr algn="ctr"/>
+            <a:endParaRPr lang="en-US"/>
+          </a:p>
+        </p:txBody>
+      </p:sp>
+      <p:sp>
+        <p:nvSpPr>
+          <p:cNvPr id="14" name="Freeform: Shape 13">
+            <a:extLst>
+              <a:ext uri="{FF2B5EF4-FFF2-40B4-BE49-F238E27FC236}">
+                <a16:creationId xmlns:a16="http://schemas.microsoft.com/office/drawing/2014/main" id="{56E8F666-A617-4C31-9E83-8E5D21A323B3}"/>
+              </a:ext>
+            </a:extLst>
+          </p:cNvPr>
+          <p:cNvSpPr/>
+          <p:nvPr/>
+        </p:nvSpPr>
+        <p:spPr>
+          <a:xfrm>
+            <a:off x="1415845" y="6019418"/>
+            <a:ext cx="2330630" cy="617356"/>
+          </a:xfrm>
+          <a:custGeom>
+            <a:avLst/>
+            <a:gdLst>
+              <a:gd name="connsiteX0" fmla="*/ 2320413 w 2330630"/>
+              <a:gd name="connsiteY0" fmla="*/ 17588 h 617356"/>
+              <a:gd name="connsiteX1" fmla="*/ 2241755 w 2330630"/>
+              <a:gd name="connsiteY1" fmla="*/ 56917 h 617356"/>
+              <a:gd name="connsiteX2" fmla="*/ 1671484 w 2330630"/>
+              <a:gd name="connsiteY2" fmla="*/ 489537 h 617356"/>
+              <a:gd name="connsiteX3" fmla="*/ 698090 w 2330630"/>
+              <a:gd name="connsiteY3" fmla="*/ 538698 h 617356"/>
+              <a:gd name="connsiteX4" fmla="*/ 0 w 2330630"/>
+              <a:gd name="connsiteY4" fmla="*/ 617356 h 617356"/>
+            </a:gdLst>
+            <a:ahLst/>
+            <a:cxnLst>
+              <a:cxn ang="0">
+                <a:pos x="connsiteX0" y="connsiteY0"/>
+              </a:cxn>
+              <a:cxn ang="0">
+                <a:pos x="connsiteX1" y="connsiteY1"/>
+              </a:cxn>
+              <a:cxn ang="0">
+                <a:pos x="connsiteX2" y="connsiteY2"/>
+              </a:cxn>
+              <a:cxn ang="0">
+                <a:pos x="connsiteX3" y="connsiteY3"/>
+              </a:cxn>
+              <a:cxn ang="0">
+                <a:pos x="connsiteX4" y="connsiteY4"/>
+              </a:cxn>
+            </a:cxnLst>
+            <a:rect l="l" t="t" r="r" b="b"/>
+            <a:pathLst>
+              <a:path w="2330630" h="617356">
+                <a:moveTo>
+                  <a:pt x="2320413" y="17588"/>
+                </a:moveTo>
+                <a:cubicBezTo>
+                  <a:pt x="2335161" y="-2077"/>
+                  <a:pt x="2349910" y="-21741"/>
+                  <a:pt x="2241755" y="56917"/>
+                </a:cubicBezTo>
+                <a:cubicBezTo>
+                  <a:pt x="2133600" y="135575"/>
+                  <a:pt x="1928761" y="409240"/>
+                  <a:pt x="1671484" y="489537"/>
+                </a:cubicBezTo>
+                <a:cubicBezTo>
+                  <a:pt x="1414206" y="569834"/>
+                  <a:pt x="976671" y="517395"/>
+                  <a:pt x="698090" y="538698"/>
+                </a:cubicBezTo>
+                <a:cubicBezTo>
+                  <a:pt x="419509" y="560001"/>
+                  <a:pt x="209754" y="588678"/>
+                  <a:pt x="0" y="617356"/>
+                </a:cubicBezTo>
+              </a:path>
+            </a:pathLst>
+          </a:custGeom>
+          <a:noFill/>
+        </p:spPr>
+        <p:style>
+          <a:lnRef idx="2">
+            <a:schemeClr val="accent1">
+              <a:shade val="50000"/>
+            </a:schemeClr>
+          </a:lnRef>
+          <a:fillRef idx="1">
+            <a:schemeClr val="accent1"/>
+          </a:fillRef>
+          <a:effectRef idx="0">
+            <a:schemeClr val="accent1"/>
+          </a:effectRef>
+          <a:fontRef idx="minor">
+            <a:schemeClr val="lt1"/>
+          </a:fontRef>
+        </p:style>
+        <p:txBody>
+          <a:bodyPr rtlCol="0" anchor="ctr"/>
+          <a:lstStyle/>
+          <a:p>
+            <a:pPr algn="ctr"/>
+            <a:endParaRPr lang="en-US"/>
+          </a:p>
+        </p:txBody>
+      </p:sp>
+      <p:sp>
+        <p:nvSpPr>
+          <p:cNvPr id="16" name="Freeform: Shape 15">
+            <a:extLst>
+              <a:ext uri="{FF2B5EF4-FFF2-40B4-BE49-F238E27FC236}">
+                <a16:creationId xmlns:a16="http://schemas.microsoft.com/office/drawing/2014/main" id="{A1A89024-C295-47C0-B4F7-B8545C5142AF}"/>
+              </a:ext>
+            </a:extLst>
+          </p:cNvPr>
+          <p:cNvSpPr/>
+          <p:nvPr/>
+        </p:nvSpPr>
+        <p:spPr>
+          <a:xfrm>
+            <a:off x="6174658" y="5455540"/>
+            <a:ext cx="3647768" cy="414318"/>
+          </a:xfrm>
+          <a:custGeom>
+            <a:avLst/>
+            <a:gdLst>
+              <a:gd name="connsiteX0" fmla="*/ 0 w 3647768"/>
+              <a:gd name="connsiteY0" fmla="*/ 414318 h 414318"/>
+              <a:gd name="connsiteX1" fmla="*/ 1238865 w 3647768"/>
+              <a:gd name="connsiteY1" fmla="*/ 217673 h 414318"/>
+              <a:gd name="connsiteX2" fmla="*/ 2743200 w 3647768"/>
+              <a:gd name="connsiteY2" fmla="*/ 1363 h 414318"/>
+              <a:gd name="connsiteX3" fmla="*/ 3647768 w 3647768"/>
+              <a:gd name="connsiteY3" fmla="*/ 325828 h 414318"/>
+            </a:gdLst>
+            <a:ahLst/>
+            <a:cxnLst>
+              <a:cxn ang="0">
+                <a:pos x="connsiteX0" y="connsiteY0"/>
+              </a:cxn>
+              <a:cxn ang="0">
+                <a:pos x="connsiteX1" y="connsiteY1"/>
+              </a:cxn>
+              <a:cxn ang="0">
+                <a:pos x="connsiteX2" y="connsiteY2"/>
+              </a:cxn>
+              <a:cxn ang="0">
+                <a:pos x="connsiteX3" y="connsiteY3"/>
+              </a:cxn>
+            </a:cxnLst>
+            <a:rect l="l" t="t" r="r" b="b"/>
+            <a:pathLst>
+              <a:path w="3647768" h="414318">
+                <a:moveTo>
+                  <a:pt x="0" y="414318"/>
+                </a:moveTo>
+                <a:lnTo>
+                  <a:pt x="1238865" y="217673"/>
+                </a:lnTo>
+                <a:cubicBezTo>
+                  <a:pt x="1696065" y="148847"/>
+                  <a:pt x="2341716" y="-16663"/>
+                  <a:pt x="2743200" y="1363"/>
+                </a:cubicBezTo>
+                <a:cubicBezTo>
+                  <a:pt x="3144684" y="19389"/>
+                  <a:pt x="3511755" y="324189"/>
+                  <a:pt x="3647768" y="325828"/>
+                </a:cubicBezTo>
+              </a:path>
+            </a:pathLst>
+          </a:custGeom>
+          <a:noFill/>
+        </p:spPr>
+        <p:style>
+          <a:lnRef idx="2">
+            <a:schemeClr val="accent1">
+              <a:shade val="50000"/>
+            </a:schemeClr>
+          </a:lnRef>
+          <a:fillRef idx="1">
+            <a:schemeClr val="accent1"/>
+          </a:fillRef>
+          <a:effectRef idx="0">
+            <a:schemeClr val="accent1"/>
+          </a:effectRef>
+          <a:fontRef idx="minor">
+            <a:schemeClr val="lt1"/>
+          </a:fontRef>
+        </p:style>
+        <p:txBody>
+          <a:bodyPr rtlCol="0" anchor="ctr"/>
+          <a:lstStyle/>
+          <a:p>
+            <a:pPr algn="ctr"/>
+            <a:endParaRPr lang="en-US"/>
+          </a:p>
+        </p:txBody>
+      </p:sp>
+      <p:sp>
+        <p:nvSpPr>
+          <p:cNvPr id="36" name="TextBox 35">
+            <a:extLst>
+              <a:ext uri="{FF2B5EF4-FFF2-40B4-BE49-F238E27FC236}">
+                <a16:creationId xmlns:a16="http://schemas.microsoft.com/office/drawing/2014/main" id="{960B2302-4B44-474E-A262-E11B602AE725}"/>
+              </a:ext>
+            </a:extLst>
+          </p:cNvPr>
+          <p:cNvSpPr txBox="1"/>
+          <p:nvPr/>
+        </p:nvSpPr>
+        <p:spPr>
+          <a:xfrm>
+            <a:off x="3960894" y="6375517"/>
+            <a:ext cx="2021097" cy="369332"/>
+          </a:xfrm>
+          <a:prstGeom prst="rect">
+            <a:avLst/>
+          </a:prstGeom>
+          <a:noFill/>
+          <a:ln>
+            <a:noFill/>
+          </a:ln>
+        </p:spPr>
+        <p:txBody>
+          <a:bodyPr wrap="square" rtlCol="0">
+            <a:spAutoFit/>
+          </a:bodyPr>
+          <a:lstStyle/>
+          <a:p>
+            <a:r>
+              <a:rPr lang="en-US" dirty="0"/>
+              <a:t>Biological Neuron</a:t>
+            </a:r>
+          </a:p>
+        </p:txBody>
+      </p:sp>
+      <p:sp>
+        <p:nvSpPr>
+          <p:cNvPr id="37" name="TextBox 36">
+            <a:extLst>
+              <a:ext uri="{FF2B5EF4-FFF2-40B4-BE49-F238E27FC236}">
+                <a16:creationId xmlns:a16="http://schemas.microsoft.com/office/drawing/2014/main" id="{B70B5B43-8B6A-4064-971E-5470A8FDE5C3}"/>
+              </a:ext>
+            </a:extLst>
+          </p:cNvPr>
+          <p:cNvSpPr txBox="1"/>
+          <p:nvPr/>
+        </p:nvSpPr>
+        <p:spPr>
+          <a:xfrm>
+            <a:off x="7998542" y="5170046"/>
+            <a:ext cx="1058669" cy="369332"/>
+          </a:xfrm>
+          <a:prstGeom prst="rect">
+            <a:avLst/>
+          </a:prstGeom>
+          <a:noFill/>
+          <a:ln>
+            <a:noFill/>
+          </a:ln>
+        </p:spPr>
+        <p:txBody>
+          <a:bodyPr wrap="square" rtlCol="0">
+            <a:spAutoFit/>
+          </a:bodyPr>
+          <a:lstStyle/>
+          <a:p>
+            <a:r>
+              <a:rPr lang="en-US" dirty="0"/>
+              <a:t>Axon</a:t>
+            </a:r>
+          </a:p>
+        </p:txBody>
+      </p:sp>
+      <p:sp>
+        <p:nvSpPr>
+          <p:cNvPr id="40" name="TextBox 39">
+            <a:extLst>
+              <a:ext uri="{FF2B5EF4-FFF2-40B4-BE49-F238E27FC236}">
+                <a16:creationId xmlns:a16="http://schemas.microsoft.com/office/drawing/2014/main" id="{63AD8AB9-D0AC-4825-AFCB-AC7658BD06CB}"/>
+              </a:ext>
+            </a:extLst>
+          </p:cNvPr>
+          <p:cNvSpPr txBox="1"/>
+          <p:nvPr/>
+        </p:nvSpPr>
+        <p:spPr>
+          <a:xfrm>
+            <a:off x="357176" y="5192128"/>
+            <a:ext cx="1058669" cy="369332"/>
+          </a:xfrm>
+          <a:prstGeom prst="rect">
+            <a:avLst/>
+          </a:prstGeom>
+          <a:noFill/>
+          <a:ln>
+            <a:noFill/>
+          </a:ln>
+        </p:spPr>
+        <p:txBody>
+          <a:bodyPr wrap="square" rtlCol="0">
+            <a:spAutoFit/>
+          </a:bodyPr>
+          <a:lstStyle/>
+          <a:p>
+            <a:r>
+              <a:rPr lang="en-US" dirty="0"/>
+              <a:t>dendrite</a:t>
+            </a:r>
+          </a:p>
+        </p:txBody>
+      </p:sp>
+      <p:sp>
+        <p:nvSpPr>
+          <p:cNvPr id="18" name="Freeform: Shape 17">
+            <a:extLst>
+              <a:ext uri="{FF2B5EF4-FFF2-40B4-BE49-F238E27FC236}">
+                <a16:creationId xmlns:a16="http://schemas.microsoft.com/office/drawing/2014/main" id="{DC4FD214-6824-4779-8D24-04FA05B67176}"/>
+              </a:ext>
+            </a:extLst>
+          </p:cNvPr>
+          <p:cNvSpPr/>
+          <p:nvPr/>
+        </p:nvSpPr>
+        <p:spPr>
+          <a:xfrm>
+            <a:off x="609600" y="4791764"/>
+            <a:ext cx="432619" cy="281681"/>
+          </a:xfrm>
+          <a:custGeom>
+            <a:avLst/>
+            <a:gdLst>
+              <a:gd name="connsiteX0" fmla="*/ 432619 w 432619"/>
+              <a:gd name="connsiteY0" fmla="*/ 281681 h 281681"/>
+              <a:gd name="connsiteX1" fmla="*/ 344129 w 432619"/>
+              <a:gd name="connsiteY1" fmla="*/ 35875 h 281681"/>
+              <a:gd name="connsiteX2" fmla="*/ 0 w 432619"/>
+              <a:gd name="connsiteY2" fmla="*/ 6378 h 281681"/>
+            </a:gdLst>
+            <a:ahLst/>
+            <a:cxnLst>
+              <a:cxn ang="0">
+                <a:pos x="connsiteX0" y="connsiteY0"/>
+              </a:cxn>
+              <a:cxn ang="0">
+                <a:pos x="connsiteX1" y="connsiteY1"/>
+              </a:cxn>
+              <a:cxn ang="0">
+                <a:pos x="connsiteX2" y="connsiteY2"/>
+              </a:cxn>
+            </a:cxnLst>
+            <a:rect l="l" t="t" r="r" b="b"/>
+            <a:pathLst>
+              <a:path w="432619" h="281681">
+                <a:moveTo>
+                  <a:pt x="432619" y="281681"/>
+                </a:moveTo>
+                <a:cubicBezTo>
+                  <a:pt x="424425" y="181720"/>
+                  <a:pt x="416232" y="81759"/>
+                  <a:pt x="344129" y="35875"/>
+                </a:cubicBezTo>
+                <a:cubicBezTo>
+                  <a:pt x="272026" y="-10009"/>
+                  <a:pt x="136013" y="-1816"/>
+                  <a:pt x="0" y="6378"/>
+                </a:cubicBezTo>
+              </a:path>
+            </a:pathLst>
+          </a:custGeom>
+          <a:noFill/>
+        </p:spPr>
+        <p:style>
+          <a:lnRef idx="2">
+            <a:schemeClr val="accent1">
+              <a:shade val="50000"/>
+            </a:schemeClr>
+          </a:lnRef>
+          <a:fillRef idx="1">
+            <a:schemeClr val="accent1"/>
+          </a:fillRef>
+          <a:effectRef idx="0">
+            <a:schemeClr val="accent1"/>
+          </a:effectRef>
+          <a:fontRef idx="minor">
+            <a:schemeClr val="lt1"/>
+          </a:fontRef>
+        </p:style>
+        <p:txBody>
+          <a:bodyPr rtlCol="0" anchor="ctr"/>
+          <a:lstStyle/>
+          <a:p>
+            <a:pPr algn="ctr"/>
+            <a:endParaRPr lang="en-US"/>
+          </a:p>
+        </p:txBody>
+      </p:sp>
+      <p:sp>
+        <p:nvSpPr>
+          <p:cNvPr id="31" name="Freeform: Shape 30">
+            <a:extLst>
+              <a:ext uri="{FF2B5EF4-FFF2-40B4-BE49-F238E27FC236}">
+                <a16:creationId xmlns:a16="http://schemas.microsoft.com/office/drawing/2014/main" id="{0C145801-4CB2-4E90-82EE-F5D809814B40}"/>
+              </a:ext>
+            </a:extLst>
+          </p:cNvPr>
+          <p:cNvSpPr/>
+          <p:nvPr/>
+        </p:nvSpPr>
+        <p:spPr>
+          <a:xfrm>
+            <a:off x="471948" y="5013484"/>
+            <a:ext cx="560439" cy="97972"/>
+          </a:xfrm>
+          <a:custGeom>
+            <a:avLst/>
+            <a:gdLst>
+              <a:gd name="connsiteX0" fmla="*/ 560439 w 560439"/>
+              <a:gd name="connsiteY0" fmla="*/ 89458 h 97972"/>
+              <a:gd name="connsiteX1" fmla="*/ 432620 w 560439"/>
+              <a:gd name="connsiteY1" fmla="*/ 89458 h 97972"/>
+              <a:gd name="connsiteX2" fmla="*/ 235975 w 560439"/>
+              <a:gd name="connsiteY2" fmla="*/ 968 h 97972"/>
+              <a:gd name="connsiteX3" fmla="*/ 0 w 560439"/>
+              <a:gd name="connsiteY3" fmla="*/ 50129 h 97972"/>
+            </a:gdLst>
+            <a:ahLst/>
+            <a:cxnLst>
+              <a:cxn ang="0">
+                <a:pos x="connsiteX0" y="connsiteY0"/>
+              </a:cxn>
+              <a:cxn ang="0">
+                <a:pos x="connsiteX1" y="connsiteY1"/>
+              </a:cxn>
+              <a:cxn ang="0">
+                <a:pos x="connsiteX2" y="connsiteY2"/>
+              </a:cxn>
+              <a:cxn ang="0">
+                <a:pos x="connsiteX3" y="connsiteY3"/>
+              </a:cxn>
+            </a:cxnLst>
+            <a:rect l="l" t="t" r="r" b="b"/>
+            <a:pathLst>
+              <a:path w="560439" h="97972">
+                <a:moveTo>
+                  <a:pt x="560439" y="89458"/>
+                </a:moveTo>
+                <a:cubicBezTo>
+                  <a:pt x="523568" y="96832"/>
+                  <a:pt x="486697" y="104206"/>
+                  <a:pt x="432620" y="89458"/>
+                </a:cubicBezTo>
+                <a:cubicBezTo>
+                  <a:pt x="378543" y="74710"/>
+                  <a:pt x="308078" y="7523"/>
+                  <a:pt x="235975" y="968"/>
+                </a:cubicBezTo>
+                <a:cubicBezTo>
+                  <a:pt x="163872" y="-5587"/>
+                  <a:pt x="81936" y="22271"/>
+                  <a:pt x="0" y="50129"/>
+                </a:cubicBezTo>
+              </a:path>
+            </a:pathLst>
+          </a:custGeom>
+          <a:noFill/>
+        </p:spPr>
+        <p:style>
+          <a:lnRef idx="2">
+            <a:schemeClr val="accent1">
+              <a:shade val="50000"/>
+            </a:schemeClr>
+          </a:lnRef>
+          <a:fillRef idx="1">
+            <a:schemeClr val="accent1"/>
+          </a:fillRef>
+          <a:effectRef idx="0">
+            <a:schemeClr val="accent1"/>
+          </a:effectRef>
+          <a:fontRef idx="minor">
+            <a:schemeClr val="lt1"/>
+          </a:fontRef>
+        </p:style>
+        <p:txBody>
+          <a:bodyPr rtlCol="0" anchor="ctr"/>
+          <a:lstStyle/>
+          <a:p>
+            <a:pPr algn="ctr"/>
+            <a:endParaRPr lang="en-US"/>
+          </a:p>
+        </p:txBody>
+      </p:sp>
+      <p:sp>
+        <p:nvSpPr>
+          <p:cNvPr id="32" name="Freeform: Shape 31">
+            <a:extLst>
+              <a:ext uri="{FF2B5EF4-FFF2-40B4-BE49-F238E27FC236}">
+                <a16:creationId xmlns:a16="http://schemas.microsoft.com/office/drawing/2014/main" id="{B5A6D867-E4C8-486C-ABFB-C71245D8386C}"/>
+              </a:ext>
+            </a:extLst>
+          </p:cNvPr>
+          <p:cNvSpPr/>
+          <p:nvPr/>
+        </p:nvSpPr>
+        <p:spPr>
+          <a:xfrm>
+            <a:off x="363794" y="6252348"/>
+            <a:ext cx="471948" cy="89458"/>
+          </a:xfrm>
+          <a:custGeom>
+            <a:avLst/>
+            <a:gdLst>
+              <a:gd name="connsiteX0" fmla="*/ 471948 w 471948"/>
+              <a:gd name="connsiteY0" fmla="*/ 50129 h 89458"/>
+              <a:gd name="connsiteX1" fmla="*/ 196645 w 471948"/>
+              <a:gd name="connsiteY1" fmla="*/ 968 h 89458"/>
+              <a:gd name="connsiteX2" fmla="*/ 0 w 471948"/>
+              <a:gd name="connsiteY2" fmla="*/ 89458 h 89458"/>
+            </a:gdLst>
+            <a:ahLst/>
+            <a:cxnLst>
+              <a:cxn ang="0">
+                <a:pos x="connsiteX0" y="connsiteY0"/>
+              </a:cxn>
+              <a:cxn ang="0">
+                <a:pos x="connsiteX1" y="connsiteY1"/>
+              </a:cxn>
+              <a:cxn ang="0">
+                <a:pos x="connsiteX2" y="connsiteY2"/>
+              </a:cxn>
+            </a:cxnLst>
+            <a:rect l="l" t="t" r="r" b="b"/>
+            <a:pathLst>
+              <a:path w="471948" h="89458">
+                <a:moveTo>
+                  <a:pt x="471948" y="50129"/>
+                </a:moveTo>
+                <a:cubicBezTo>
+                  <a:pt x="373625" y="22271"/>
+                  <a:pt x="275303" y="-5587"/>
+                  <a:pt x="196645" y="968"/>
+                </a:cubicBezTo>
+                <a:cubicBezTo>
+                  <a:pt x="117987" y="7523"/>
+                  <a:pt x="16387" y="59961"/>
+                  <a:pt x="0" y="89458"/>
+                </a:cubicBezTo>
+              </a:path>
+            </a:pathLst>
+          </a:custGeom>
+          <a:noFill/>
+        </p:spPr>
+        <p:style>
+          <a:lnRef idx="2">
+            <a:schemeClr val="accent1">
+              <a:shade val="50000"/>
+            </a:schemeClr>
+          </a:lnRef>
+          <a:fillRef idx="1">
+            <a:schemeClr val="accent1"/>
+          </a:fillRef>
+          <a:effectRef idx="0">
+            <a:schemeClr val="accent1"/>
+          </a:effectRef>
+          <a:fontRef idx="minor">
+            <a:schemeClr val="lt1"/>
+          </a:fontRef>
+        </p:style>
+        <p:txBody>
+          <a:bodyPr rtlCol="0" anchor="ctr"/>
+          <a:lstStyle/>
+          <a:p>
+            <a:pPr algn="ctr"/>
+            <a:endParaRPr lang="en-US"/>
+          </a:p>
+        </p:txBody>
+      </p:sp>
+      <p:sp>
+        <p:nvSpPr>
+          <p:cNvPr id="33" name="Freeform: Shape 32">
+            <a:extLst>
+              <a:ext uri="{FF2B5EF4-FFF2-40B4-BE49-F238E27FC236}">
+                <a16:creationId xmlns:a16="http://schemas.microsoft.com/office/drawing/2014/main" id="{22C98D3F-0573-4D8B-8B46-7B8B5732A8A3}"/>
+              </a:ext>
+            </a:extLst>
+          </p:cNvPr>
+          <p:cNvSpPr/>
+          <p:nvPr/>
+        </p:nvSpPr>
+        <p:spPr>
+          <a:xfrm>
+            <a:off x="511277" y="6282813"/>
+            <a:ext cx="360655" cy="363793"/>
+          </a:xfrm>
+          <a:custGeom>
+            <a:avLst/>
+            <a:gdLst>
+              <a:gd name="connsiteX0" fmla="*/ 314633 w 360655"/>
+              <a:gd name="connsiteY0" fmla="*/ 0 h 363793"/>
+              <a:gd name="connsiteX1" fmla="*/ 334297 w 360655"/>
+              <a:gd name="connsiteY1" fmla="*/ 255639 h 363793"/>
+              <a:gd name="connsiteX2" fmla="*/ 0 w 360655"/>
+              <a:gd name="connsiteY2" fmla="*/ 363793 h 363793"/>
+            </a:gdLst>
+            <a:ahLst/>
+            <a:cxnLst>
+              <a:cxn ang="0">
+                <a:pos x="connsiteX0" y="connsiteY0"/>
+              </a:cxn>
+              <a:cxn ang="0">
+                <a:pos x="connsiteX1" y="connsiteY1"/>
+              </a:cxn>
+              <a:cxn ang="0">
+                <a:pos x="connsiteX2" y="connsiteY2"/>
+              </a:cxn>
+            </a:cxnLst>
+            <a:rect l="l" t="t" r="r" b="b"/>
+            <a:pathLst>
+              <a:path w="360655" h="363793">
+                <a:moveTo>
+                  <a:pt x="314633" y="0"/>
+                </a:moveTo>
+                <a:cubicBezTo>
+                  <a:pt x="350684" y="97503"/>
+                  <a:pt x="386736" y="195007"/>
+                  <a:pt x="334297" y="255639"/>
+                </a:cubicBezTo>
+                <a:cubicBezTo>
+                  <a:pt x="281858" y="316271"/>
+                  <a:pt x="140929" y="340032"/>
+                  <a:pt x="0" y="363793"/>
+                </a:cubicBezTo>
+              </a:path>
+            </a:pathLst>
+          </a:custGeom>
+          <a:noFill/>
+        </p:spPr>
+        <p:style>
+          <a:lnRef idx="2">
+            <a:schemeClr val="accent1">
+              <a:shade val="50000"/>
+            </a:schemeClr>
+          </a:lnRef>
+          <a:fillRef idx="1">
+            <a:schemeClr val="accent1"/>
+          </a:fillRef>
+          <a:effectRef idx="0">
+            <a:schemeClr val="accent1"/>
+          </a:effectRef>
+          <a:fontRef idx="minor">
+            <a:schemeClr val="lt1"/>
+          </a:fontRef>
+        </p:style>
+        <p:txBody>
+          <a:bodyPr rtlCol="0" anchor="ctr"/>
+          <a:lstStyle/>
+          <a:p>
+            <a:pPr algn="ctr"/>
+            <a:endParaRPr lang="en-US"/>
+          </a:p>
+        </p:txBody>
+      </p:sp>
+      <p:sp>
+        <p:nvSpPr>
+          <p:cNvPr id="34" name="Freeform: Shape 33">
+            <a:extLst>
+              <a:ext uri="{FF2B5EF4-FFF2-40B4-BE49-F238E27FC236}">
+                <a16:creationId xmlns:a16="http://schemas.microsoft.com/office/drawing/2014/main" id="{9394E1FC-1781-44B2-A010-F5157BD85F6A}"/>
+              </a:ext>
+            </a:extLst>
+          </p:cNvPr>
+          <p:cNvSpPr/>
+          <p:nvPr/>
+        </p:nvSpPr>
+        <p:spPr>
+          <a:xfrm>
+            <a:off x="226142" y="6302477"/>
+            <a:ext cx="580103" cy="294968"/>
+          </a:xfrm>
+          <a:custGeom>
+            <a:avLst/>
+            <a:gdLst>
+              <a:gd name="connsiteX0" fmla="*/ 580103 w 580103"/>
+              <a:gd name="connsiteY0" fmla="*/ 0 h 294968"/>
+              <a:gd name="connsiteX1" fmla="*/ 0 w 580103"/>
+              <a:gd name="connsiteY1" fmla="*/ 294968 h 294968"/>
+            </a:gdLst>
+            <a:ahLst/>
+            <a:cxnLst>
+              <a:cxn ang="0">
+                <a:pos x="connsiteX0" y="connsiteY0"/>
+              </a:cxn>
+              <a:cxn ang="0">
+                <a:pos x="connsiteX1" y="connsiteY1"/>
+              </a:cxn>
+            </a:cxnLst>
+            <a:rect l="l" t="t" r="r" b="b"/>
+            <a:pathLst>
+              <a:path w="580103" h="294968">
+                <a:moveTo>
+                  <a:pt x="580103" y="0"/>
+                </a:moveTo>
+                <a:cubicBezTo>
+                  <a:pt x="386735" y="98323"/>
+                  <a:pt x="86852" y="237613"/>
+                  <a:pt x="0" y="294968"/>
+                </a:cubicBezTo>
+              </a:path>
+            </a:pathLst>
+          </a:custGeom>
+          <a:noFill/>
+        </p:spPr>
+        <p:style>
+          <a:lnRef idx="2">
+            <a:schemeClr val="accent1">
+              <a:shade val="50000"/>
+            </a:schemeClr>
+          </a:lnRef>
+          <a:fillRef idx="1">
+            <a:schemeClr val="accent1"/>
+          </a:fillRef>
+          <a:effectRef idx="0">
+            <a:schemeClr val="accent1"/>
+          </a:effectRef>
+          <a:fontRef idx="minor">
+            <a:schemeClr val="lt1"/>
+          </a:fontRef>
+        </p:style>
+        <p:txBody>
+          <a:bodyPr rtlCol="0" anchor="ctr"/>
+          <a:lstStyle/>
+          <a:p>
+            <a:pPr algn="ctr"/>
+            <a:endParaRPr lang="en-US"/>
+          </a:p>
+        </p:txBody>
+      </p:sp>
+      <p:sp>
+        <p:nvSpPr>
+          <p:cNvPr id="35" name="Freeform: Shape 34">
+            <a:extLst>
+              <a:ext uri="{FF2B5EF4-FFF2-40B4-BE49-F238E27FC236}">
+                <a16:creationId xmlns:a16="http://schemas.microsoft.com/office/drawing/2014/main" id="{8F908493-2BB2-4C4C-BEB1-AC50DCA0737A}"/>
+              </a:ext>
+            </a:extLst>
+          </p:cNvPr>
+          <p:cNvSpPr/>
+          <p:nvPr/>
+        </p:nvSpPr>
+        <p:spPr>
+          <a:xfrm>
+            <a:off x="9763432" y="5240594"/>
+            <a:ext cx="619433" cy="521109"/>
+          </a:xfrm>
+          <a:custGeom>
+            <a:avLst/>
+            <a:gdLst>
+              <a:gd name="connsiteX0" fmla="*/ 0 w 619433"/>
+              <a:gd name="connsiteY0" fmla="*/ 521109 h 521109"/>
+              <a:gd name="connsiteX1" fmla="*/ 98323 w 619433"/>
+              <a:gd name="connsiteY1" fmla="*/ 471948 h 521109"/>
+              <a:gd name="connsiteX2" fmla="*/ 491613 w 619433"/>
+              <a:gd name="connsiteY2" fmla="*/ 324464 h 521109"/>
+              <a:gd name="connsiteX3" fmla="*/ 619433 w 619433"/>
+              <a:gd name="connsiteY3" fmla="*/ 0 h 521109"/>
+            </a:gdLst>
+            <a:ahLst/>
+            <a:cxnLst>
+              <a:cxn ang="0">
+                <a:pos x="connsiteX0" y="connsiteY0"/>
+              </a:cxn>
+              <a:cxn ang="0">
+                <a:pos x="connsiteX1" y="connsiteY1"/>
+              </a:cxn>
+              <a:cxn ang="0">
+                <a:pos x="connsiteX2" y="connsiteY2"/>
+              </a:cxn>
+              <a:cxn ang="0">
+                <a:pos x="connsiteX3" y="connsiteY3"/>
+              </a:cxn>
+            </a:cxnLst>
+            <a:rect l="l" t="t" r="r" b="b"/>
+            <a:pathLst>
+              <a:path w="619433" h="521109">
+                <a:moveTo>
+                  <a:pt x="0" y="521109"/>
+                </a:moveTo>
+                <a:cubicBezTo>
+                  <a:pt x="8194" y="512915"/>
+                  <a:pt x="16388" y="504722"/>
+                  <a:pt x="98323" y="471948"/>
+                </a:cubicBezTo>
+                <a:cubicBezTo>
+                  <a:pt x="180259" y="439174"/>
+                  <a:pt x="404761" y="403122"/>
+                  <a:pt x="491613" y="324464"/>
+                </a:cubicBezTo>
+                <a:cubicBezTo>
+                  <a:pt x="578465" y="245806"/>
+                  <a:pt x="544052" y="70464"/>
+                  <a:pt x="619433" y="0"/>
+                </a:cubicBezTo>
+              </a:path>
+            </a:pathLst>
+          </a:custGeom>
+          <a:noFill/>
+        </p:spPr>
+        <p:style>
+          <a:lnRef idx="2">
+            <a:schemeClr val="accent1">
+              <a:shade val="50000"/>
+            </a:schemeClr>
+          </a:lnRef>
+          <a:fillRef idx="1">
+            <a:schemeClr val="accent1"/>
+          </a:fillRef>
+          <a:effectRef idx="0">
+            <a:schemeClr val="accent1"/>
+          </a:effectRef>
+          <a:fontRef idx="minor">
+            <a:schemeClr val="lt1"/>
+          </a:fontRef>
+        </p:style>
+        <p:txBody>
+          <a:bodyPr rtlCol="0" anchor="ctr"/>
+          <a:lstStyle/>
+          <a:p>
+            <a:pPr algn="ctr"/>
+            <a:endParaRPr lang="en-US"/>
+          </a:p>
+        </p:txBody>
+      </p:sp>
+      <p:sp>
+        <p:nvSpPr>
+          <p:cNvPr id="41" name="Freeform: Shape 40">
+            <a:extLst>
+              <a:ext uri="{FF2B5EF4-FFF2-40B4-BE49-F238E27FC236}">
+                <a16:creationId xmlns:a16="http://schemas.microsoft.com/office/drawing/2014/main" id="{E010DF3C-F3A9-4736-93FD-32DB80C93837}"/>
+              </a:ext>
+            </a:extLst>
+          </p:cNvPr>
+          <p:cNvSpPr/>
+          <p:nvPr/>
+        </p:nvSpPr>
+        <p:spPr>
+          <a:xfrm>
+            <a:off x="9773265" y="5791200"/>
+            <a:ext cx="816077" cy="431430"/>
+          </a:xfrm>
+          <a:custGeom>
+            <a:avLst/>
+            <a:gdLst>
+              <a:gd name="connsiteX0" fmla="*/ 0 w 816077"/>
+              <a:gd name="connsiteY0" fmla="*/ 0 h 431430"/>
+              <a:gd name="connsiteX1" fmla="*/ 324464 w 816077"/>
+              <a:gd name="connsiteY1" fmla="*/ 383458 h 431430"/>
+              <a:gd name="connsiteX2" fmla="*/ 816077 w 816077"/>
+              <a:gd name="connsiteY2" fmla="*/ 403123 h 431430"/>
+            </a:gdLst>
+            <a:ahLst/>
+            <a:cxnLst>
+              <a:cxn ang="0">
+                <a:pos x="connsiteX0" y="connsiteY0"/>
+              </a:cxn>
+              <a:cxn ang="0">
+                <a:pos x="connsiteX1" y="connsiteY1"/>
+              </a:cxn>
+              <a:cxn ang="0">
+                <a:pos x="connsiteX2" y="connsiteY2"/>
+              </a:cxn>
+            </a:cxnLst>
+            <a:rect l="l" t="t" r="r" b="b"/>
+            <a:pathLst>
+              <a:path w="816077" h="431430">
+                <a:moveTo>
+                  <a:pt x="0" y="0"/>
+                </a:moveTo>
+                <a:cubicBezTo>
+                  <a:pt x="94225" y="158135"/>
+                  <a:pt x="188451" y="316271"/>
+                  <a:pt x="324464" y="383458"/>
+                </a:cubicBezTo>
+                <a:cubicBezTo>
+                  <a:pt x="460477" y="450645"/>
+                  <a:pt x="686619" y="437536"/>
+                  <a:pt x="816077" y="403123"/>
+                </a:cubicBezTo>
+              </a:path>
+            </a:pathLst>
+          </a:custGeom>
+          <a:noFill/>
+        </p:spPr>
+        <p:style>
+          <a:lnRef idx="2">
+            <a:schemeClr val="accent1">
+              <a:shade val="50000"/>
+            </a:schemeClr>
+          </a:lnRef>
+          <a:fillRef idx="1">
+            <a:schemeClr val="accent1"/>
+          </a:fillRef>
+          <a:effectRef idx="0">
+            <a:schemeClr val="accent1"/>
+          </a:effectRef>
+          <a:fontRef idx="minor">
+            <a:schemeClr val="lt1"/>
+          </a:fontRef>
+        </p:style>
+        <p:txBody>
+          <a:bodyPr rtlCol="0" anchor="ctr"/>
+          <a:lstStyle/>
+          <a:p>
+            <a:pPr algn="ctr"/>
+            <a:endParaRPr lang="en-US"/>
+          </a:p>
+        </p:txBody>
+      </p:sp>
+    </p:spTree>
+    <p:extLst>
+      <p:ext uri="{BB962C8B-B14F-4D97-AF65-F5344CB8AC3E}">
+        <p14:creationId xmlns:p14="http://schemas.microsoft.com/office/powerpoint/2010/main" val="2829585032"/>
+      </p:ext>
+    </p:extLst>
+  </p:cSld>
+  <p:clrMapOvr>
+    <a:masterClrMapping/>
+  </p:clrMapOvr>
+</p:sld>
+</file>
+
+<file path=ppt/slides/slide4.xml><?xml version="1.0" encoding="utf-8"?>
+<p:sld xmlns:a="http://schemas.openxmlformats.org/drawingml/2006/main" xmlns:r="http://schemas.openxmlformats.org/officeDocument/2006/relationships" xmlns:p="http://schemas.openxmlformats.org/presentationml/2006/main">
+  <p:cSld>
+    <p:spTree>
+      <p:nvGrpSpPr>
+        <p:cNvPr id="1" name=""/>
+        <p:cNvGrpSpPr/>
+        <p:nvPr/>
+      </p:nvGrpSpPr>
+      <p:grpSpPr>
+        <a:xfrm>
+          <a:off x="0" y="0"/>
+          <a:ext cx="0" cy="0"/>
+          <a:chOff x="0" y="0"/>
+          <a:chExt cx="0" cy="0"/>
+        </a:xfrm>
+      </p:grpSpPr>
+      <p:grpSp>
+        <p:nvGrpSpPr>
+          <p:cNvPr id="8" name="Group 7">
+            <a:extLst>
+              <a:ext uri="{FF2B5EF4-FFF2-40B4-BE49-F238E27FC236}">
+                <a16:creationId xmlns:a16="http://schemas.microsoft.com/office/drawing/2014/main" id="{1D858FC6-F3DE-4713-9F5D-913E1502760F}"/>
+              </a:ext>
+            </a:extLst>
+          </p:cNvPr>
+          <p:cNvGrpSpPr/>
+          <p:nvPr/>
+        </p:nvGrpSpPr>
+        <p:grpSpPr>
+          <a:xfrm>
+            <a:off x="471948" y="1710813"/>
+            <a:ext cx="894736" cy="2816942"/>
+            <a:chOff x="471948" y="1710813"/>
+            <a:chExt cx="894736" cy="2816942"/>
+          </a:xfrm>
+        </p:grpSpPr>
+        <p:cxnSp>
+          <p:nvCxnSpPr>
+            <p:cNvPr id="3" name="Straight Connector 2">
+              <a:extLst>
+                <a:ext uri="{FF2B5EF4-FFF2-40B4-BE49-F238E27FC236}">
+                  <a16:creationId xmlns:a16="http://schemas.microsoft.com/office/drawing/2014/main" id="{EAE9807F-4A70-4E16-9377-3504E3FA152C}"/>
+                </a:ext>
+              </a:extLst>
+            </p:cNvPr>
+            <p:cNvCxnSpPr/>
+            <p:nvPr/>
+          </p:nvCxnSpPr>
+          <p:spPr>
+            <a:xfrm flipV="1">
+              <a:off x="471948" y="1710813"/>
+              <a:ext cx="894736" cy="914400"/>
+            </a:xfrm>
+            <a:prstGeom prst="line">
+              <a:avLst/>
+            </a:prstGeom>
+          </p:spPr>
+          <p:style>
+            <a:lnRef idx="3">
+              <a:schemeClr val="dk1"/>
+            </a:lnRef>
+            <a:fillRef idx="0">
+              <a:schemeClr val="dk1"/>
+            </a:fillRef>
+            <a:effectRef idx="2">
+              <a:schemeClr val="dk1"/>
+            </a:effectRef>
+            <a:fontRef idx="minor">
+              <a:schemeClr val="tx1"/>
+            </a:fontRef>
+          </p:style>
+        </p:cxnSp>
+        <p:cxnSp>
+          <p:nvCxnSpPr>
+            <p:cNvPr id="4" name="Straight Connector 3">
+              <a:extLst>
+                <a:ext uri="{FF2B5EF4-FFF2-40B4-BE49-F238E27FC236}">
+                  <a16:creationId xmlns:a16="http://schemas.microsoft.com/office/drawing/2014/main" id="{EFF5AB86-9019-445C-A835-880C59564784}"/>
+                </a:ext>
+              </a:extLst>
+            </p:cNvPr>
+            <p:cNvCxnSpPr/>
+            <p:nvPr/>
+          </p:nvCxnSpPr>
+          <p:spPr>
+            <a:xfrm flipV="1">
+              <a:off x="471948" y="3613355"/>
+              <a:ext cx="894736" cy="914400"/>
+            </a:xfrm>
+            <a:prstGeom prst="line">
+              <a:avLst/>
+            </a:prstGeom>
+          </p:spPr>
+          <p:style>
+            <a:lnRef idx="3">
+              <a:schemeClr val="dk1"/>
+            </a:lnRef>
+            <a:fillRef idx="0">
+              <a:schemeClr val="dk1"/>
+            </a:fillRef>
+            <a:effectRef idx="2">
+              <a:schemeClr val="dk1"/>
+            </a:effectRef>
+            <a:fontRef idx="minor">
+              <a:schemeClr val="tx1"/>
+            </a:fontRef>
+          </p:style>
+        </p:cxnSp>
+        <p:cxnSp>
+          <p:nvCxnSpPr>
+            <p:cNvPr id="6" name="Straight Connector 5">
+              <a:extLst>
+                <a:ext uri="{FF2B5EF4-FFF2-40B4-BE49-F238E27FC236}">
+                  <a16:creationId xmlns:a16="http://schemas.microsoft.com/office/drawing/2014/main" id="{72D8B3E8-4604-41FC-9976-EB879C9D86CB}"/>
+                </a:ext>
+              </a:extLst>
+            </p:cNvPr>
+            <p:cNvCxnSpPr/>
+            <p:nvPr/>
+          </p:nvCxnSpPr>
+          <p:spPr>
+            <a:xfrm>
+              <a:off x="471948" y="2625213"/>
+              <a:ext cx="0" cy="1902542"/>
+            </a:xfrm>
+            <a:prstGeom prst="line">
+              <a:avLst/>
+            </a:prstGeom>
+          </p:spPr>
+          <p:style>
+            <a:lnRef idx="3">
+              <a:schemeClr val="dk1"/>
+            </a:lnRef>
+            <a:fillRef idx="0">
+              <a:schemeClr val="dk1"/>
+            </a:fillRef>
+            <a:effectRef idx="2">
+              <a:schemeClr val="dk1"/>
+            </a:effectRef>
+            <a:fontRef idx="minor">
+              <a:schemeClr val="tx1"/>
+            </a:fontRef>
+          </p:style>
+        </p:cxnSp>
+        <p:cxnSp>
+          <p:nvCxnSpPr>
+            <p:cNvPr id="7" name="Straight Connector 6">
+              <a:extLst>
+                <a:ext uri="{FF2B5EF4-FFF2-40B4-BE49-F238E27FC236}">
+                  <a16:creationId xmlns:a16="http://schemas.microsoft.com/office/drawing/2014/main" id="{CAA57A29-5F7C-47AD-BF55-C4EC46772770}"/>
+                </a:ext>
+              </a:extLst>
+            </p:cNvPr>
+            <p:cNvCxnSpPr/>
+            <p:nvPr/>
+          </p:nvCxnSpPr>
+          <p:spPr>
+            <a:xfrm>
+              <a:off x="1366684" y="1710813"/>
+              <a:ext cx="0" cy="1902542"/>
+            </a:xfrm>
+            <a:prstGeom prst="line">
+              <a:avLst/>
+            </a:prstGeom>
+          </p:spPr>
+          <p:style>
+            <a:lnRef idx="3">
+              <a:schemeClr val="dk1"/>
+            </a:lnRef>
+            <a:fillRef idx="0">
+              <a:schemeClr val="dk1"/>
+            </a:fillRef>
+            <a:effectRef idx="2">
+              <a:schemeClr val="dk1"/>
+            </a:effectRef>
+            <a:fontRef idx="minor">
+              <a:schemeClr val="tx1"/>
+            </a:fontRef>
+          </p:style>
+        </p:cxnSp>
+      </p:grpSp>
+      <p:grpSp>
+        <p:nvGrpSpPr>
+          <p:cNvPr id="38" name="Group 37">
+            <a:extLst>
+              <a:ext uri="{FF2B5EF4-FFF2-40B4-BE49-F238E27FC236}">
+                <a16:creationId xmlns:a16="http://schemas.microsoft.com/office/drawing/2014/main" id="{BB70F9F6-BED2-438C-88B4-22040A6766A1}"/>
+              </a:ext>
+            </a:extLst>
+          </p:cNvPr>
+          <p:cNvGrpSpPr/>
+          <p:nvPr/>
+        </p:nvGrpSpPr>
+        <p:grpSpPr>
+          <a:xfrm>
+            <a:off x="4912653" y="2427338"/>
+            <a:ext cx="1396182" cy="2003323"/>
+            <a:chOff x="2256503" y="1710813"/>
+            <a:chExt cx="1612491" cy="2942303"/>
+          </a:xfrm>
+        </p:grpSpPr>
+        <p:grpSp>
+          <p:nvGrpSpPr>
+            <p:cNvPr id="9" name="Group 8">
+              <a:extLst>
+                <a:ext uri="{FF2B5EF4-FFF2-40B4-BE49-F238E27FC236}">
+                  <a16:creationId xmlns:a16="http://schemas.microsoft.com/office/drawing/2014/main" id="{7086FA67-A0D0-4D1C-AB64-5781376FDE5E}"/>
+                </a:ext>
+              </a:extLst>
+            </p:cNvPr>
+            <p:cNvGrpSpPr/>
+            <p:nvPr/>
+          </p:nvGrpSpPr>
+          <p:grpSpPr>
+            <a:xfrm>
+              <a:off x="2261419" y="1710813"/>
+              <a:ext cx="894736" cy="2816942"/>
+              <a:chOff x="471948" y="1710813"/>
+              <a:chExt cx="894736" cy="2816942"/>
+            </a:xfrm>
+          </p:grpSpPr>
+          <p:cxnSp>
+            <p:nvCxnSpPr>
+              <p:cNvPr id="10" name="Straight Connector 9">
+                <a:extLst>
+                  <a:ext uri="{FF2B5EF4-FFF2-40B4-BE49-F238E27FC236}">
+                    <a16:creationId xmlns:a16="http://schemas.microsoft.com/office/drawing/2014/main" id="{BAE6788B-F291-4799-94E5-05D4986A1FC9}"/>
+                  </a:ext>
+                </a:extLst>
+              </p:cNvPr>
+              <p:cNvCxnSpPr/>
+              <p:nvPr/>
+            </p:nvCxnSpPr>
+            <p:spPr>
+              <a:xfrm flipV="1">
+                <a:off x="471948" y="1710813"/>
+                <a:ext cx="894736" cy="914400"/>
+              </a:xfrm>
+              <a:prstGeom prst="line">
+                <a:avLst/>
+              </a:prstGeom>
+            </p:spPr>
+            <p:style>
+              <a:lnRef idx="3">
+                <a:schemeClr val="dk1"/>
+              </a:lnRef>
+              <a:fillRef idx="0">
+                <a:schemeClr val="dk1"/>
+              </a:fillRef>
+              <a:effectRef idx="2">
+                <a:schemeClr val="dk1"/>
+              </a:effectRef>
+              <a:fontRef idx="minor">
+                <a:schemeClr val="tx1"/>
+              </a:fontRef>
+            </p:style>
+          </p:cxnSp>
+          <p:cxnSp>
+            <p:nvCxnSpPr>
+              <p:cNvPr id="11" name="Straight Connector 10">
+                <a:extLst>
+                  <a:ext uri="{FF2B5EF4-FFF2-40B4-BE49-F238E27FC236}">
+                    <a16:creationId xmlns:a16="http://schemas.microsoft.com/office/drawing/2014/main" id="{1B202788-3D0B-4249-A2F6-7B923BB71C7F}"/>
+                  </a:ext>
+                </a:extLst>
+              </p:cNvPr>
+              <p:cNvCxnSpPr/>
+              <p:nvPr/>
+            </p:nvCxnSpPr>
+            <p:spPr>
+              <a:xfrm flipV="1">
+                <a:off x="471948" y="3613355"/>
+                <a:ext cx="894736" cy="914400"/>
+              </a:xfrm>
+              <a:prstGeom prst="line">
+                <a:avLst/>
+              </a:prstGeom>
+            </p:spPr>
+            <p:style>
+              <a:lnRef idx="3">
+                <a:schemeClr val="dk1"/>
+              </a:lnRef>
+              <a:fillRef idx="0">
+                <a:schemeClr val="dk1"/>
+              </a:fillRef>
+              <a:effectRef idx="2">
+                <a:schemeClr val="dk1"/>
+              </a:effectRef>
+              <a:fontRef idx="minor">
+                <a:schemeClr val="tx1"/>
+              </a:fontRef>
+            </p:style>
+          </p:cxnSp>
+          <p:cxnSp>
+            <p:nvCxnSpPr>
+              <p:cNvPr id="12" name="Straight Connector 11">
+                <a:extLst>
+                  <a:ext uri="{FF2B5EF4-FFF2-40B4-BE49-F238E27FC236}">
+                    <a16:creationId xmlns:a16="http://schemas.microsoft.com/office/drawing/2014/main" id="{FE57D290-53C0-4D8F-B4BC-B01F79513DEF}"/>
+                  </a:ext>
+                </a:extLst>
+              </p:cNvPr>
+              <p:cNvCxnSpPr/>
+              <p:nvPr/>
+            </p:nvCxnSpPr>
+            <p:spPr>
+              <a:xfrm>
+                <a:off x="471948" y="2625213"/>
+                <a:ext cx="0" cy="1902542"/>
+              </a:xfrm>
+              <a:prstGeom prst="line">
+                <a:avLst/>
+              </a:prstGeom>
+            </p:spPr>
+            <p:style>
+              <a:lnRef idx="3">
+                <a:schemeClr val="dk1"/>
+              </a:lnRef>
+              <a:fillRef idx="0">
+                <a:schemeClr val="dk1"/>
+              </a:fillRef>
+              <a:effectRef idx="2">
+                <a:schemeClr val="dk1"/>
+              </a:effectRef>
+              <a:fontRef idx="minor">
+                <a:schemeClr val="tx1"/>
+              </a:fontRef>
+            </p:style>
+          </p:cxnSp>
+          <p:cxnSp>
+            <p:nvCxnSpPr>
+              <p:cNvPr id="13" name="Straight Connector 12">
+                <a:extLst>
+                  <a:ext uri="{FF2B5EF4-FFF2-40B4-BE49-F238E27FC236}">
+                    <a16:creationId xmlns:a16="http://schemas.microsoft.com/office/drawing/2014/main" id="{C48435CC-FDD3-43A7-8D28-41A199FC4896}"/>
+                  </a:ext>
+                </a:extLst>
+              </p:cNvPr>
+              <p:cNvCxnSpPr/>
+              <p:nvPr/>
+            </p:nvCxnSpPr>
+            <p:spPr>
+              <a:xfrm>
+                <a:off x="1366684" y="1710813"/>
+                <a:ext cx="0" cy="1902542"/>
+              </a:xfrm>
+              <a:prstGeom prst="line">
+                <a:avLst/>
+              </a:prstGeom>
+            </p:spPr>
+            <p:style>
+              <a:lnRef idx="3">
+                <a:schemeClr val="dk1"/>
+              </a:lnRef>
+              <a:fillRef idx="0">
+                <a:schemeClr val="dk1"/>
+              </a:fillRef>
+              <a:effectRef idx="2">
+                <a:schemeClr val="dk1"/>
+              </a:effectRef>
+              <a:fontRef idx="minor">
+                <a:schemeClr val="tx1"/>
+              </a:fontRef>
+            </p:style>
+          </p:cxnSp>
+        </p:grpSp>
+        <p:grpSp>
+          <p:nvGrpSpPr>
+            <p:cNvPr id="14" name="Group 13">
+              <a:extLst>
+                <a:ext uri="{FF2B5EF4-FFF2-40B4-BE49-F238E27FC236}">
+                  <a16:creationId xmlns:a16="http://schemas.microsoft.com/office/drawing/2014/main" id="{99EA4380-9B07-44F4-AF8E-9FAE1FB4E8D1}"/>
+                </a:ext>
+              </a:extLst>
+            </p:cNvPr>
+            <p:cNvGrpSpPr/>
+            <p:nvPr/>
+          </p:nvGrpSpPr>
+          <p:grpSpPr>
+            <a:xfrm>
+              <a:off x="2974258" y="1836174"/>
+              <a:ext cx="894736" cy="2816942"/>
+              <a:chOff x="471948" y="1710813"/>
+              <a:chExt cx="894736" cy="2816942"/>
+            </a:xfrm>
+          </p:grpSpPr>
+          <p:cxnSp>
+            <p:nvCxnSpPr>
+              <p:cNvPr id="15" name="Straight Connector 14">
+                <a:extLst>
+                  <a:ext uri="{FF2B5EF4-FFF2-40B4-BE49-F238E27FC236}">
+                    <a16:creationId xmlns:a16="http://schemas.microsoft.com/office/drawing/2014/main" id="{1439B85B-CEB3-4E75-867C-13F4F8D94B2B}"/>
+                  </a:ext>
+                </a:extLst>
+              </p:cNvPr>
+              <p:cNvCxnSpPr/>
+              <p:nvPr/>
+            </p:nvCxnSpPr>
+            <p:spPr>
+              <a:xfrm flipV="1">
+                <a:off x="471948" y="1710813"/>
+                <a:ext cx="894736" cy="914400"/>
+              </a:xfrm>
+              <a:prstGeom prst="line">
+                <a:avLst/>
+              </a:prstGeom>
+            </p:spPr>
+            <p:style>
+              <a:lnRef idx="3">
+                <a:schemeClr val="dk1"/>
+              </a:lnRef>
+              <a:fillRef idx="0">
+                <a:schemeClr val="dk1"/>
+              </a:fillRef>
+              <a:effectRef idx="2">
+                <a:schemeClr val="dk1"/>
+              </a:effectRef>
+              <a:fontRef idx="minor">
+                <a:schemeClr val="tx1"/>
+              </a:fontRef>
+            </p:style>
+          </p:cxnSp>
+          <p:cxnSp>
+            <p:nvCxnSpPr>
+              <p:cNvPr id="16" name="Straight Connector 15">
+                <a:extLst>
+                  <a:ext uri="{FF2B5EF4-FFF2-40B4-BE49-F238E27FC236}">
+                    <a16:creationId xmlns:a16="http://schemas.microsoft.com/office/drawing/2014/main" id="{5E62D72A-40B5-490C-BC0A-E9FB3B1D8AB7}"/>
+                  </a:ext>
+                </a:extLst>
+              </p:cNvPr>
+              <p:cNvCxnSpPr/>
+              <p:nvPr/>
+            </p:nvCxnSpPr>
+            <p:spPr>
+              <a:xfrm flipV="1">
+                <a:off x="471948" y="3613355"/>
+                <a:ext cx="894736" cy="914400"/>
+              </a:xfrm>
+              <a:prstGeom prst="line">
+                <a:avLst/>
+              </a:prstGeom>
+            </p:spPr>
+            <p:style>
+              <a:lnRef idx="3">
+                <a:schemeClr val="dk1"/>
+              </a:lnRef>
+              <a:fillRef idx="0">
+                <a:schemeClr val="dk1"/>
+              </a:fillRef>
+              <a:effectRef idx="2">
+                <a:schemeClr val="dk1"/>
+              </a:effectRef>
+              <a:fontRef idx="minor">
+                <a:schemeClr val="tx1"/>
+              </a:fontRef>
+            </p:style>
+          </p:cxnSp>
+          <p:cxnSp>
+            <p:nvCxnSpPr>
+              <p:cNvPr id="17" name="Straight Connector 16">
+                <a:extLst>
+                  <a:ext uri="{FF2B5EF4-FFF2-40B4-BE49-F238E27FC236}">
+                    <a16:creationId xmlns:a16="http://schemas.microsoft.com/office/drawing/2014/main" id="{BDD55675-C240-4334-8974-CF451A876081}"/>
+                  </a:ext>
+                </a:extLst>
+              </p:cNvPr>
+              <p:cNvCxnSpPr/>
+              <p:nvPr/>
+            </p:nvCxnSpPr>
+            <p:spPr>
+              <a:xfrm>
+                <a:off x="471948" y="2625213"/>
+                <a:ext cx="0" cy="1902542"/>
+              </a:xfrm>
+              <a:prstGeom prst="line">
+                <a:avLst/>
+              </a:prstGeom>
+            </p:spPr>
+            <p:style>
+              <a:lnRef idx="3">
+                <a:schemeClr val="dk1"/>
+              </a:lnRef>
+              <a:fillRef idx="0">
+                <a:schemeClr val="dk1"/>
+              </a:fillRef>
+              <a:effectRef idx="2">
+                <a:schemeClr val="dk1"/>
+              </a:effectRef>
+              <a:fontRef idx="minor">
+                <a:schemeClr val="tx1"/>
+              </a:fontRef>
+            </p:style>
+          </p:cxnSp>
+          <p:cxnSp>
+            <p:nvCxnSpPr>
+              <p:cNvPr id="18" name="Straight Connector 17">
+                <a:extLst>
+                  <a:ext uri="{FF2B5EF4-FFF2-40B4-BE49-F238E27FC236}">
+                    <a16:creationId xmlns:a16="http://schemas.microsoft.com/office/drawing/2014/main" id="{7DC4B942-D642-4E88-A6CE-EFB52FC327F0}"/>
+                  </a:ext>
+                </a:extLst>
+              </p:cNvPr>
+              <p:cNvCxnSpPr/>
+              <p:nvPr/>
+            </p:nvCxnSpPr>
+            <p:spPr>
+              <a:xfrm>
+                <a:off x="1366684" y="1710813"/>
+                <a:ext cx="0" cy="1902542"/>
+              </a:xfrm>
+              <a:prstGeom prst="line">
+                <a:avLst/>
+              </a:prstGeom>
+            </p:spPr>
+            <p:style>
+              <a:lnRef idx="3">
+                <a:schemeClr val="dk1"/>
+              </a:lnRef>
+              <a:fillRef idx="0">
+                <a:schemeClr val="dk1"/>
+              </a:fillRef>
+              <a:effectRef idx="2">
+                <a:schemeClr val="dk1"/>
+              </a:effectRef>
+              <a:fontRef idx="minor">
+                <a:schemeClr val="tx1"/>
+              </a:fontRef>
+            </p:style>
+          </p:cxnSp>
+        </p:grpSp>
+        <p:cxnSp>
+          <p:nvCxnSpPr>
+            <p:cNvPr id="20" name="Straight Connector 19">
+              <a:extLst>
+                <a:ext uri="{FF2B5EF4-FFF2-40B4-BE49-F238E27FC236}">
+                  <a16:creationId xmlns:a16="http://schemas.microsoft.com/office/drawing/2014/main" id="{18EE9B7B-D64F-48DA-822A-CFD4EA571AB8}"/>
+                </a:ext>
+              </a:extLst>
+            </p:cNvPr>
+            <p:cNvCxnSpPr/>
+            <p:nvPr/>
+          </p:nvCxnSpPr>
+          <p:spPr>
+            <a:xfrm>
+              <a:off x="2261419" y="2662084"/>
+              <a:ext cx="712839" cy="88490"/>
+            </a:xfrm>
+            <a:prstGeom prst="line">
+              <a:avLst/>
+            </a:prstGeom>
+          </p:spPr>
+          <p:style>
+            <a:lnRef idx="3">
+              <a:schemeClr val="dk1"/>
+            </a:lnRef>
+            <a:fillRef idx="0">
+              <a:schemeClr val="dk1"/>
+            </a:fillRef>
+            <a:effectRef idx="2">
+              <a:schemeClr val="dk1"/>
+            </a:effectRef>
+            <a:fontRef idx="minor">
+              <a:schemeClr val="tx1"/>
+            </a:fontRef>
+          </p:style>
+        </p:cxnSp>
+        <p:cxnSp>
+          <p:nvCxnSpPr>
+            <p:cNvPr id="21" name="Straight Connector 20">
+              <a:extLst>
+                <a:ext uri="{FF2B5EF4-FFF2-40B4-BE49-F238E27FC236}">
+                  <a16:creationId xmlns:a16="http://schemas.microsoft.com/office/drawing/2014/main" id="{F07A06B8-61AD-49E0-89CF-BB9ED482B327}"/>
+                </a:ext>
+              </a:extLst>
+            </p:cNvPr>
+            <p:cNvCxnSpPr/>
+            <p:nvPr/>
+          </p:nvCxnSpPr>
+          <p:spPr>
+            <a:xfrm>
+              <a:off x="2256503" y="4546190"/>
+              <a:ext cx="712839" cy="88490"/>
+            </a:xfrm>
+            <a:prstGeom prst="line">
+              <a:avLst/>
+            </a:prstGeom>
+          </p:spPr>
+          <p:style>
+            <a:lnRef idx="3">
+              <a:schemeClr val="dk1"/>
+            </a:lnRef>
+            <a:fillRef idx="0">
+              <a:schemeClr val="dk1"/>
+            </a:fillRef>
+            <a:effectRef idx="2">
+              <a:schemeClr val="dk1"/>
+            </a:effectRef>
+            <a:fontRef idx="minor">
+              <a:schemeClr val="tx1"/>
+            </a:fontRef>
+          </p:style>
+        </p:cxnSp>
+        <p:cxnSp>
+          <p:nvCxnSpPr>
+            <p:cNvPr id="22" name="Straight Connector 21">
+              <a:extLst>
+                <a:ext uri="{FF2B5EF4-FFF2-40B4-BE49-F238E27FC236}">
+                  <a16:creationId xmlns:a16="http://schemas.microsoft.com/office/drawing/2014/main" id="{C4505391-34F7-4C55-84D8-475A0E93B7C8}"/>
+                </a:ext>
+              </a:extLst>
+            </p:cNvPr>
+            <p:cNvCxnSpPr/>
+            <p:nvPr/>
+          </p:nvCxnSpPr>
+          <p:spPr>
+            <a:xfrm>
+              <a:off x="3156154" y="3613355"/>
+              <a:ext cx="712839" cy="88490"/>
+            </a:xfrm>
+            <a:prstGeom prst="line">
+              <a:avLst/>
+            </a:prstGeom>
+          </p:spPr>
+          <p:style>
+            <a:lnRef idx="3">
+              <a:schemeClr val="dk1"/>
+            </a:lnRef>
+            <a:fillRef idx="0">
+              <a:schemeClr val="dk1"/>
+            </a:fillRef>
+            <a:effectRef idx="2">
+              <a:schemeClr val="dk1"/>
+            </a:effectRef>
+            <a:fontRef idx="minor">
+              <a:schemeClr val="tx1"/>
+            </a:fontRef>
+          </p:style>
+        </p:cxnSp>
+        <p:cxnSp>
+          <p:nvCxnSpPr>
+            <p:cNvPr id="23" name="Straight Connector 22">
+              <a:extLst>
+                <a:ext uri="{FF2B5EF4-FFF2-40B4-BE49-F238E27FC236}">
+                  <a16:creationId xmlns:a16="http://schemas.microsoft.com/office/drawing/2014/main" id="{B422145B-CDD6-4D4C-B2E1-A49BA31D1871}"/>
+                </a:ext>
+              </a:extLst>
+            </p:cNvPr>
+            <p:cNvCxnSpPr/>
+            <p:nvPr/>
+          </p:nvCxnSpPr>
+          <p:spPr>
+            <a:xfrm>
+              <a:off x="3156154" y="1729249"/>
+              <a:ext cx="712839" cy="88490"/>
+            </a:xfrm>
+            <a:prstGeom prst="line">
+              <a:avLst/>
+            </a:prstGeom>
+          </p:spPr>
+          <p:style>
+            <a:lnRef idx="3">
+              <a:schemeClr val="dk1"/>
+            </a:lnRef>
+            <a:fillRef idx="0">
+              <a:schemeClr val="dk1"/>
+            </a:fillRef>
+            <a:effectRef idx="2">
+              <a:schemeClr val="dk1"/>
+            </a:effectRef>
+            <a:fontRef idx="minor">
+              <a:schemeClr val="tx1"/>
+            </a:fontRef>
+          </p:style>
+        </p:cxnSp>
+      </p:grpSp>
+      <p:grpSp>
+        <p:nvGrpSpPr>
+          <p:cNvPr id="39" name="Group 38">
+            <a:extLst>
+              <a:ext uri="{FF2B5EF4-FFF2-40B4-BE49-F238E27FC236}">
+                <a16:creationId xmlns:a16="http://schemas.microsoft.com/office/drawing/2014/main" id="{58BE86A6-667A-4A99-B8A3-77A048714003}"/>
+              </a:ext>
+            </a:extLst>
+          </p:cNvPr>
+          <p:cNvGrpSpPr/>
+          <p:nvPr/>
+        </p:nvGrpSpPr>
+        <p:grpSpPr>
+          <a:xfrm>
+            <a:off x="2408903" y="1863213"/>
+            <a:ext cx="1612491" cy="2942303"/>
+            <a:chOff x="2256503" y="1710813"/>
+            <a:chExt cx="1612491" cy="2942303"/>
+          </a:xfrm>
+        </p:grpSpPr>
+        <p:grpSp>
+          <p:nvGrpSpPr>
+            <p:cNvPr id="40" name="Group 39">
+              <a:extLst>
+                <a:ext uri="{FF2B5EF4-FFF2-40B4-BE49-F238E27FC236}">
+                  <a16:creationId xmlns:a16="http://schemas.microsoft.com/office/drawing/2014/main" id="{36629BE8-E860-4A20-B46C-E764CEF68F0D}"/>
+                </a:ext>
+              </a:extLst>
+            </p:cNvPr>
+            <p:cNvGrpSpPr/>
+            <p:nvPr/>
+          </p:nvGrpSpPr>
+          <p:grpSpPr>
+            <a:xfrm>
+              <a:off x="2261419" y="1710813"/>
+              <a:ext cx="894736" cy="2816942"/>
+              <a:chOff x="471948" y="1710813"/>
+              <a:chExt cx="894736" cy="2816942"/>
+            </a:xfrm>
+          </p:grpSpPr>
+          <p:cxnSp>
+            <p:nvCxnSpPr>
+              <p:cNvPr id="50" name="Straight Connector 49">
+                <a:extLst>
+                  <a:ext uri="{FF2B5EF4-FFF2-40B4-BE49-F238E27FC236}">
+                    <a16:creationId xmlns:a16="http://schemas.microsoft.com/office/drawing/2014/main" id="{69A6FAD9-0956-478A-BE1E-F656498E5155}"/>
+                  </a:ext>
+                </a:extLst>
+              </p:cNvPr>
+              <p:cNvCxnSpPr/>
+              <p:nvPr/>
+            </p:nvCxnSpPr>
+            <p:spPr>
+              <a:xfrm flipV="1">
+                <a:off x="471948" y="1710813"/>
+                <a:ext cx="894736" cy="914400"/>
+              </a:xfrm>
+              <a:prstGeom prst="line">
+                <a:avLst/>
+              </a:prstGeom>
+            </p:spPr>
+            <p:style>
+              <a:lnRef idx="3">
+                <a:schemeClr val="dk1"/>
+              </a:lnRef>
+              <a:fillRef idx="0">
+                <a:schemeClr val="dk1"/>
+              </a:fillRef>
+              <a:effectRef idx="2">
+                <a:schemeClr val="dk1"/>
+              </a:effectRef>
+              <a:fontRef idx="minor">
+                <a:schemeClr val="tx1"/>
+              </a:fontRef>
+            </p:style>
+          </p:cxnSp>
+          <p:cxnSp>
+            <p:nvCxnSpPr>
+              <p:cNvPr id="51" name="Straight Connector 50">
+                <a:extLst>
+                  <a:ext uri="{FF2B5EF4-FFF2-40B4-BE49-F238E27FC236}">
+                    <a16:creationId xmlns:a16="http://schemas.microsoft.com/office/drawing/2014/main" id="{6141CD6A-116E-4F28-9362-B62569455C98}"/>
+                  </a:ext>
+                </a:extLst>
+              </p:cNvPr>
+              <p:cNvCxnSpPr/>
+              <p:nvPr/>
+            </p:nvCxnSpPr>
+            <p:spPr>
+              <a:xfrm flipV="1">
+                <a:off x="471948" y="3613355"/>
+                <a:ext cx="894736" cy="914400"/>
+              </a:xfrm>
+              <a:prstGeom prst="line">
+                <a:avLst/>
+              </a:prstGeom>
+            </p:spPr>
+            <p:style>
+              <a:lnRef idx="3">
+                <a:schemeClr val="dk1"/>
+              </a:lnRef>
+              <a:fillRef idx="0">
+                <a:schemeClr val="dk1"/>
+              </a:fillRef>
+              <a:effectRef idx="2">
+                <a:schemeClr val="dk1"/>
+              </a:effectRef>
+              <a:fontRef idx="minor">
+                <a:schemeClr val="tx1"/>
+              </a:fontRef>
+            </p:style>
+          </p:cxnSp>
+          <p:cxnSp>
+            <p:nvCxnSpPr>
+              <p:cNvPr id="52" name="Straight Connector 51">
+                <a:extLst>
+                  <a:ext uri="{FF2B5EF4-FFF2-40B4-BE49-F238E27FC236}">
+                    <a16:creationId xmlns:a16="http://schemas.microsoft.com/office/drawing/2014/main" id="{17A2CB78-A135-45C2-91FB-5A21BECCC477}"/>
+                  </a:ext>
+                </a:extLst>
+              </p:cNvPr>
+              <p:cNvCxnSpPr/>
+              <p:nvPr/>
+            </p:nvCxnSpPr>
+            <p:spPr>
+              <a:xfrm>
+                <a:off x="471948" y="2625213"/>
+                <a:ext cx="0" cy="1902542"/>
+              </a:xfrm>
+              <a:prstGeom prst="line">
+                <a:avLst/>
+              </a:prstGeom>
+            </p:spPr>
+            <p:style>
+              <a:lnRef idx="3">
+                <a:schemeClr val="dk1"/>
+              </a:lnRef>
+              <a:fillRef idx="0">
+                <a:schemeClr val="dk1"/>
+              </a:fillRef>
+              <a:effectRef idx="2">
+                <a:schemeClr val="dk1"/>
+              </a:effectRef>
+              <a:fontRef idx="minor">
+                <a:schemeClr val="tx1"/>
+              </a:fontRef>
+            </p:style>
+          </p:cxnSp>
+          <p:cxnSp>
+            <p:nvCxnSpPr>
+              <p:cNvPr id="53" name="Straight Connector 52">
+                <a:extLst>
+                  <a:ext uri="{FF2B5EF4-FFF2-40B4-BE49-F238E27FC236}">
+                    <a16:creationId xmlns:a16="http://schemas.microsoft.com/office/drawing/2014/main" id="{3CA7BABA-88DC-4FBA-96BC-AE2BD989C7C6}"/>
+                  </a:ext>
+                </a:extLst>
+              </p:cNvPr>
+              <p:cNvCxnSpPr/>
+              <p:nvPr/>
+            </p:nvCxnSpPr>
+            <p:spPr>
+              <a:xfrm>
+                <a:off x="1366684" y="1710813"/>
+                <a:ext cx="0" cy="1902542"/>
+              </a:xfrm>
+              <a:prstGeom prst="line">
+                <a:avLst/>
+              </a:prstGeom>
+            </p:spPr>
+            <p:style>
+              <a:lnRef idx="3">
+                <a:schemeClr val="dk1"/>
+              </a:lnRef>
+              <a:fillRef idx="0">
+                <a:schemeClr val="dk1"/>
+              </a:fillRef>
+              <a:effectRef idx="2">
+                <a:schemeClr val="dk1"/>
+              </a:effectRef>
+              <a:fontRef idx="minor">
+                <a:schemeClr val="tx1"/>
+              </a:fontRef>
+            </p:style>
+          </p:cxnSp>
+        </p:grpSp>
+        <p:grpSp>
+          <p:nvGrpSpPr>
+            <p:cNvPr id="41" name="Group 40">
+              <a:extLst>
+                <a:ext uri="{FF2B5EF4-FFF2-40B4-BE49-F238E27FC236}">
+                  <a16:creationId xmlns:a16="http://schemas.microsoft.com/office/drawing/2014/main" id="{64A0E1F4-CF27-4AE2-9537-1919813B50F5}"/>
+                </a:ext>
+              </a:extLst>
+            </p:cNvPr>
+            <p:cNvGrpSpPr/>
+            <p:nvPr/>
+          </p:nvGrpSpPr>
+          <p:grpSpPr>
+            <a:xfrm>
+              <a:off x="2974258" y="1836174"/>
+              <a:ext cx="894736" cy="2816942"/>
+              <a:chOff x="471948" y="1710813"/>
+              <a:chExt cx="894736" cy="2816942"/>
+            </a:xfrm>
+          </p:grpSpPr>
+          <p:cxnSp>
+            <p:nvCxnSpPr>
+              <p:cNvPr id="46" name="Straight Connector 45">
+                <a:extLst>
+                  <a:ext uri="{FF2B5EF4-FFF2-40B4-BE49-F238E27FC236}">
+                    <a16:creationId xmlns:a16="http://schemas.microsoft.com/office/drawing/2014/main" id="{F7911C4D-36A3-4F47-A0AA-502DF83A112D}"/>
+                  </a:ext>
+                </a:extLst>
+              </p:cNvPr>
+              <p:cNvCxnSpPr/>
+              <p:nvPr/>
+            </p:nvCxnSpPr>
+            <p:spPr>
+              <a:xfrm flipV="1">
+                <a:off x="471948" y="1710813"/>
+                <a:ext cx="894736" cy="914400"/>
+              </a:xfrm>
+              <a:prstGeom prst="line">
+                <a:avLst/>
+              </a:prstGeom>
+            </p:spPr>
+            <p:style>
+              <a:lnRef idx="3">
+                <a:schemeClr val="dk1"/>
+              </a:lnRef>
+              <a:fillRef idx="0">
+                <a:schemeClr val="dk1"/>
+              </a:fillRef>
+              <a:effectRef idx="2">
+                <a:schemeClr val="dk1"/>
+              </a:effectRef>
+              <a:fontRef idx="minor">
+                <a:schemeClr val="tx1"/>
+              </a:fontRef>
+            </p:style>
+          </p:cxnSp>
+          <p:cxnSp>
+            <p:nvCxnSpPr>
+              <p:cNvPr id="47" name="Straight Connector 46">
+                <a:extLst>
+                  <a:ext uri="{FF2B5EF4-FFF2-40B4-BE49-F238E27FC236}">
+                    <a16:creationId xmlns:a16="http://schemas.microsoft.com/office/drawing/2014/main" id="{E831C505-A951-4184-9738-DA0F40D706C7}"/>
+                  </a:ext>
+                </a:extLst>
+              </p:cNvPr>
+              <p:cNvCxnSpPr/>
+              <p:nvPr/>
+            </p:nvCxnSpPr>
+            <p:spPr>
+              <a:xfrm flipV="1">
+                <a:off x="471948" y="3613355"/>
+                <a:ext cx="894736" cy="914400"/>
+              </a:xfrm>
+              <a:prstGeom prst="line">
+                <a:avLst/>
+              </a:prstGeom>
+            </p:spPr>
+            <p:style>
+              <a:lnRef idx="3">
+                <a:schemeClr val="dk1"/>
+              </a:lnRef>
+              <a:fillRef idx="0">
+                <a:schemeClr val="dk1"/>
+              </a:fillRef>
+              <a:effectRef idx="2">
+                <a:schemeClr val="dk1"/>
+              </a:effectRef>
+              <a:fontRef idx="minor">
+                <a:schemeClr val="tx1"/>
+              </a:fontRef>
+            </p:style>
+          </p:cxnSp>
+          <p:cxnSp>
+            <p:nvCxnSpPr>
+              <p:cNvPr id="48" name="Straight Connector 47">
+                <a:extLst>
+                  <a:ext uri="{FF2B5EF4-FFF2-40B4-BE49-F238E27FC236}">
+                    <a16:creationId xmlns:a16="http://schemas.microsoft.com/office/drawing/2014/main" id="{C7FDFF5A-806D-4E1F-A852-96F9DC81CDB2}"/>
+                  </a:ext>
+                </a:extLst>
+              </p:cNvPr>
+              <p:cNvCxnSpPr/>
+              <p:nvPr/>
+            </p:nvCxnSpPr>
+            <p:spPr>
+              <a:xfrm>
+                <a:off x="471948" y="2625213"/>
+                <a:ext cx="0" cy="1902542"/>
+              </a:xfrm>
+              <a:prstGeom prst="line">
+                <a:avLst/>
+              </a:prstGeom>
+            </p:spPr>
+            <p:style>
+              <a:lnRef idx="3">
+                <a:schemeClr val="dk1"/>
+              </a:lnRef>
+              <a:fillRef idx="0">
+                <a:schemeClr val="dk1"/>
+              </a:fillRef>
+              <a:effectRef idx="2">
+                <a:schemeClr val="dk1"/>
+              </a:effectRef>
+              <a:fontRef idx="minor">
+                <a:schemeClr val="tx1"/>
+              </a:fontRef>
+            </p:style>
+          </p:cxnSp>
+          <p:cxnSp>
+            <p:nvCxnSpPr>
+              <p:cNvPr id="49" name="Straight Connector 48">
+                <a:extLst>
+                  <a:ext uri="{FF2B5EF4-FFF2-40B4-BE49-F238E27FC236}">
+                    <a16:creationId xmlns:a16="http://schemas.microsoft.com/office/drawing/2014/main" id="{4AE1764F-1649-4B40-99A6-83CEC4B1C0DC}"/>
+                  </a:ext>
+                </a:extLst>
+              </p:cNvPr>
+              <p:cNvCxnSpPr/>
+              <p:nvPr/>
+            </p:nvCxnSpPr>
+            <p:spPr>
+              <a:xfrm>
+                <a:off x="1366684" y="1710813"/>
+                <a:ext cx="0" cy="1902542"/>
+              </a:xfrm>
+              <a:prstGeom prst="line">
+                <a:avLst/>
+              </a:prstGeom>
+            </p:spPr>
+            <p:style>
+              <a:lnRef idx="3">
+                <a:schemeClr val="dk1"/>
+              </a:lnRef>
+              <a:fillRef idx="0">
+                <a:schemeClr val="dk1"/>
+              </a:fillRef>
+              <a:effectRef idx="2">
+                <a:schemeClr val="dk1"/>
+              </a:effectRef>
+              <a:fontRef idx="minor">
+                <a:schemeClr val="tx1"/>
+              </a:fontRef>
+            </p:style>
+          </p:cxnSp>
+        </p:grpSp>
+        <p:cxnSp>
+          <p:nvCxnSpPr>
+            <p:cNvPr id="42" name="Straight Connector 41">
+              <a:extLst>
+                <a:ext uri="{FF2B5EF4-FFF2-40B4-BE49-F238E27FC236}">
+                  <a16:creationId xmlns:a16="http://schemas.microsoft.com/office/drawing/2014/main" id="{B6A8766D-7498-482F-BED7-EFE6046241E8}"/>
+                </a:ext>
+              </a:extLst>
+            </p:cNvPr>
+            <p:cNvCxnSpPr/>
+            <p:nvPr/>
+          </p:nvCxnSpPr>
+          <p:spPr>
+            <a:xfrm>
+              <a:off x="2261419" y="2662084"/>
+              <a:ext cx="712839" cy="88490"/>
+            </a:xfrm>
+            <a:prstGeom prst="line">
+              <a:avLst/>
+            </a:prstGeom>
+          </p:spPr>
+          <p:style>
+            <a:lnRef idx="3">
+              <a:schemeClr val="dk1"/>
+            </a:lnRef>
+            <a:fillRef idx="0">
+              <a:schemeClr val="dk1"/>
+            </a:fillRef>
+            <a:effectRef idx="2">
+              <a:schemeClr val="dk1"/>
+            </a:effectRef>
+            <a:fontRef idx="minor">
+              <a:schemeClr val="tx1"/>
+            </a:fontRef>
+          </p:style>
+        </p:cxnSp>
+        <p:cxnSp>
+          <p:nvCxnSpPr>
+            <p:cNvPr id="43" name="Straight Connector 42">
+              <a:extLst>
+                <a:ext uri="{FF2B5EF4-FFF2-40B4-BE49-F238E27FC236}">
+                  <a16:creationId xmlns:a16="http://schemas.microsoft.com/office/drawing/2014/main" id="{EC74DA3C-A82A-45C4-B770-F62C2D742B42}"/>
+                </a:ext>
+              </a:extLst>
+            </p:cNvPr>
+            <p:cNvCxnSpPr/>
+            <p:nvPr/>
+          </p:nvCxnSpPr>
+          <p:spPr>
+            <a:xfrm>
+              <a:off x="2256503" y="4546190"/>
+              <a:ext cx="712839" cy="88490"/>
+            </a:xfrm>
+            <a:prstGeom prst="line">
+              <a:avLst/>
+            </a:prstGeom>
+          </p:spPr>
+          <p:style>
+            <a:lnRef idx="3">
+              <a:schemeClr val="dk1"/>
+            </a:lnRef>
+            <a:fillRef idx="0">
+              <a:schemeClr val="dk1"/>
+            </a:fillRef>
+            <a:effectRef idx="2">
+              <a:schemeClr val="dk1"/>
+            </a:effectRef>
+            <a:fontRef idx="minor">
+              <a:schemeClr val="tx1"/>
+            </a:fontRef>
+          </p:style>
+        </p:cxnSp>
+        <p:cxnSp>
+          <p:nvCxnSpPr>
+            <p:cNvPr id="44" name="Straight Connector 43">
+              <a:extLst>
+                <a:ext uri="{FF2B5EF4-FFF2-40B4-BE49-F238E27FC236}">
+                  <a16:creationId xmlns:a16="http://schemas.microsoft.com/office/drawing/2014/main" id="{074CAA98-4C0F-4135-BDA5-76BE99A80889}"/>
+                </a:ext>
+              </a:extLst>
+            </p:cNvPr>
+            <p:cNvCxnSpPr/>
+            <p:nvPr/>
+          </p:nvCxnSpPr>
+          <p:spPr>
+            <a:xfrm>
+              <a:off x="3156154" y="3613355"/>
+              <a:ext cx="712839" cy="88490"/>
+            </a:xfrm>
+            <a:prstGeom prst="line">
+              <a:avLst/>
+            </a:prstGeom>
+          </p:spPr>
+          <p:style>
+            <a:lnRef idx="3">
+              <a:schemeClr val="dk1"/>
+            </a:lnRef>
+            <a:fillRef idx="0">
+              <a:schemeClr val="dk1"/>
+            </a:fillRef>
+            <a:effectRef idx="2">
+              <a:schemeClr val="dk1"/>
+            </a:effectRef>
+            <a:fontRef idx="minor">
+              <a:schemeClr val="tx1"/>
+            </a:fontRef>
+          </p:style>
+        </p:cxnSp>
+        <p:cxnSp>
+          <p:nvCxnSpPr>
+            <p:cNvPr id="45" name="Straight Connector 44">
+              <a:extLst>
+                <a:ext uri="{FF2B5EF4-FFF2-40B4-BE49-F238E27FC236}">
+                  <a16:creationId xmlns:a16="http://schemas.microsoft.com/office/drawing/2014/main" id="{8B34E43A-F2ED-472C-9419-95E97A223695}"/>
+                </a:ext>
+              </a:extLst>
+            </p:cNvPr>
+            <p:cNvCxnSpPr/>
+            <p:nvPr/>
+          </p:nvCxnSpPr>
+          <p:spPr>
+            <a:xfrm>
+              <a:off x="3156154" y="1729249"/>
+              <a:ext cx="712839" cy="88490"/>
+            </a:xfrm>
+            <a:prstGeom prst="line">
+              <a:avLst/>
+            </a:prstGeom>
+          </p:spPr>
+          <p:style>
+            <a:lnRef idx="3">
+              <a:schemeClr val="dk1"/>
+            </a:lnRef>
+            <a:fillRef idx="0">
+              <a:schemeClr val="dk1"/>
+            </a:fillRef>
+            <a:effectRef idx="2">
+              <a:schemeClr val="dk1"/>
+            </a:effectRef>
+            <a:fontRef idx="minor">
+              <a:schemeClr val="tx1"/>
+            </a:fontRef>
+          </p:style>
+        </p:cxnSp>
+      </p:grpSp>
+      <p:grpSp>
+        <p:nvGrpSpPr>
+          <p:cNvPr id="54" name="Group 53">
+            <a:extLst>
+              <a:ext uri="{FF2B5EF4-FFF2-40B4-BE49-F238E27FC236}">
+                <a16:creationId xmlns:a16="http://schemas.microsoft.com/office/drawing/2014/main" id="{E99564CA-0968-4DF2-8FD0-37B5F43BBAF1}"/>
+              </a:ext>
+            </a:extLst>
+          </p:cNvPr>
+          <p:cNvGrpSpPr/>
+          <p:nvPr/>
+        </p:nvGrpSpPr>
+        <p:grpSpPr>
+          <a:xfrm>
+            <a:off x="7046855" y="2696157"/>
+            <a:ext cx="1199715" cy="1465685"/>
+            <a:chOff x="2256503" y="1710813"/>
+            <a:chExt cx="1612491" cy="2942303"/>
+          </a:xfrm>
+        </p:grpSpPr>
+        <p:grpSp>
+          <p:nvGrpSpPr>
+            <p:cNvPr id="55" name="Group 54">
+              <a:extLst>
+                <a:ext uri="{FF2B5EF4-FFF2-40B4-BE49-F238E27FC236}">
+                  <a16:creationId xmlns:a16="http://schemas.microsoft.com/office/drawing/2014/main" id="{1EB531C6-4787-4BD7-803E-0ED15CD9A608}"/>
+                </a:ext>
+              </a:extLst>
+            </p:cNvPr>
+            <p:cNvGrpSpPr/>
+            <p:nvPr/>
+          </p:nvGrpSpPr>
+          <p:grpSpPr>
+            <a:xfrm>
+              <a:off x="2261419" y="1710813"/>
+              <a:ext cx="894736" cy="2816942"/>
+              <a:chOff x="471948" y="1710813"/>
+              <a:chExt cx="894736" cy="2816942"/>
+            </a:xfrm>
+          </p:grpSpPr>
+          <p:cxnSp>
+            <p:nvCxnSpPr>
+              <p:cNvPr id="65" name="Straight Connector 64">
+                <a:extLst>
+                  <a:ext uri="{FF2B5EF4-FFF2-40B4-BE49-F238E27FC236}">
+                    <a16:creationId xmlns:a16="http://schemas.microsoft.com/office/drawing/2014/main" id="{06E1CCCB-11BE-42DB-9A4C-394A8816B72A}"/>
+                  </a:ext>
+                </a:extLst>
+              </p:cNvPr>
+              <p:cNvCxnSpPr/>
+              <p:nvPr/>
+            </p:nvCxnSpPr>
+            <p:spPr>
+              <a:xfrm flipV="1">
+                <a:off x="471948" y="1710813"/>
+                <a:ext cx="894736" cy="914400"/>
+              </a:xfrm>
+              <a:prstGeom prst="line">
+                <a:avLst/>
+              </a:prstGeom>
+            </p:spPr>
+            <p:style>
+              <a:lnRef idx="3">
+                <a:schemeClr val="dk1"/>
+              </a:lnRef>
+              <a:fillRef idx="0">
+                <a:schemeClr val="dk1"/>
+              </a:fillRef>
+              <a:effectRef idx="2">
+                <a:schemeClr val="dk1"/>
+              </a:effectRef>
+              <a:fontRef idx="minor">
+                <a:schemeClr val="tx1"/>
+              </a:fontRef>
+            </p:style>
+          </p:cxnSp>
+          <p:cxnSp>
+            <p:nvCxnSpPr>
+              <p:cNvPr id="66" name="Straight Connector 65">
+                <a:extLst>
+                  <a:ext uri="{FF2B5EF4-FFF2-40B4-BE49-F238E27FC236}">
+                    <a16:creationId xmlns:a16="http://schemas.microsoft.com/office/drawing/2014/main" id="{A06433E8-CDFD-4F19-9D8C-808044C6AF61}"/>
+                  </a:ext>
+                </a:extLst>
+              </p:cNvPr>
+              <p:cNvCxnSpPr/>
+              <p:nvPr/>
+            </p:nvCxnSpPr>
+            <p:spPr>
+              <a:xfrm flipV="1">
+                <a:off x="471948" y="3613355"/>
+                <a:ext cx="894736" cy="914400"/>
+              </a:xfrm>
+              <a:prstGeom prst="line">
+                <a:avLst/>
+              </a:prstGeom>
+            </p:spPr>
+            <p:style>
+              <a:lnRef idx="3">
+                <a:schemeClr val="dk1"/>
+              </a:lnRef>
+              <a:fillRef idx="0">
+                <a:schemeClr val="dk1"/>
+              </a:fillRef>
+              <a:effectRef idx="2">
+                <a:schemeClr val="dk1"/>
+              </a:effectRef>
+              <a:fontRef idx="minor">
+                <a:schemeClr val="tx1"/>
+              </a:fontRef>
+            </p:style>
+          </p:cxnSp>
+          <p:cxnSp>
+            <p:nvCxnSpPr>
+              <p:cNvPr id="67" name="Straight Connector 66">
+                <a:extLst>
+                  <a:ext uri="{FF2B5EF4-FFF2-40B4-BE49-F238E27FC236}">
+                    <a16:creationId xmlns:a16="http://schemas.microsoft.com/office/drawing/2014/main" id="{4107758C-4A87-43FE-A886-B33CA27137C2}"/>
+                  </a:ext>
+                </a:extLst>
+              </p:cNvPr>
+              <p:cNvCxnSpPr/>
+              <p:nvPr/>
+            </p:nvCxnSpPr>
+            <p:spPr>
+              <a:xfrm>
+                <a:off x="471948" y="2625213"/>
+                <a:ext cx="0" cy="1902542"/>
+              </a:xfrm>
+              <a:prstGeom prst="line">
+                <a:avLst/>
+              </a:prstGeom>
+            </p:spPr>
+            <p:style>
+              <a:lnRef idx="3">
+                <a:schemeClr val="dk1"/>
+              </a:lnRef>
+              <a:fillRef idx="0">
+                <a:schemeClr val="dk1"/>
+              </a:fillRef>
+              <a:effectRef idx="2">
+                <a:schemeClr val="dk1"/>
+              </a:effectRef>
+              <a:fontRef idx="minor">
+                <a:schemeClr val="tx1"/>
+              </a:fontRef>
+            </p:style>
+          </p:cxnSp>
+          <p:cxnSp>
+            <p:nvCxnSpPr>
+              <p:cNvPr id="68" name="Straight Connector 67">
+                <a:extLst>
+                  <a:ext uri="{FF2B5EF4-FFF2-40B4-BE49-F238E27FC236}">
+                    <a16:creationId xmlns:a16="http://schemas.microsoft.com/office/drawing/2014/main" id="{915E07A1-2F70-4495-8175-BAFCB49B65FE}"/>
+                  </a:ext>
+                </a:extLst>
+              </p:cNvPr>
+              <p:cNvCxnSpPr/>
+              <p:nvPr/>
+            </p:nvCxnSpPr>
+            <p:spPr>
+              <a:xfrm>
+                <a:off x="1366684" y="1710813"/>
+                <a:ext cx="0" cy="1902542"/>
+              </a:xfrm>
+              <a:prstGeom prst="line">
+                <a:avLst/>
+              </a:prstGeom>
+            </p:spPr>
+            <p:style>
+              <a:lnRef idx="3">
+                <a:schemeClr val="dk1"/>
+              </a:lnRef>
+              <a:fillRef idx="0">
+                <a:schemeClr val="dk1"/>
+              </a:fillRef>
+              <a:effectRef idx="2">
+                <a:schemeClr val="dk1"/>
+              </a:effectRef>
+              <a:fontRef idx="minor">
+                <a:schemeClr val="tx1"/>
+              </a:fontRef>
+            </p:style>
+          </p:cxnSp>
+        </p:grpSp>
+        <p:grpSp>
+          <p:nvGrpSpPr>
+            <p:cNvPr id="56" name="Group 55">
+              <a:extLst>
+                <a:ext uri="{FF2B5EF4-FFF2-40B4-BE49-F238E27FC236}">
+                  <a16:creationId xmlns:a16="http://schemas.microsoft.com/office/drawing/2014/main" id="{DA0210A6-9642-40CE-A009-7DD3F88B9531}"/>
+                </a:ext>
+              </a:extLst>
+            </p:cNvPr>
+            <p:cNvGrpSpPr/>
+            <p:nvPr/>
+          </p:nvGrpSpPr>
+          <p:grpSpPr>
+            <a:xfrm>
+              <a:off x="2974258" y="1836174"/>
+              <a:ext cx="894736" cy="2816942"/>
+              <a:chOff x="471948" y="1710813"/>
+              <a:chExt cx="894736" cy="2816942"/>
+            </a:xfrm>
+          </p:grpSpPr>
+          <p:cxnSp>
+            <p:nvCxnSpPr>
+              <p:cNvPr id="61" name="Straight Connector 60">
+                <a:extLst>
+                  <a:ext uri="{FF2B5EF4-FFF2-40B4-BE49-F238E27FC236}">
+                    <a16:creationId xmlns:a16="http://schemas.microsoft.com/office/drawing/2014/main" id="{14FAFCB4-E9C7-4ED7-A8A2-0037C0A8D922}"/>
+                  </a:ext>
+                </a:extLst>
+              </p:cNvPr>
+              <p:cNvCxnSpPr/>
+              <p:nvPr/>
+            </p:nvCxnSpPr>
+            <p:spPr>
+              <a:xfrm flipV="1">
+                <a:off x="471948" y="1710813"/>
+                <a:ext cx="894736" cy="914400"/>
+              </a:xfrm>
+              <a:prstGeom prst="line">
+                <a:avLst/>
+              </a:prstGeom>
+            </p:spPr>
+            <p:style>
+              <a:lnRef idx="3">
+                <a:schemeClr val="dk1"/>
+              </a:lnRef>
+              <a:fillRef idx="0">
+                <a:schemeClr val="dk1"/>
+              </a:fillRef>
+              <a:effectRef idx="2">
+                <a:schemeClr val="dk1"/>
+              </a:effectRef>
+              <a:fontRef idx="minor">
+                <a:schemeClr val="tx1"/>
+              </a:fontRef>
+            </p:style>
+          </p:cxnSp>
+          <p:cxnSp>
+            <p:nvCxnSpPr>
+              <p:cNvPr id="62" name="Straight Connector 61">
+                <a:extLst>
+                  <a:ext uri="{FF2B5EF4-FFF2-40B4-BE49-F238E27FC236}">
+                    <a16:creationId xmlns:a16="http://schemas.microsoft.com/office/drawing/2014/main" id="{45CF0949-C129-4863-9DDB-ABF8A4BAE038}"/>
+                  </a:ext>
+                </a:extLst>
+              </p:cNvPr>
+              <p:cNvCxnSpPr/>
+              <p:nvPr/>
+            </p:nvCxnSpPr>
+            <p:spPr>
+              <a:xfrm flipV="1">
+                <a:off x="471948" y="3613355"/>
+                <a:ext cx="894736" cy="914400"/>
+              </a:xfrm>
+              <a:prstGeom prst="line">
+                <a:avLst/>
+              </a:prstGeom>
+            </p:spPr>
+            <p:style>
+              <a:lnRef idx="3">
+                <a:schemeClr val="dk1"/>
+              </a:lnRef>
+              <a:fillRef idx="0">
+                <a:schemeClr val="dk1"/>
+              </a:fillRef>
+              <a:effectRef idx="2">
+                <a:schemeClr val="dk1"/>
+              </a:effectRef>
+              <a:fontRef idx="minor">
+                <a:schemeClr val="tx1"/>
+              </a:fontRef>
+            </p:style>
+          </p:cxnSp>
+          <p:cxnSp>
+            <p:nvCxnSpPr>
+              <p:cNvPr id="63" name="Straight Connector 62">
+                <a:extLst>
+                  <a:ext uri="{FF2B5EF4-FFF2-40B4-BE49-F238E27FC236}">
+                    <a16:creationId xmlns:a16="http://schemas.microsoft.com/office/drawing/2014/main" id="{ACFB524D-DEA3-4DCA-ACDC-4BA81CF05906}"/>
+                  </a:ext>
+                </a:extLst>
+              </p:cNvPr>
+              <p:cNvCxnSpPr/>
+              <p:nvPr/>
+            </p:nvCxnSpPr>
+            <p:spPr>
+              <a:xfrm>
+                <a:off x="471948" y="2625213"/>
+                <a:ext cx="0" cy="1902542"/>
+              </a:xfrm>
+              <a:prstGeom prst="line">
+                <a:avLst/>
+              </a:prstGeom>
+            </p:spPr>
+            <p:style>
+              <a:lnRef idx="3">
+                <a:schemeClr val="dk1"/>
+              </a:lnRef>
+              <a:fillRef idx="0">
+                <a:schemeClr val="dk1"/>
+              </a:fillRef>
+              <a:effectRef idx="2">
+                <a:schemeClr val="dk1"/>
+              </a:effectRef>
+              <a:fontRef idx="minor">
+                <a:schemeClr val="tx1"/>
+              </a:fontRef>
+            </p:style>
+          </p:cxnSp>
+          <p:cxnSp>
+            <p:nvCxnSpPr>
+              <p:cNvPr id="64" name="Straight Connector 63">
+                <a:extLst>
+                  <a:ext uri="{FF2B5EF4-FFF2-40B4-BE49-F238E27FC236}">
+                    <a16:creationId xmlns:a16="http://schemas.microsoft.com/office/drawing/2014/main" id="{8B5A8F4E-CF64-4882-B8C0-6BE123BA3CD1}"/>
+                  </a:ext>
+                </a:extLst>
+              </p:cNvPr>
+              <p:cNvCxnSpPr/>
+              <p:nvPr/>
+            </p:nvCxnSpPr>
+            <p:spPr>
+              <a:xfrm>
+                <a:off x="1366684" y="1710813"/>
+                <a:ext cx="0" cy="1902542"/>
+              </a:xfrm>
+              <a:prstGeom prst="line">
+                <a:avLst/>
+              </a:prstGeom>
+            </p:spPr>
+            <p:style>
+              <a:lnRef idx="3">
+                <a:schemeClr val="dk1"/>
+              </a:lnRef>
+              <a:fillRef idx="0">
+                <a:schemeClr val="dk1"/>
+              </a:fillRef>
+              <a:effectRef idx="2">
+                <a:schemeClr val="dk1"/>
+              </a:effectRef>
+              <a:fontRef idx="minor">
+                <a:schemeClr val="tx1"/>
+              </a:fontRef>
+            </p:style>
+          </p:cxnSp>
+        </p:grpSp>
+        <p:cxnSp>
+          <p:nvCxnSpPr>
+            <p:cNvPr id="57" name="Straight Connector 56">
+              <a:extLst>
+                <a:ext uri="{FF2B5EF4-FFF2-40B4-BE49-F238E27FC236}">
+                  <a16:creationId xmlns:a16="http://schemas.microsoft.com/office/drawing/2014/main" id="{28BA30F8-35EA-407B-8203-8ED863DF5E4C}"/>
+                </a:ext>
+              </a:extLst>
+            </p:cNvPr>
+            <p:cNvCxnSpPr/>
+            <p:nvPr/>
+          </p:nvCxnSpPr>
+          <p:spPr>
+            <a:xfrm>
+              <a:off x="2261419" y="2662084"/>
+              <a:ext cx="712839" cy="88490"/>
+            </a:xfrm>
+            <a:prstGeom prst="line">
+              <a:avLst/>
+            </a:prstGeom>
+          </p:spPr>
+          <p:style>
+            <a:lnRef idx="3">
+              <a:schemeClr val="dk1"/>
+            </a:lnRef>
+            <a:fillRef idx="0">
+              <a:schemeClr val="dk1"/>
+            </a:fillRef>
+            <a:effectRef idx="2">
+              <a:schemeClr val="dk1"/>
+            </a:effectRef>
+            <a:fontRef idx="minor">
+              <a:schemeClr val="tx1"/>
+            </a:fontRef>
+          </p:style>
+        </p:cxnSp>
+        <p:cxnSp>
+          <p:nvCxnSpPr>
+            <p:cNvPr id="58" name="Straight Connector 57">
+              <a:extLst>
+                <a:ext uri="{FF2B5EF4-FFF2-40B4-BE49-F238E27FC236}">
+                  <a16:creationId xmlns:a16="http://schemas.microsoft.com/office/drawing/2014/main" id="{5169347E-D7CB-494C-9BC8-B5321CD78B37}"/>
+                </a:ext>
+              </a:extLst>
+            </p:cNvPr>
+            <p:cNvCxnSpPr/>
+            <p:nvPr/>
+          </p:nvCxnSpPr>
+          <p:spPr>
+            <a:xfrm>
+              <a:off x="2256503" y="4546190"/>
+              <a:ext cx="712839" cy="88490"/>
+            </a:xfrm>
+            <a:prstGeom prst="line">
+              <a:avLst/>
+            </a:prstGeom>
+          </p:spPr>
+          <p:style>
+            <a:lnRef idx="3">
+              <a:schemeClr val="dk1"/>
+            </a:lnRef>
+            <a:fillRef idx="0">
+              <a:schemeClr val="dk1"/>
+            </a:fillRef>
+            <a:effectRef idx="2">
+              <a:schemeClr val="dk1"/>
+            </a:effectRef>
+            <a:fontRef idx="minor">
+              <a:schemeClr val="tx1"/>
+            </a:fontRef>
+          </p:style>
+        </p:cxnSp>
+        <p:cxnSp>
+          <p:nvCxnSpPr>
+            <p:cNvPr id="59" name="Straight Connector 58">
+              <a:extLst>
+                <a:ext uri="{FF2B5EF4-FFF2-40B4-BE49-F238E27FC236}">
+                  <a16:creationId xmlns:a16="http://schemas.microsoft.com/office/drawing/2014/main" id="{3F57016F-C840-4DB8-971B-5ACCF41D1B25}"/>
+                </a:ext>
+              </a:extLst>
+            </p:cNvPr>
+            <p:cNvCxnSpPr/>
+            <p:nvPr/>
+          </p:nvCxnSpPr>
+          <p:spPr>
+            <a:xfrm>
+              <a:off x="3156154" y="3613355"/>
+              <a:ext cx="712839" cy="88490"/>
+            </a:xfrm>
+            <a:prstGeom prst="line">
+              <a:avLst/>
+            </a:prstGeom>
+          </p:spPr>
+          <p:style>
+            <a:lnRef idx="3">
+              <a:schemeClr val="dk1"/>
+            </a:lnRef>
+            <a:fillRef idx="0">
+              <a:schemeClr val="dk1"/>
+            </a:fillRef>
+            <a:effectRef idx="2">
+              <a:schemeClr val="dk1"/>
+            </a:effectRef>
+            <a:fontRef idx="minor">
+              <a:schemeClr val="tx1"/>
+            </a:fontRef>
+          </p:style>
+        </p:cxnSp>
+        <p:cxnSp>
+          <p:nvCxnSpPr>
+            <p:cNvPr id="60" name="Straight Connector 59">
+              <a:extLst>
+                <a:ext uri="{FF2B5EF4-FFF2-40B4-BE49-F238E27FC236}">
+                  <a16:creationId xmlns:a16="http://schemas.microsoft.com/office/drawing/2014/main" id="{3FDB5EB6-6CC4-4574-AAAB-61BDB6DFB3DE}"/>
+                </a:ext>
+              </a:extLst>
+            </p:cNvPr>
+            <p:cNvCxnSpPr/>
+            <p:nvPr/>
+          </p:nvCxnSpPr>
+          <p:spPr>
+            <a:xfrm>
+              <a:off x="3156154" y="1729249"/>
+              <a:ext cx="712839" cy="88490"/>
+            </a:xfrm>
+            <a:prstGeom prst="line">
+              <a:avLst/>
+            </a:prstGeom>
+          </p:spPr>
+          <p:style>
+            <a:lnRef idx="3">
+              <a:schemeClr val="dk1"/>
+            </a:lnRef>
+            <a:fillRef idx="0">
+              <a:schemeClr val="dk1"/>
+            </a:fillRef>
+            <a:effectRef idx="2">
+              <a:schemeClr val="dk1"/>
+            </a:effectRef>
+            <a:fontRef idx="minor">
+              <a:schemeClr val="tx1"/>
+            </a:fontRef>
+          </p:style>
+        </p:cxnSp>
+      </p:grpSp>
+      <p:grpSp>
+        <p:nvGrpSpPr>
+          <p:cNvPr id="81" name="Group 80">
+            <a:extLst>
+              <a:ext uri="{FF2B5EF4-FFF2-40B4-BE49-F238E27FC236}">
+                <a16:creationId xmlns:a16="http://schemas.microsoft.com/office/drawing/2014/main" id="{EFC6AD30-39C1-46A7-9860-FA8CD279BA2D}"/>
+              </a:ext>
+            </a:extLst>
+          </p:cNvPr>
+          <p:cNvGrpSpPr/>
+          <p:nvPr/>
+        </p:nvGrpSpPr>
+        <p:grpSpPr>
+          <a:xfrm>
+            <a:off x="9242603" y="1410051"/>
+            <a:ext cx="400524" cy="3519948"/>
+            <a:chOff x="9242603" y="1410051"/>
+            <a:chExt cx="400524" cy="3519948"/>
+          </a:xfrm>
+        </p:grpSpPr>
+        <p:sp>
+          <p:nvSpPr>
+            <p:cNvPr id="69" name="Rectangle 68">
+              <a:extLst>
+                <a:ext uri="{FF2B5EF4-FFF2-40B4-BE49-F238E27FC236}">
+                  <a16:creationId xmlns:a16="http://schemas.microsoft.com/office/drawing/2014/main" id="{49FA4E42-F26D-4E57-AAB0-CC17C769F08B}"/>
+                </a:ext>
+              </a:extLst>
+            </p:cNvPr>
+            <p:cNvSpPr/>
+            <p:nvPr/>
+          </p:nvSpPr>
+          <p:spPr>
+            <a:xfrm>
+              <a:off x="9249837" y="1410051"/>
+              <a:ext cx="393290" cy="3519948"/>
+            </a:xfrm>
+            <a:prstGeom prst="rect">
+              <a:avLst/>
+            </a:prstGeom>
+            <a:noFill/>
+            <a:ln w="28575"/>
+          </p:spPr>
+          <p:style>
+            <a:lnRef idx="2">
+              <a:schemeClr val="accent1">
+                <a:shade val="50000"/>
+              </a:schemeClr>
+            </a:lnRef>
+            <a:fillRef idx="1">
+              <a:schemeClr val="accent1"/>
+            </a:fillRef>
+            <a:effectRef idx="0">
+              <a:schemeClr val="accent1"/>
+            </a:effectRef>
+            <a:fontRef idx="minor">
+              <a:schemeClr val="lt1"/>
+            </a:fontRef>
+          </p:style>
+          <p:txBody>
+            <a:bodyPr rtlCol="0" anchor="ctr"/>
+            <a:lstStyle/>
+            <a:p>
+              <a:pPr algn="ctr"/>
+              <a:endParaRPr lang="en-US"/>
+            </a:p>
+          </p:txBody>
+        </p:sp>
+        <p:cxnSp>
+          <p:nvCxnSpPr>
+            <p:cNvPr id="71" name="Straight Connector 70">
+              <a:extLst>
+                <a:ext uri="{FF2B5EF4-FFF2-40B4-BE49-F238E27FC236}">
+                  <a16:creationId xmlns:a16="http://schemas.microsoft.com/office/drawing/2014/main" id="{92685BB4-8772-4C90-9B8A-D3C380B95C65}"/>
+                </a:ext>
+              </a:extLst>
+            </p:cNvPr>
+            <p:cNvCxnSpPr/>
+            <p:nvPr/>
+          </p:nvCxnSpPr>
+          <p:spPr>
+            <a:xfrm>
+              <a:off x="9249837" y="1863213"/>
+              <a:ext cx="393290" cy="0"/>
+            </a:xfrm>
+            <a:prstGeom prst="line">
+              <a:avLst/>
+            </a:prstGeom>
+            <a:ln/>
+          </p:spPr>
+          <p:style>
+            <a:lnRef idx="3">
+              <a:schemeClr val="dk1"/>
+            </a:lnRef>
+            <a:fillRef idx="0">
+              <a:schemeClr val="dk1"/>
+            </a:fillRef>
+            <a:effectRef idx="2">
+              <a:schemeClr val="dk1"/>
+            </a:effectRef>
+            <a:fontRef idx="minor">
+              <a:schemeClr val="tx1"/>
+            </a:fontRef>
+          </p:style>
+        </p:cxnSp>
+        <p:cxnSp>
+          <p:nvCxnSpPr>
+            <p:cNvPr id="72" name="Straight Connector 71">
+              <a:extLst>
+                <a:ext uri="{FF2B5EF4-FFF2-40B4-BE49-F238E27FC236}">
+                  <a16:creationId xmlns:a16="http://schemas.microsoft.com/office/drawing/2014/main" id="{D50B5F95-B8DC-444A-AA56-AA3734E8D1AE}"/>
+                </a:ext>
+              </a:extLst>
+            </p:cNvPr>
+            <p:cNvCxnSpPr/>
+            <p:nvPr/>
+          </p:nvCxnSpPr>
+          <p:spPr>
+            <a:xfrm>
+              <a:off x="9249837" y="2168013"/>
+              <a:ext cx="393290" cy="0"/>
+            </a:xfrm>
+            <a:prstGeom prst="line">
+              <a:avLst/>
+            </a:prstGeom>
+            <a:ln/>
+          </p:spPr>
+          <p:style>
+            <a:lnRef idx="3">
+              <a:schemeClr val="dk1"/>
+            </a:lnRef>
+            <a:fillRef idx="0">
+              <a:schemeClr val="dk1"/>
+            </a:fillRef>
+            <a:effectRef idx="2">
+              <a:schemeClr val="dk1"/>
+            </a:effectRef>
+            <a:fontRef idx="minor">
+              <a:schemeClr val="tx1"/>
+            </a:fontRef>
+          </p:style>
+        </p:cxnSp>
+        <p:cxnSp>
+          <p:nvCxnSpPr>
+            <p:cNvPr id="73" name="Straight Connector 72">
+              <a:extLst>
+                <a:ext uri="{FF2B5EF4-FFF2-40B4-BE49-F238E27FC236}">
+                  <a16:creationId xmlns:a16="http://schemas.microsoft.com/office/drawing/2014/main" id="{AE0777D8-412E-4DFE-9C3A-5E227CA4D102}"/>
+                </a:ext>
+              </a:extLst>
+            </p:cNvPr>
+            <p:cNvCxnSpPr/>
+            <p:nvPr/>
+          </p:nvCxnSpPr>
+          <p:spPr>
+            <a:xfrm>
+              <a:off x="9249837" y="2470016"/>
+              <a:ext cx="393290" cy="0"/>
+            </a:xfrm>
+            <a:prstGeom prst="line">
+              <a:avLst/>
+            </a:prstGeom>
+            <a:ln/>
+          </p:spPr>
+          <p:style>
+            <a:lnRef idx="3">
+              <a:schemeClr val="dk1"/>
+            </a:lnRef>
+            <a:fillRef idx="0">
+              <a:schemeClr val="dk1"/>
+            </a:fillRef>
+            <a:effectRef idx="2">
+              <a:schemeClr val="dk1"/>
+            </a:effectRef>
+            <a:fontRef idx="minor">
+              <a:schemeClr val="tx1"/>
+            </a:fontRef>
+          </p:style>
+        </p:cxnSp>
+        <p:cxnSp>
+          <p:nvCxnSpPr>
+            <p:cNvPr id="74" name="Straight Connector 73">
+              <a:extLst>
+                <a:ext uri="{FF2B5EF4-FFF2-40B4-BE49-F238E27FC236}">
+                  <a16:creationId xmlns:a16="http://schemas.microsoft.com/office/drawing/2014/main" id="{076214FD-5CFF-4FB6-875E-813FD941504D}"/>
+                </a:ext>
+              </a:extLst>
+            </p:cNvPr>
+            <p:cNvCxnSpPr/>
+            <p:nvPr/>
+          </p:nvCxnSpPr>
+          <p:spPr>
+            <a:xfrm>
+              <a:off x="9249837" y="2768128"/>
+              <a:ext cx="393290" cy="0"/>
+            </a:xfrm>
+            <a:prstGeom prst="line">
+              <a:avLst/>
+            </a:prstGeom>
+            <a:ln/>
+          </p:spPr>
+          <p:style>
+            <a:lnRef idx="3">
+              <a:schemeClr val="dk1"/>
+            </a:lnRef>
+            <a:fillRef idx="0">
+              <a:schemeClr val="dk1"/>
+            </a:fillRef>
+            <a:effectRef idx="2">
+              <a:schemeClr val="dk1"/>
+            </a:effectRef>
+            <a:fontRef idx="minor">
+              <a:schemeClr val="tx1"/>
+            </a:fontRef>
+          </p:style>
+        </p:cxnSp>
+        <p:cxnSp>
+          <p:nvCxnSpPr>
+            <p:cNvPr id="75" name="Straight Connector 74">
+              <a:extLst>
+                <a:ext uri="{FF2B5EF4-FFF2-40B4-BE49-F238E27FC236}">
+                  <a16:creationId xmlns:a16="http://schemas.microsoft.com/office/drawing/2014/main" id="{5D0FA4F1-10AA-4632-8801-2420F45C2256}"/>
+                </a:ext>
+              </a:extLst>
+            </p:cNvPr>
+            <p:cNvCxnSpPr/>
+            <p:nvPr/>
+          </p:nvCxnSpPr>
+          <p:spPr>
+            <a:xfrm>
+              <a:off x="9249837" y="3124190"/>
+              <a:ext cx="393290" cy="0"/>
+            </a:xfrm>
+            <a:prstGeom prst="line">
+              <a:avLst/>
+            </a:prstGeom>
+            <a:ln/>
+          </p:spPr>
+          <p:style>
+            <a:lnRef idx="3">
+              <a:schemeClr val="dk1"/>
+            </a:lnRef>
+            <a:fillRef idx="0">
+              <a:schemeClr val="dk1"/>
+            </a:fillRef>
+            <a:effectRef idx="2">
+              <a:schemeClr val="dk1"/>
+            </a:effectRef>
+            <a:fontRef idx="minor">
+              <a:schemeClr val="tx1"/>
+            </a:fontRef>
+          </p:style>
+        </p:cxnSp>
+        <p:cxnSp>
+          <p:nvCxnSpPr>
+            <p:cNvPr id="76" name="Straight Connector 75">
+              <a:extLst>
+                <a:ext uri="{FF2B5EF4-FFF2-40B4-BE49-F238E27FC236}">
+                  <a16:creationId xmlns:a16="http://schemas.microsoft.com/office/drawing/2014/main" id="{749621F8-8A74-4792-AB55-0DCB8C33CED8}"/>
+                </a:ext>
+              </a:extLst>
+            </p:cNvPr>
+            <p:cNvCxnSpPr/>
+            <p:nvPr/>
+          </p:nvCxnSpPr>
+          <p:spPr>
+            <a:xfrm>
+              <a:off x="9242603" y="3429000"/>
+              <a:ext cx="393290" cy="0"/>
+            </a:xfrm>
+            <a:prstGeom prst="line">
+              <a:avLst/>
+            </a:prstGeom>
+            <a:ln/>
+          </p:spPr>
+          <p:style>
+            <a:lnRef idx="3">
+              <a:schemeClr val="dk1"/>
+            </a:lnRef>
+            <a:fillRef idx="0">
+              <a:schemeClr val="dk1"/>
+            </a:fillRef>
+            <a:effectRef idx="2">
+              <a:schemeClr val="dk1"/>
+            </a:effectRef>
+            <a:fontRef idx="minor">
+              <a:schemeClr val="tx1"/>
+            </a:fontRef>
+          </p:style>
+        </p:cxnSp>
+        <p:cxnSp>
+          <p:nvCxnSpPr>
+            <p:cNvPr id="77" name="Straight Connector 76">
+              <a:extLst>
+                <a:ext uri="{FF2B5EF4-FFF2-40B4-BE49-F238E27FC236}">
+                  <a16:creationId xmlns:a16="http://schemas.microsoft.com/office/drawing/2014/main" id="{C43A6643-AF59-4D53-ABA2-447DB3413F05}"/>
+                </a:ext>
+              </a:extLst>
+            </p:cNvPr>
+            <p:cNvCxnSpPr/>
+            <p:nvPr/>
+          </p:nvCxnSpPr>
+          <p:spPr>
+            <a:xfrm>
+              <a:off x="9249837" y="3792802"/>
+              <a:ext cx="393290" cy="0"/>
+            </a:xfrm>
+            <a:prstGeom prst="line">
+              <a:avLst/>
+            </a:prstGeom>
+            <a:ln/>
+          </p:spPr>
+          <p:style>
+            <a:lnRef idx="3">
+              <a:schemeClr val="dk1"/>
+            </a:lnRef>
+            <a:fillRef idx="0">
+              <a:schemeClr val="dk1"/>
+            </a:fillRef>
+            <a:effectRef idx="2">
+              <a:schemeClr val="dk1"/>
+            </a:effectRef>
+            <a:fontRef idx="minor">
+              <a:schemeClr val="tx1"/>
+            </a:fontRef>
+          </p:style>
+        </p:cxnSp>
+        <p:cxnSp>
+          <p:nvCxnSpPr>
+            <p:cNvPr id="78" name="Straight Connector 77">
+              <a:extLst>
+                <a:ext uri="{FF2B5EF4-FFF2-40B4-BE49-F238E27FC236}">
+                  <a16:creationId xmlns:a16="http://schemas.microsoft.com/office/drawing/2014/main" id="{68D33C26-1DD8-471E-A3C7-274BCA8658CB}"/>
+                </a:ext>
+              </a:extLst>
+            </p:cNvPr>
+            <p:cNvCxnSpPr>
+              <a:cxnSpLocks/>
+            </p:cNvCxnSpPr>
+            <p:nvPr/>
+          </p:nvCxnSpPr>
+          <p:spPr>
+            <a:xfrm>
+              <a:off x="9242603" y="4140450"/>
+              <a:ext cx="393290" cy="0"/>
+            </a:xfrm>
+            <a:prstGeom prst="line">
+              <a:avLst/>
+            </a:prstGeom>
+            <a:ln/>
+          </p:spPr>
+          <p:style>
+            <a:lnRef idx="3">
+              <a:schemeClr val="dk1"/>
+            </a:lnRef>
+            <a:fillRef idx="0">
+              <a:schemeClr val="dk1"/>
+            </a:fillRef>
+            <a:effectRef idx="2">
+              <a:schemeClr val="dk1"/>
+            </a:effectRef>
+            <a:fontRef idx="minor">
+              <a:schemeClr val="tx1"/>
+            </a:fontRef>
+          </p:style>
+        </p:cxnSp>
+        <p:cxnSp>
+          <p:nvCxnSpPr>
+            <p:cNvPr id="80" name="Straight Connector 79">
+              <a:extLst>
+                <a:ext uri="{FF2B5EF4-FFF2-40B4-BE49-F238E27FC236}">
+                  <a16:creationId xmlns:a16="http://schemas.microsoft.com/office/drawing/2014/main" id="{C3F5602C-60B2-43DA-B178-63745E218046}"/>
+                </a:ext>
+              </a:extLst>
+            </p:cNvPr>
+            <p:cNvCxnSpPr/>
+            <p:nvPr/>
+          </p:nvCxnSpPr>
+          <p:spPr>
+            <a:xfrm>
+              <a:off x="9249837" y="4527755"/>
+              <a:ext cx="393290" cy="0"/>
+            </a:xfrm>
+            <a:prstGeom prst="line">
+              <a:avLst/>
+            </a:prstGeom>
+            <a:ln/>
+          </p:spPr>
+          <p:style>
+            <a:lnRef idx="3">
+              <a:schemeClr val="dk1"/>
+            </a:lnRef>
+            <a:fillRef idx="0">
+              <a:schemeClr val="dk1"/>
+            </a:fillRef>
+            <a:effectRef idx="2">
+              <a:schemeClr val="dk1"/>
+            </a:effectRef>
+            <a:fontRef idx="minor">
+              <a:schemeClr val="tx1"/>
+            </a:fontRef>
+          </p:style>
+        </p:cxnSp>
+      </p:grpSp>
+      <p:grpSp>
+        <p:nvGrpSpPr>
+          <p:cNvPr id="82" name="Group 81">
+            <a:extLst>
+              <a:ext uri="{FF2B5EF4-FFF2-40B4-BE49-F238E27FC236}">
+                <a16:creationId xmlns:a16="http://schemas.microsoft.com/office/drawing/2014/main" id="{EEDBD189-DFA3-404D-95EB-3A8CD66B6A9E}"/>
+              </a:ext>
+            </a:extLst>
+          </p:cNvPr>
+          <p:cNvGrpSpPr/>
+          <p:nvPr/>
+        </p:nvGrpSpPr>
+        <p:grpSpPr>
+          <a:xfrm>
+            <a:off x="10164536" y="1418654"/>
+            <a:ext cx="400524" cy="3519948"/>
+            <a:chOff x="9242603" y="1410051"/>
+            <a:chExt cx="400524" cy="3519948"/>
+          </a:xfrm>
+        </p:grpSpPr>
+        <p:sp>
+          <p:nvSpPr>
+            <p:cNvPr id="83" name="Rectangle 82">
+              <a:extLst>
+                <a:ext uri="{FF2B5EF4-FFF2-40B4-BE49-F238E27FC236}">
+                  <a16:creationId xmlns:a16="http://schemas.microsoft.com/office/drawing/2014/main" id="{4E14120B-2ECC-40CB-A74C-8FC9D3FFD5CF}"/>
+                </a:ext>
+              </a:extLst>
+            </p:cNvPr>
+            <p:cNvSpPr/>
+            <p:nvPr/>
+          </p:nvSpPr>
+          <p:spPr>
+            <a:xfrm>
+              <a:off x="9249837" y="1410051"/>
+              <a:ext cx="393290" cy="3519948"/>
+            </a:xfrm>
+            <a:prstGeom prst="rect">
+              <a:avLst/>
+            </a:prstGeom>
+            <a:noFill/>
+            <a:ln w="28575"/>
+          </p:spPr>
+          <p:style>
+            <a:lnRef idx="2">
+              <a:schemeClr val="accent1">
+                <a:shade val="50000"/>
+              </a:schemeClr>
+            </a:lnRef>
+            <a:fillRef idx="1">
+              <a:schemeClr val="accent1"/>
+            </a:fillRef>
+            <a:effectRef idx="0">
+              <a:schemeClr val="accent1"/>
+            </a:effectRef>
+            <a:fontRef idx="minor">
+              <a:schemeClr val="lt1"/>
+            </a:fontRef>
+          </p:style>
+          <p:txBody>
+            <a:bodyPr rtlCol="0" anchor="ctr"/>
+            <a:lstStyle/>
+            <a:p>
+              <a:pPr algn="ctr"/>
+              <a:endParaRPr lang="en-US"/>
+            </a:p>
+          </p:txBody>
+        </p:sp>
+        <p:cxnSp>
+          <p:nvCxnSpPr>
+            <p:cNvPr id="84" name="Straight Connector 83">
+              <a:extLst>
+                <a:ext uri="{FF2B5EF4-FFF2-40B4-BE49-F238E27FC236}">
+                  <a16:creationId xmlns:a16="http://schemas.microsoft.com/office/drawing/2014/main" id="{7BBC14D1-6FBC-4810-B06D-9FF5AD1727CE}"/>
+                </a:ext>
+              </a:extLst>
+            </p:cNvPr>
+            <p:cNvCxnSpPr/>
+            <p:nvPr/>
+          </p:nvCxnSpPr>
+          <p:spPr>
+            <a:xfrm>
+              <a:off x="9249837" y="1863213"/>
+              <a:ext cx="393290" cy="0"/>
+            </a:xfrm>
+            <a:prstGeom prst="line">
+              <a:avLst/>
+            </a:prstGeom>
+            <a:ln/>
+          </p:spPr>
+          <p:style>
+            <a:lnRef idx="3">
+              <a:schemeClr val="dk1"/>
+            </a:lnRef>
+            <a:fillRef idx="0">
+              <a:schemeClr val="dk1"/>
+            </a:fillRef>
+            <a:effectRef idx="2">
+              <a:schemeClr val="dk1"/>
+            </a:effectRef>
+            <a:fontRef idx="minor">
+              <a:schemeClr val="tx1"/>
+            </a:fontRef>
+          </p:style>
+        </p:cxnSp>
+        <p:cxnSp>
+          <p:nvCxnSpPr>
+            <p:cNvPr id="85" name="Straight Connector 84">
+              <a:extLst>
+                <a:ext uri="{FF2B5EF4-FFF2-40B4-BE49-F238E27FC236}">
+                  <a16:creationId xmlns:a16="http://schemas.microsoft.com/office/drawing/2014/main" id="{AC1836DC-5673-4017-8778-AF8C1A2B34D4}"/>
+                </a:ext>
+              </a:extLst>
+            </p:cNvPr>
+            <p:cNvCxnSpPr/>
+            <p:nvPr/>
+          </p:nvCxnSpPr>
+          <p:spPr>
+            <a:xfrm>
+              <a:off x="9249837" y="2168013"/>
+              <a:ext cx="393290" cy="0"/>
+            </a:xfrm>
+            <a:prstGeom prst="line">
+              <a:avLst/>
+            </a:prstGeom>
+            <a:ln/>
+          </p:spPr>
+          <p:style>
+            <a:lnRef idx="3">
+              <a:schemeClr val="dk1"/>
+            </a:lnRef>
+            <a:fillRef idx="0">
+              <a:schemeClr val="dk1"/>
+            </a:fillRef>
+            <a:effectRef idx="2">
+              <a:schemeClr val="dk1"/>
+            </a:effectRef>
+            <a:fontRef idx="minor">
+              <a:schemeClr val="tx1"/>
+            </a:fontRef>
+          </p:style>
+        </p:cxnSp>
+        <p:cxnSp>
+          <p:nvCxnSpPr>
+            <p:cNvPr id="86" name="Straight Connector 85">
+              <a:extLst>
+                <a:ext uri="{FF2B5EF4-FFF2-40B4-BE49-F238E27FC236}">
+                  <a16:creationId xmlns:a16="http://schemas.microsoft.com/office/drawing/2014/main" id="{0FB3833C-B8BE-48FB-A8E2-B62F12322260}"/>
+                </a:ext>
+              </a:extLst>
+            </p:cNvPr>
+            <p:cNvCxnSpPr/>
+            <p:nvPr/>
+          </p:nvCxnSpPr>
+          <p:spPr>
+            <a:xfrm>
+              <a:off x="9249837" y="2470016"/>
+              <a:ext cx="393290" cy="0"/>
+            </a:xfrm>
+            <a:prstGeom prst="line">
+              <a:avLst/>
+            </a:prstGeom>
+            <a:ln/>
+          </p:spPr>
+          <p:style>
+            <a:lnRef idx="3">
+              <a:schemeClr val="dk1"/>
+            </a:lnRef>
+            <a:fillRef idx="0">
+              <a:schemeClr val="dk1"/>
+            </a:fillRef>
+            <a:effectRef idx="2">
+              <a:schemeClr val="dk1"/>
+            </a:effectRef>
+            <a:fontRef idx="minor">
+              <a:schemeClr val="tx1"/>
+            </a:fontRef>
+          </p:style>
+        </p:cxnSp>
+        <p:cxnSp>
+          <p:nvCxnSpPr>
+            <p:cNvPr id="87" name="Straight Connector 86">
+              <a:extLst>
+                <a:ext uri="{FF2B5EF4-FFF2-40B4-BE49-F238E27FC236}">
+                  <a16:creationId xmlns:a16="http://schemas.microsoft.com/office/drawing/2014/main" id="{75DF71A0-6AE0-4848-A0C5-7194B065711B}"/>
+                </a:ext>
+              </a:extLst>
+            </p:cNvPr>
+            <p:cNvCxnSpPr/>
+            <p:nvPr/>
+          </p:nvCxnSpPr>
+          <p:spPr>
+            <a:xfrm>
+              <a:off x="9249837" y="2768128"/>
+              <a:ext cx="393290" cy="0"/>
+            </a:xfrm>
+            <a:prstGeom prst="line">
+              <a:avLst/>
+            </a:prstGeom>
+            <a:ln/>
+          </p:spPr>
+          <p:style>
+            <a:lnRef idx="3">
+              <a:schemeClr val="dk1"/>
+            </a:lnRef>
+            <a:fillRef idx="0">
+              <a:schemeClr val="dk1"/>
+            </a:fillRef>
+            <a:effectRef idx="2">
+              <a:schemeClr val="dk1"/>
+            </a:effectRef>
+            <a:fontRef idx="minor">
+              <a:schemeClr val="tx1"/>
+            </a:fontRef>
+          </p:style>
+        </p:cxnSp>
+        <p:cxnSp>
+          <p:nvCxnSpPr>
+            <p:cNvPr id="88" name="Straight Connector 87">
+              <a:extLst>
+                <a:ext uri="{FF2B5EF4-FFF2-40B4-BE49-F238E27FC236}">
+                  <a16:creationId xmlns:a16="http://schemas.microsoft.com/office/drawing/2014/main" id="{949CCBBC-DDE8-4C45-AA8E-043B1E3CB126}"/>
+                </a:ext>
+              </a:extLst>
+            </p:cNvPr>
+            <p:cNvCxnSpPr/>
+            <p:nvPr/>
+          </p:nvCxnSpPr>
+          <p:spPr>
+            <a:xfrm>
+              <a:off x="9249837" y="3124190"/>
+              <a:ext cx="393290" cy="0"/>
+            </a:xfrm>
+            <a:prstGeom prst="line">
+              <a:avLst/>
+            </a:prstGeom>
+            <a:ln/>
+          </p:spPr>
+          <p:style>
+            <a:lnRef idx="3">
+              <a:schemeClr val="dk1"/>
+            </a:lnRef>
+            <a:fillRef idx="0">
+              <a:schemeClr val="dk1"/>
+            </a:fillRef>
+            <a:effectRef idx="2">
+              <a:schemeClr val="dk1"/>
+            </a:effectRef>
+            <a:fontRef idx="minor">
+              <a:schemeClr val="tx1"/>
+            </a:fontRef>
+          </p:style>
+        </p:cxnSp>
+        <p:cxnSp>
+          <p:nvCxnSpPr>
+            <p:cNvPr id="89" name="Straight Connector 88">
+              <a:extLst>
+                <a:ext uri="{FF2B5EF4-FFF2-40B4-BE49-F238E27FC236}">
+                  <a16:creationId xmlns:a16="http://schemas.microsoft.com/office/drawing/2014/main" id="{84AA0756-4E40-4D1C-9DD8-D87A119F1A92}"/>
+                </a:ext>
+              </a:extLst>
+            </p:cNvPr>
+            <p:cNvCxnSpPr/>
+            <p:nvPr/>
+          </p:nvCxnSpPr>
+          <p:spPr>
+            <a:xfrm>
+              <a:off x="9242603" y="3429000"/>
+              <a:ext cx="393290" cy="0"/>
+            </a:xfrm>
+            <a:prstGeom prst="line">
+              <a:avLst/>
+            </a:prstGeom>
+            <a:ln/>
+          </p:spPr>
+          <p:style>
+            <a:lnRef idx="3">
+              <a:schemeClr val="dk1"/>
+            </a:lnRef>
+            <a:fillRef idx="0">
+              <a:schemeClr val="dk1"/>
+            </a:fillRef>
+            <a:effectRef idx="2">
+              <a:schemeClr val="dk1"/>
+            </a:effectRef>
+            <a:fontRef idx="minor">
+              <a:schemeClr val="tx1"/>
+            </a:fontRef>
+          </p:style>
+        </p:cxnSp>
+        <p:cxnSp>
+          <p:nvCxnSpPr>
+            <p:cNvPr id="90" name="Straight Connector 89">
+              <a:extLst>
+                <a:ext uri="{FF2B5EF4-FFF2-40B4-BE49-F238E27FC236}">
+                  <a16:creationId xmlns:a16="http://schemas.microsoft.com/office/drawing/2014/main" id="{E7EAF984-44FA-45D6-AB58-2036B8C372D7}"/>
+                </a:ext>
+              </a:extLst>
+            </p:cNvPr>
+            <p:cNvCxnSpPr/>
+            <p:nvPr/>
+          </p:nvCxnSpPr>
+          <p:spPr>
+            <a:xfrm>
+              <a:off x="9249837" y="3792802"/>
+              <a:ext cx="393290" cy="0"/>
+            </a:xfrm>
+            <a:prstGeom prst="line">
+              <a:avLst/>
+            </a:prstGeom>
+            <a:ln/>
+          </p:spPr>
+          <p:style>
+            <a:lnRef idx="3">
+              <a:schemeClr val="dk1"/>
+            </a:lnRef>
+            <a:fillRef idx="0">
+              <a:schemeClr val="dk1"/>
+            </a:fillRef>
+            <a:effectRef idx="2">
+              <a:schemeClr val="dk1"/>
+            </a:effectRef>
+            <a:fontRef idx="minor">
+              <a:schemeClr val="tx1"/>
+            </a:fontRef>
+          </p:style>
+        </p:cxnSp>
+        <p:cxnSp>
+          <p:nvCxnSpPr>
+            <p:cNvPr id="91" name="Straight Connector 90">
+              <a:extLst>
+                <a:ext uri="{FF2B5EF4-FFF2-40B4-BE49-F238E27FC236}">
+                  <a16:creationId xmlns:a16="http://schemas.microsoft.com/office/drawing/2014/main" id="{AACF8C3C-CC19-46F4-AFF9-14A06C0AA4A7}"/>
+                </a:ext>
+              </a:extLst>
+            </p:cNvPr>
+            <p:cNvCxnSpPr>
+              <a:cxnSpLocks/>
+            </p:cNvCxnSpPr>
+            <p:nvPr/>
+          </p:nvCxnSpPr>
+          <p:spPr>
+            <a:xfrm>
+              <a:off x="9242603" y="4140450"/>
+              <a:ext cx="393290" cy="0"/>
+            </a:xfrm>
+            <a:prstGeom prst="line">
+              <a:avLst/>
+            </a:prstGeom>
+            <a:ln/>
+          </p:spPr>
+          <p:style>
+            <a:lnRef idx="3">
+              <a:schemeClr val="dk1"/>
+            </a:lnRef>
+            <a:fillRef idx="0">
+              <a:schemeClr val="dk1"/>
+            </a:fillRef>
+            <a:effectRef idx="2">
+              <a:schemeClr val="dk1"/>
+            </a:effectRef>
+            <a:fontRef idx="minor">
+              <a:schemeClr val="tx1"/>
+            </a:fontRef>
+          </p:style>
+        </p:cxnSp>
+        <p:cxnSp>
+          <p:nvCxnSpPr>
+            <p:cNvPr id="92" name="Straight Connector 91">
+              <a:extLst>
+                <a:ext uri="{FF2B5EF4-FFF2-40B4-BE49-F238E27FC236}">
+                  <a16:creationId xmlns:a16="http://schemas.microsoft.com/office/drawing/2014/main" id="{13C560F7-1E14-48F1-BEB4-24746961CE4F}"/>
+                </a:ext>
+              </a:extLst>
+            </p:cNvPr>
+            <p:cNvCxnSpPr/>
+            <p:nvPr/>
+          </p:nvCxnSpPr>
+          <p:spPr>
+            <a:xfrm>
+              <a:off x="9249837" y="4527755"/>
+              <a:ext cx="393290" cy="0"/>
+            </a:xfrm>
+            <a:prstGeom prst="line">
+              <a:avLst/>
+            </a:prstGeom>
+            <a:ln/>
+          </p:spPr>
+          <p:style>
+            <a:lnRef idx="3">
+              <a:schemeClr val="dk1"/>
+            </a:lnRef>
+            <a:fillRef idx="0">
+              <a:schemeClr val="dk1"/>
+            </a:fillRef>
+            <a:effectRef idx="2">
+              <a:schemeClr val="dk1"/>
+            </a:effectRef>
+            <a:fontRef idx="minor">
+              <a:schemeClr val="tx1"/>
+            </a:fontRef>
+          </p:style>
+        </p:cxnSp>
+      </p:grpSp>
+      <p:cxnSp>
+        <p:nvCxnSpPr>
+          <p:cNvPr id="94" name="Straight Arrow Connector 93">
+            <a:extLst>
+              <a:ext uri="{FF2B5EF4-FFF2-40B4-BE49-F238E27FC236}">
+                <a16:creationId xmlns:a16="http://schemas.microsoft.com/office/drawing/2014/main" id="{0930E245-D9E6-43B8-AD08-C464A9C90DCC}"/>
+              </a:ext>
+            </a:extLst>
+          </p:cNvPr>
+          <p:cNvCxnSpPr/>
+          <p:nvPr/>
+        </p:nvCxnSpPr>
+        <p:spPr>
+          <a:xfrm>
+            <a:off x="9643127" y="1710813"/>
+            <a:ext cx="528643" cy="0"/>
+          </a:xfrm>
+          <a:prstGeom prst="straightConnector1">
+            <a:avLst/>
+          </a:prstGeom>
+          <a:ln>
+            <a:solidFill>
+              <a:schemeClr val="tx1"/>
+            </a:solidFill>
+            <a:tailEnd type="triangle"/>
+          </a:ln>
+        </p:spPr>
+        <p:style>
+          <a:lnRef idx="1">
+            <a:schemeClr val="accent1"/>
+          </a:lnRef>
+          <a:fillRef idx="0">
+            <a:schemeClr val="accent1"/>
+          </a:fillRef>
+          <a:effectRef idx="0">
+            <a:schemeClr val="accent1"/>
+          </a:effectRef>
+          <a:fontRef idx="minor">
+            <a:schemeClr val="tx1"/>
+          </a:fontRef>
+        </p:style>
+      </p:cxnSp>
+      <p:cxnSp>
+        <p:nvCxnSpPr>
+          <p:cNvPr id="95" name="Straight Arrow Connector 94">
+            <a:extLst>
+              <a:ext uri="{FF2B5EF4-FFF2-40B4-BE49-F238E27FC236}">
+                <a16:creationId xmlns:a16="http://schemas.microsoft.com/office/drawing/2014/main" id="{F1DFB61E-8A13-410F-8B28-99F4729EA727}"/>
+              </a:ext>
+            </a:extLst>
+          </p:cNvPr>
+          <p:cNvCxnSpPr>
+            <a:cxnSpLocks/>
+          </p:cNvCxnSpPr>
+          <p:nvPr/>
+        </p:nvCxnSpPr>
+        <p:spPr>
+          <a:xfrm>
+            <a:off x="9714271" y="1710813"/>
+            <a:ext cx="457499" cy="312174"/>
+          </a:xfrm>
+          <a:prstGeom prst="straightConnector1">
+            <a:avLst/>
+          </a:prstGeom>
+          <a:ln>
+            <a:solidFill>
+              <a:schemeClr val="tx1"/>
+            </a:solidFill>
+            <a:tailEnd type="triangle"/>
+          </a:ln>
+        </p:spPr>
+        <p:style>
+          <a:lnRef idx="1">
+            <a:schemeClr val="accent1"/>
+          </a:lnRef>
+          <a:fillRef idx="0">
+            <a:schemeClr val="accent1"/>
+          </a:fillRef>
+          <a:effectRef idx="0">
+            <a:schemeClr val="accent1"/>
+          </a:effectRef>
+          <a:fontRef idx="minor">
+            <a:schemeClr val="tx1"/>
+          </a:fontRef>
+        </p:style>
+      </p:cxnSp>
+      <p:cxnSp>
+        <p:nvCxnSpPr>
+          <p:cNvPr id="97" name="Straight Arrow Connector 96">
+            <a:extLst>
+              <a:ext uri="{FF2B5EF4-FFF2-40B4-BE49-F238E27FC236}">
+                <a16:creationId xmlns:a16="http://schemas.microsoft.com/office/drawing/2014/main" id="{6574A35A-DBBB-4CDA-A324-85B8B160EA02}"/>
+              </a:ext>
+            </a:extLst>
+          </p:cNvPr>
+          <p:cNvCxnSpPr>
+            <a:cxnSpLocks/>
+          </p:cNvCxnSpPr>
+          <p:nvPr/>
+        </p:nvCxnSpPr>
+        <p:spPr>
+          <a:xfrm>
+            <a:off x="9683605" y="1710812"/>
+            <a:ext cx="495399" cy="3032023"/>
+          </a:xfrm>
+          <a:prstGeom prst="straightConnector1">
+            <a:avLst/>
+          </a:prstGeom>
+          <a:ln>
+            <a:solidFill>
+              <a:schemeClr val="tx1"/>
+            </a:solidFill>
+            <a:tailEnd type="triangle"/>
+          </a:ln>
+        </p:spPr>
+        <p:style>
+          <a:lnRef idx="1">
+            <a:schemeClr val="accent1"/>
+          </a:lnRef>
+          <a:fillRef idx="0">
+            <a:schemeClr val="accent1"/>
+          </a:fillRef>
+          <a:effectRef idx="0">
+            <a:schemeClr val="accent1"/>
+          </a:effectRef>
+          <a:fontRef idx="minor">
+            <a:schemeClr val="tx1"/>
+          </a:fontRef>
+        </p:style>
+      </p:cxnSp>
+      <p:cxnSp>
+        <p:nvCxnSpPr>
+          <p:cNvPr id="100" name="Straight Arrow Connector 99">
+            <a:extLst>
+              <a:ext uri="{FF2B5EF4-FFF2-40B4-BE49-F238E27FC236}">
+                <a16:creationId xmlns:a16="http://schemas.microsoft.com/office/drawing/2014/main" id="{000C3830-4ED9-4BB8-81A6-EEEF13D7FAA1}"/>
+              </a:ext>
+            </a:extLst>
+          </p:cNvPr>
+          <p:cNvCxnSpPr/>
+          <p:nvPr/>
+        </p:nvCxnSpPr>
+        <p:spPr>
+          <a:xfrm>
+            <a:off x="9635893" y="4723171"/>
+            <a:ext cx="528643" cy="0"/>
+          </a:xfrm>
+          <a:prstGeom prst="straightConnector1">
+            <a:avLst/>
+          </a:prstGeom>
+          <a:ln>
+            <a:solidFill>
+              <a:schemeClr val="tx1"/>
+            </a:solidFill>
+            <a:tailEnd type="triangle"/>
+          </a:ln>
+        </p:spPr>
+        <p:style>
+          <a:lnRef idx="1">
+            <a:schemeClr val="accent1"/>
+          </a:lnRef>
+          <a:fillRef idx="0">
+            <a:schemeClr val="accent1"/>
+          </a:fillRef>
+          <a:effectRef idx="0">
+            <a:schemeClr val="accent1"/>
+          </a:effectRef>
+          <a:fontRef idx="minor">
+            <a:schemeClr val="tx1"/>
+          </a:fontRef>
+        </p:style>
+      </p:cxnSp>
+      <p:cxnSp>
+        <p:nvCxnSpPr>
+          <p:cNvPr id="101" name="Straight Arrow Connector 100">
+            <a:extLst>
+              <a:ext uri="{FF2B5EF4-FFF2-40B4-BE49-F238E27FC236}">
+                <a16:creationId xmlns:a16="http://schemas.microsoft.com/office/drawing/2014/main" id="{06A0E916-8CBA-46CE-B6FF-F09BEF91E5E3}"/>
+              </a:ext>
+            </a:extLst>
+          </p:cNvPr>
+          <p:cNvCxnSpPr>
+            <a:cxnSpLocks/>
+          </p:cNvCxnSpPr>
+          <p:nvPr/>
+        </p:nvCxnSpPr>
+        <p:spPr>
+          <a:xfrm flipV="1">
+            <a:off x="9683605" y="1810008"/>
+            <a:ext cx="417021" cy="2932827"/>
+          </a:xfrm>
+          <a:prstGeom prst="straightConnector1">
+            <a:avLst/>
+          </a:prstGeom>
+          <a:ln>
+            <a:solidFill>
+              <a:schemeClr val="tx1"/>
+            </a:solidFill>
+            <a:tailEnd type="triangle"/>
+          </a:ln>
+        </p:spPr>
+        <p:style>
+          <a:lnRef idx="1">
+            <a:schemeClr val="accent1"/>
+          </a:lnRef>
+          <a:fillRef idx="0">
+            <a:schemeClr val="accent1"/>
+          </a:fillRef>
+          <a:effectRef idx="0">
+            <a:schemeClr val="accent1"/>
+          </a:effectRef>
+          <a:fontRef idx="minor">
+            <a:schemeClr val="tx1"/>
+          </a:fontRef>
+        </p:style>
+      </p:cxnSp>
+      <p:sp>
+        <p:nvSpPr>
+          <p:cNvPr id="104" name="TextBox 103">
+            <a:extLst>
+              <a:ext uri="{FF2B5EF4-FFF2-40B4-BE49-F238E27FC236}">
+                <a16:creationId xmlns:a16="http://schemas.microsoft.com/office/drawing/2014/main" id="{9FD3A391-6BEC-4309-969D-3D030541F946}"/>
+              </a:ext>
+            </a:extLst>
+          </p:cNvPr>
+          <p:cNvSpPr txBox="1"/>
+          <p:nvPr/>
+        </p:nvSpPr>
+        <p:spPr>
+          <a:xfrm>
+            <a:off x="10613168" y="1493881"/>
+            <a:ext cx="1323619" cy="369332"/>
+          </a:xfrm>
+          <a:prstGeom prst="rect">
+            <a:avLst/>
+          </a:prstGeom>
+          <a:noFill/>
+          <a:ln>
+            <a:noFill/>
+          </a:ln>
+        </p:spPr>
+        <p:txBody>
+          <a:bodyPr wrap="square" rtlCol="0">
+            <a:spAutoFit/>
+          </a:bodyPr>
+          <a:lstStyle/>
+          <a:p>
+            <a:r>
+              <a:rPr lang="en-US" dirty="0"/>
+              <a:t>parachute</a:t>
+            </a:r>
+          </a:p>
+        </p:txBody>
+      </p:sp>
+      <p:sp>
+        <p:nvSpPr>
+          <p:cNvPr id="105" name="TextBox 104">
+            <a:extLst>
+              <a:ext uri="{FF2B5EF4-FFF2-40B4-BE49-F238E27FC236}">
+                <a16:creationId xmlns:a16="http://schemas.microsoft.com/office/drawing/2014/main" id="{E88EB4A8-5276-4472-84F2-8ADF4C8585B7}"/>
+              </a:ext>
+            </a:extLst>
+          </p:cNvPr>
+          <p:cNvSpPr txBox="1"/>
+          <p:nvPr/>
+        </p:nvSpPr>
+        <p:spPr>
+          <a:xfrm>
+            <a:off x="10588791" y="1847200"/>
+            <a:ext cx="1323619" cy="369332"/>
+          </a:xfrm>
+          <a:prstGeom prst="rect">
+            <a:avLst/>
+          </a:prstGeom>
+          <a:noFill/>
+          <a:ln>
+            <a:noFill/>
+          </a:ln>
+        </p:spPr>
+        <p:txBody>
+          <a:bodyPr wrap="square" rtlCol="0">
+            <a:spAutoFit/>
+          </a:bodyPr>
+          <a:lstStyle/>
+          <a:p>
+            <a:r>
+              <a:rPr lang="en-US" dirty="0"/>
+              <a:t>trombone</a:t>
+            </a:r>
+          </a:p>
+        </p:txBody>
+      </p:sp>
+      <p:sp>
+        <p:nvSpPr>
+          <p:cNvPr id="106" name="TextBox 105">
+            <a:extLst>
+              <a:ext uri="{FF2B5EF4-FFF2-40B4-BE49-F238E27FC236}">
+                <a16:creationId xmlns:a16="http://schemas.microsoft.com/office/drawing/2014/main" id="{6A2F3943-BFFE-4C9E-BB9C-67CE27532534}"/>
+              </a:ext>
+            </a:extLst>
+          </p:cNvPr>
+          <p:cNvSpPr txBox="1"/>
+          <p:nvPr/>
+        </p:nvSpPr>
+        <p:spPr>
+          <a:xfrm>
+            <a:off x="10636204" y="2121867"/>
+            <a:ext cx="1323619" cy="369332"/>
+          </a:xfrm>
+          <a:prstGeom prst="rect">
+            <a:avLst/>
+          </a:prstGeom>
+          <a:noFill/>
+          <a:ln>
+            <a:noFill/>
+          </a:ln>
+        </p:spPr>
+        <p:txBody>
+          <a:bodyPr wrap="square" rtlCol="0">
+            <a:spAutoFit/>
+          </a:bodyPr>
+          <a:lstStyle/>
+          <a:p>
+            <a:r>
+              <a:rPr lang="en-US" dirty="0"/>
+              <a:t>fish</a:t>
+            </a:r>
+          </a:p>
+        </p:txBody>
+      </p:sp>
+      <p:sp>
+        <p:nvSpPr>
+          <p:cNvPr id="107" name="TextBox 106">
+            <a:extLst>
+              <a:ext uri="{FF2B5EF4-FFF2-40B4-BE49-F238E27FC236}">
+                <a16:creationId xmlns:a16="http://schemas.microsoft.com/office/drawing/2014/main" id="{E7D3B642-D701-4C62-A72C-E71D3E44148F}"/>
+              </a:ext>
+            </a:extLst>
+          </p:cNvPr>
+          <p:cNvSpPr txBox="1"/>
+          <p:nvPr/>
+        </p:nvSpPr>
+        <p:spPr>
+          <a:xfrm>
+            <a:off x="10646393" y="2445152"/>
+            <a:ext cx="1323619" cy="369332"/>
+          </a:xfrm>
+          <a:prstGeom prst="rect">
+            <a:avLst/>
+          </a:prstGeom>
+          <a:noFill/>
+          <a:ln>
+            <a:noFill/>
+          </a:ln>
+        </p:spPr>
+        <p:txBody>
+          <a:bodyPr wrap="square" rtlCol="0">
+            <a:spAutoFit/>
+          </a:bodyPr>
+          <a:lstStyle/>
+          <a:p>
+            <a:r>
+              <a:rPr lang="en-US" dirty="0"/>
+              <a:t>dog</a:t>
+            </a:r>
+          </a:p>
+        </p:txBody>
+      </p:sp>
+      <p:sp>
+        <p:nvSpPr>
+          <p:cNvPr id="108" name="TextBox 107">
+            <a:extLst>
+              <a:ext uri="{FF2B5EF4-FFF2-40B4-BE49-F238E27FC236}">
+                <a16:creationId xmlns:a16="http://schemas.microsoft.com/office/drawing/2014/main" id="{67703EC2-6825-40EF-AF96-571EFCF6ECE7}"/>
+              </a:ext>
+            </a:extLst>
+          </p:cNvPr>
+          <p:cNvSpPr txBox="1"/>
+          <p:nvPr/>
+        </p:nvSpPr>
+        <p:spPr>
+          <a:xfrm>
+            <a:off x="10727312" y="2823985"/>
+            <a:ext cx="1323619" cy="369332"/>
+          </a:xfrm>
+          <a:prstGeom prst="rect">
+            <a:avLst/>
+          </a:prstGeom>
+          <a:noFill/>
+          <a:ln>
+            <a:noFill/>
+          </a:ln>
+        </p:spPr>
+        <p:txBody>
+          <a:bodyPr wrap="square" rtlCol="0">
+            <a:spAutoFit/>
+          </a:bodyPr>
+          <a:lstStyle/>
+          <a:p>
+            <a:r>
+              <a:rPr lang="en-US" dirty="0"/>
+              <a:t>…</a:t>
+            </a:r>
+          </a:p>
+        </p:txBody>
+      </p:sp>
+      <p:sp>
+        <p:nvSpPr>
+          <p:cNvPr id="109" name="TextBox 108">
+            <a:extLst>
+              <a:ext uri="{FF2B5EF4-FFF2-40B4-BE49-F238E27FC236}">
+                <a16:creationId xmlns:a16="http://schemas.microsoft.com/office/drawing/2014/main" id="{3315947D-CCBA-491F-A379-18D5ECEC88D7}"/>
+              </a:ext>
+            </a:extLst>
+          </p:cNvPr>
+          <p:cNvSpPr txBox="1"/>
+          <p:nvPr/>
+        </p:nvSpPr>
+        <p:spPr>
+          <a:xfrm>
+            <a:off x="283557" y="4914119"/>
+            <a:ext cx="1109503" cy="369332"/>
+          </a:xfrm>
+          <a:prstGeom prst="rect">
+            <a:avLst/>
+          </a:prstGeom>
+          <a:noFill/>
+          <a:ln>
+            <a:noFill/>
+          </a:ln>
+        </p:spPr>
+        <p:txBody>
+          <a:bodyPr wrap="square" rtlCol="0">
+            <a:spAutoFit/>
+          </a:bodyPr>
+          <a:lstStyle/>
+          <a:p>
+            <a:r>
+              <a:rPr lang="en-US" dirty="0"/>
+              <a:t>n x n x 3</a:t>
+            </a:r>
+          </a:p>
+        </p:txBody>
+      </p:sp>
+      <p:sp>
+        <p:nvSpPr>
+          <p:cNvPr id="110" name="TextBox 109">
+            <a:extLst>
+              <a:ext uri="{FF2B5EF4-FFF2-40B4-BE49-F238E27FC236}">
+                <a16:creationId xmlns:a16="http://schemas.microsoft.com/office/drawing/2014/main" id="{20D08824-329F-46E5-A5ED-A7C1552C5916}"/>
+              </a:ext>
+            </a:extLst>
+          </p:cNvPr>
+          <p:cNvSpPr txBox="1"/>
+          <p:nvPr/>
+        </p:nvSpPr>
+        <p:spPr>
+          <a:xfrm>
+            <a:off x="2298264" y="4861133"/>
+            <a:ext cx="1101424" cy="369332"/>
+          </a:xfrm>
+          <a:prstGeom prst="rect">
+            <a:avLst/>
+          </a:prstGeom>
+          <a:noFill/>
+          <a:ln>
+            <a:noFill/>
+          </a:ln>
+        </p:spPr>
+        <p:txBody>
+          <a:bodyPr wrap="square" rtlCol="0">
+            <a:spAutoFit/>
+          </a:bodyPr>
+          <a:lstStyle/>
+          <a:p>
+            <a:r>
+              <a:rPr lang="en-US" dirty="0"/>
+              <a:t> n x n x k</a:t>
+            </a:r>
+          </a:p>
+        </p:txBody>
+      </p:sp>
+      <p:grpSp>
+        <p:nvGrpSpPr>
+          <p:cNvPr id="111" name="Group 110">
+            <a:extLst>
+              <a:ext uri="{FF2B5EF4-FFF2-40B4-BE49-F238E27FC236}">
+                <a16:creationId xmlns:a16="http://schemas.microsoft.com/office/drawing/2014/main" id="{B2DB65C7-142F-435B-802B-616ADB5E15EE}"/>
+              </a:ext>
+            </a:extLst>
+          </p:cNvPr>
+          <p:cNvGrpSpPr/>
+          <p:nvPr/>
+        </p:nvGrpSpPr>
+        <p:grpSpPr>
+          <a:xfrm>
+            <a:off x="624348" y="1863213"/>
+            <a:ext cx="894736" cy="2816942"/>
+            <a:chOff x="471948" y="1710813"/>
+            <a:chExt cx="894736" cy="2816942"/>
+          </a:xfrm>
+        </p:grpSpPr>
+        <p:cxnSp>
+          <p:nvCxnSpPr>
+            <p:cNvPr id="112" name="Straight Connector 111">
+              <a:extLst>
+                <a:ext uri="{FF2B5EF4-FFF2-40B4-BE49-F238E27FC236}">
+                  <a16:creationId xmlns:a16="http://schemas.microsoft.com/office/drawing/2014/main" id="{D4749C95-26F2-4CC3-9669-F0E15D9C9A8B}"/>
+                </a:ext>
+              </a:extLst>
+            </p:cNvPr>
+            <p:cNvCxnSpPr/>
+            <p:nvPr/>
+          </p:nvCxnSpPr>
+          <p:spPr>
+            <a:xfrm flipV="1">
+              <a:off x="471948" y="1710813"/>
+              <a:ext cx="894736" cy="914400"/>
+            </a:xfrm>
+            <a:prstGeom prst="line">
+              <a:avLst/>
+            </a:prstGeom>
+          </p:spPr>
+          <p:style>
+            <a:lnRef idx="3">
+              <a:schemeClr val="dk1"/>
+            </a:lnRef>
+            <a:fillRef idx="0">
+              <a:schemeClr val="dk1"/>
+            </a:fillRef>
+            <a:effectRef idx="2">
+              <a:schemeClr val="dk1"/>
+            </a:effectRef>
+            <a:fontRef idx="minor">
+              <a:schemeClr val="tx1"/>
+            </a:fontRef>
+          </p:style>
+        </p:cxnSp>
+        <p:cxnSp>
+          <p:nvCxnSpPr>
+            <p:cNvPr id="113" name="Straight Connector 112">
+              <a:extLst>
+                <a:ext uri="{FF2B5EF4-FFF2-40B4-BE49-F238E27FC236}">
+                  <a16:creationId xmlns:a16="http://schemas.microsoft.com/office/drawing/2014/main" id="{3B4186EF-FB90-4696-A3B0-C863E24C9B5A}"/>
+                </a:ext>
+              </a:extLst>
+            </p:cNvPr>
+            <p:cNvCxnSpPr/>
+            <p:nvPr/>
+          </p:nvCxnSpPr>
+          <p:spPr>
+            <a:xfrm flipV="1">
+              <a:off x="471948" y="3613355"/>
+              <a:ext cx="894736" cy="914400"/>
+            </a:xfrm>
+            <a:prstGeom prst="line">
+              <a:avLst/>
+            </a:prstGeom>
+          </p:spPr>
+          <p:style>
+            <a:lnRef idx="3">
+              <a:schemeClr val="dk1"/>
+            </a:lnRef>
+            <a:fillRef idx="0">
+              <a:schemeClr val="dk1"/>
+            </a:fillRef>
+            <a:effectRef idx="2">
+              <a:schemeClr val="dk1"/>
+            </a:effectRef>
+            <a:fontRef idx="minor">
+              <a:schemeClr val="tx1"/>
+            </a:fontRef>
+          </p:style>
+        </p:cxnSp>
+        <p:cxnSp>
+          <p:nvCxnSpPr>
+            <p:cNvPr id="114" name="Straight Connector 113">
+              <a:extLst>
+                <a:ext uri="{FF2B5EF4-FFF2-40B4-BE49-F238E27FC236}">
+                  <a16:creationId xmlns:a16="http://schemas.microsoft.com/office/drawing/2014/main" id="{DB2B72D4-F835-48E5-AC06-46B35369C9C6}"/>
+                </a:ext>
+              </a:extLst>
+            </p:cNvPr>
+            <p:cNvCxnSpPr/>
+            <p:nvPr/>
+          </p:nvCxnSpPr>
+          <p:spPr>
+            <a:xfrm>
+              <a:off x="471948" y="2625213"/>
+              <a:ext cx="0" cy="1902542"/>
+            </a:xfrm>
+            <a:prstGeom prst="line">
+              <a:avLst/>
+            </a:prstGeom>
+          </p:spPr>
+          <p:style>
+            <a:lnRef idx="3">
+              <a:schemeClr val="dk1"/>
+            </a:lnRef>
+            <a:fillRef idx="0">
+              <a:schemeClr val="dk1"/>
+            </a:fillRef>
+            <a:effectRef idx="2">
+              <a:schemeClr val="dk1"/>
+            </a:effectRef>
+            <a:fontRef idx="minor">
+              <a:schemeClr val="tx1"/>
+            </a:fontRef>
+          </p:style>
+        </p:cxnSp>
+        <p:cxnSp>
+          <p:nvCxnSpPr>
+            <p:cNvPr id="115" name="Straight Connector 114">
+              <a:extLst>
+                <a:ext uri="{FF2B5EF4-FFF2-40B4-BE49-F238E27FC236}">
+                  <a16:creationId xmlns:a16="http://schemas.microsoft.com/office/drawing/2014/main" id="{D32AC31F-4A71-458C-B6E8-160324113F56}"/>
+                </a:ext>
+              </a:extLst>
+            </p:cNvPr>
+            <p:cNvCxnSpPr/>
+            <p:nvPr/>
+          </p:nvCxnSpPr>
+          <p:spPr>
+            <a:xfrm>
+              <a:off x="1366684" y="1710813"/>
+              <a:ext cx="0" cy="1902542"/>
+            </a:xfrm>
+            <a:prstGeom prst="line">
+              <a:avLst/>
+            </a:prstGeom>
+          </p:spPr>
+          <p:style>
+            <a:lnRef idx="3">
+              <a:schemeClr val="dk1"/>
+            </a:lnRef>
+            <a:fillRef idx="0">
+              <a:schemeClr val="dk1"/>
+            </a:fillRef>
+            <a:effectRef idx="2">
+              <a:schemeClr val="dk1"/>
+            </a:effectRef>
+            <a:fontRef idx="minor">
+              <a:schemeClr val="tx1"/>
+            </a:fontRef>
+          </p:style>
+        </p:cxnSp>
+      </p:grpSp>
+      <p:grpSp>
+        <p:nvGrpSpPr>
+          <p:cNvPr id="116" name="Group 115">
+            <a:extLst>
+              <a:ext uri="{FF2B5EF4-FFF2-40B4-BE49-F238E27FC236}">
+                <a16:creationId xmlns:a16="http://schemas.microsoft.com/office/drawing/2014/main" id="{B3EFD594-0C89-4D38-8A09-44275662BBBC}"/>
+              </a:ext>
+            </a:extLst>
+          </p:cNvPr>
+          <p:cNvGrpSpPr/>
+          <p:nvPr/>
+        </p:nvGrpSpPr>
+        <p:grpSpPr>
+          <a:xfrm>
+            <a:off x="776748" y="2015613"/>
+            <a:ext cx="894736" cy="2816942"/>
+            <a:chOff x="471948" y="1710813"/>
+            <a:chExt cx="894736" cy="2816942"/>
+          </a:xfrm>
+        </p:grpSpPr>
+        <p:cxnSp>
+          <p:nvCxnSpPr>
+            <p:cNvPr id="117" name="Straight Connector 116">
+              <a:extLst>
+                <a:ext uri="{FF2B5EF4-FFF2-40B4-BE49-F238E27FC236}">
+                  <a16:creationId xmlns:a16="http://schemas.microsoft.com/office/drawing/2014/main" id="{DAC2C227-A7D7-49FE-8787-AD5C2CE49746}"/>
+                </a:ext>
+              </a:extLst>
+            </p:cNvPr>
+            <p:cNvCxnSpPr/>
+            <p:nvPr/>
+          </p:nvCxnSpPr>
+          <p:spPr>
+            <a:xfrm flipV="1">
+              <a:off x="471948" y="1710813"/>
+              <a:ext cx="894736" cy="914400"/>
+            </a:xfrm>
+            <a:prstGeom prst="line">
+              <a:avLst/>
+            </a:prstGeom>
+          </p:spPr>
+          <p:style>
+            <a:lnRef idx="3">
+              <a:schemeClr val="dk1"/>
+            </a:lnRef>
+            <a:fillRef idx="0">
+              <a:schemeClr val="dk1"/>
+            </a:fillRef>
+            <a:effectRef idx="2">
+              <a:schemeClr val="dk1"/>
+            </a:effectRef>
+            <a:fontRef idx="minor">
+              <a:schemeClr val="tx1"/>
+            </a:fontRef>
+          </p:style>
+        </p:cxnSp>
+        <p:cxnSp>
+          <p:nvCxnSpPr>
+            <p:cNvPr id="118" name="Straight Connector 117">
+              <a:extLst>
+                <a:ext uri="{FF2B5EF4-FFF2-40B4-BE49-F238E27FC236}">
+                  <a16:creationId xmlns:a16="http://schemas.microsoft.com/office/drawing/2014/main" id="{E7853DDE-8069-445A-BAC1-7748B7736433}"/>
+                </a:ext>
+              </a:extLst>
+            </p:cNvPr>
+            <p:cNvCxnSpPr/>
+            <p:nvPr/>
+          </p:nvCxnSpPr>
+          <p:spPr>
+            <a:xfrm flipV="1">
+              <a:off x="471948" y="3613355"/>
+              <a:ext cx="894736" cy="914400"/>
+            </a:xfrm>
+            <a:prstGeom prst="line">
+              <a:avLst/>
+            </a:prstGeom>
+          </p:spPr>
+          <p:style>
+            <a:lnRef idx="3">
+              <a:schemeClr val="dk1"/>
+            </a:lnRef>
+            <a:fillRef idx="0">
+              <a:schemeClr val="dk1"/>
+            </a:fillRef>
+            <a:effectRef idx="2">
+              <a:schemeClr val="dk1"/>
+            </a:effectRef>
+            <a:fontRef idx="minor">
+              <a:schemeClr val="tx1"/>
+            </a:fontRef>
+          </p:style>
+        </p:cxnSp>
+        <p:cxnSp>
+          <p:nvCxnSpPr>
+            <p:cNvPr id="119" name="Straight Connector 118">
+              <a:extLst>
+                <a:ext uri="{FF2B5EF4-FFF2-40B4-BE49-F238E27FC236}">
+                  <a16:creationId xmlns:a16="http://schemas.microsoft.com/office/drawing/2014/main" id="{381E178A-70E0-4B3B-A2C5-33A90AF560BB}"/>
+                </a:ext>
+              </a:extLst>
+            </p:cNvPr>
+            <p:cNvCxnSpPr/>
+            <p:nvPr/>
+          </p:nvCxnSpPr>
+          <p:spPr>
+            <a:xfrm>
+              <a:off x="471948" y="2625213"/>
+              <a:ext cx="0" cy="1902542"/>
+            </a:xfrm>
+            <a:prstGeom prst="line">
+              <a:avLst/>
+            </a:prstGeom>
+          </p:spPr>
+          <p:style>
+            <a:lnRef idx="3">
+              <a:schemeClr val="dk1"/>
+            </a:lnRef>
+            <a:fillRef idx="0">
+              <a:schemeClr val="dk1"/>
+            </a:fillRef>
+            <a:effectRef idx="2">
+              <a:schemeClr val="dk1"/>
+            </a:effectRef>
+            <a:fontRef idx="minor">
+              <a:schemeClr val="tx1"/>
+            </a:fontRef>
+          </p:style>
+        </p:cxnSp>
+        <p:cxnSp>
+          <p:nvCxnSpPr>
+            <p:cNvPr id="120" name="Straight Connector 119">
+              <a:extLst>
+                <a:ext uri="{FF2B5EF4-FFF2-40B4-BE49-F238E27FC236}">
+                  <a16:creationId xmlns:a16="http://schemas.microsoft.com/office/drawing/2014/main" id="{5E476D6C-A575-4E76-B9C6-800D5A8FE350}"/>
+                </a:ext>
+              </a:extLst>
+            </p:cNvPr>
+            <p:cNvCxnSpPr/>
+            <p:nvPr/>
+          </p:nvCxnSpPr>
+          <p:spPr>
+            <a:xfrm>
+              <a:off x="1366684" y="1710813"/>
+              <a:ext cx="0" cy="1902542"/>
+            </a:xfrm>
+            <a:prstGeom prst="line">
+              <a:avLst/>
+            </a:prstGeom>
+          </p:spPr>
+          <p:style>
+            <a:lnRef idx="3">
+              <a:schemeClr val="dk1"/>
+            </a:lnRef>
+            <a:fillRef idx="0">
+              <a:schemeClr val="dk1"/>
+            </a:fillRef>
+            <a:effectRef idx="2">
+              <a:schemeClr val="dk1"/>
+            </a:effectRef>
+            <a:fontRef idx="minor">
+              <a:schemeClr val="tx1"/>
+            </a:fontRef>
+          </p:style>
+        </p:cxnSp>
+      </p:grpSp>
+      <p:grpSp>
+        <p:nvGrpSpPr>
+          <p:cNvPr id="126" name="Group 125">
+            <a:extLst>
+              <a:ext uri="{FF2B5EF4-FFF2-40B4-BE49-F238E27FC236}">
+                <a16:creationId xmlns:a16="http://schemas.microsoft.com/office/drawing/2014/main" id="{8B23A910-CC7C-4BB6-84DC-625E23A2F3DB}"/>
+              </a:ext>
+            </a:extLst>
+          </p:cNvPr>
+          <p:cNvGrpSpPr/>
+          <p:nvPr/>
+        </p:nvGrpSpPr>
+        <p:grpSpPr>
+          <a:xfrm>
+            <a:off x="874815" y="2721185"/>
+            <a:ext cx="237699" cy="646253"/>
+            <a:chOff x="471948" y="1710813"/>
+            <a:chExt cx="894736" cy="2816942"/>
+          </a:xfrm>
+        </p:grpSpPr>
+        <p:cxnSp>
+          <p:nvCxnSpPr>
+            <p:cNvPr id="127" name="Straight Connector 126">
+              <a:extLst>
+                <a:ext uri="{FF2B5EF4-FFF2-40B4-BE49-F238E27FC236}">
+                  <a16:creationId xmlns:a16="http://schemas.microsoft.com/office/drawing/2014/main" id="{D3B6FD36-80A0-418B-A323-7F863E4DAF86}"/>
+                </a:ext>
+              </a:extLst>
+            </p:cNvPr>
+            <p:cNvCxnSpPr/>
+            <p:nvPr/>
+          </p:nvCxnSpPr>
+          <p:spPr>
+            <a:xfrm flipV="1">
+              <a:off x="471948" y="1710813"/>
+              <a:ext cx="894736" cy="914400"/>
+            </a:xfrm>
+            <a:prstGeom prst="line">
+              <a:avLst/>
+            </a:prstGeom>
+            <a:ln>
+              <a:prstDash val="sysDot"/>
+            </a:ln>
+          </p:spPr>
+          <p:style>
+            <a:lnRef idx="3">
+              <a:schemeClr val="dk1"/>
+            </a:lnRef>
+            <a:fillRef idx="0">
+              <a:schemeClr val="dk1"/>
+            </a:fillRef>
+            <a:effectRef idx="2">
+              <a:schemeClr val="dk1"/>
+            </a:effectRef>
+            <a:fontRef idx="minor">
+              <a:schemeClr val="tx1"/>
+            </a:fontRef>
+          </p:style>
+        </p:cxnSp>
+        <p:cxnSp>
+          <p:nvCxnSpPr>
+            <p:cNvPr id="128" name="Straight Connector 127">
+              <a:extLst>
+                <a:ext uri="{FF2B5EF4-FFF2-40B4-BE49-F238E27FC236}">
+                  <a16:creationId xmlns:a16="http://schemas.microsoft.com/office/drawing/2014/main" id="{11CC6951-7D04-4961-B0B6-64B97BD13206}"/>
+                </a:ext>
+              </a:extLst>
+            </p:cNvPr>
+            <p:cNvCxnSpPr/>
+            <p:nvPr/>
+          </p:nvCxnSpPr>
+          <p:spPr>
+            <a:xfrm flipV="1">
+              <a:off x="471948" y="3613355"/>
+              <a:ext cx="894736" cy="914400"/>
+            </a:xfrm>
+            <a:prstGeom prst="line">
+              <a:avLst/>
+            </a:prstGeom>
+            <a:ln>
+              <a:prstDash val="sysDot"/>
+            </a:ln>
+          </p:spPr>
+          <p:style>
+            <a:lnRef idx="3">
+              <a:schemeClr val="dk1"/>
+            </a:lnRef>
+            <a:fillRef idx="0">
+              <a:schemeClr val="dk1"/>
+            </a:fillRef>
+            <a:effectRef idx="2">
+              <a:schemeClr val="dk1"/>
+            </a:effectRef>
+            <a:fontRef idx="minor">
+              <a:schemeClr val="tx1"/>
+            </a:fontRef>
+          </p:style>
+        </p:cxnSp>
+        <p:cxnSp>
+          <p:nvCxnSpPr>
+            <p:cNvPr id="129" name="Straight Connector 128">
+              <a:extLst>
+                <a:ext uri="{FF2B5EF4-FFF2-40B4-BE49-F238E27FC236}">
+                  <a16:creationId xmlns:a16="http://schemas.microsoft.com/office/drawing/2014/main" id="{089A0A37-C891-4269-9797-6622F8A120AD}"/>
+                </a:ext>
+              </a:extLst>
+            </p:cNvPr>
+            <p:cNvCxnSpPr/>
+            <p:nvPr/>
+          </p:nvCxnSpPr>
+          <p:spPr>
+            <a:xfrm>
+              <a:off x="471948" y="2625213"/>
+              <a:ext cx="0" cy="1902542"/>
+            </a:xfrm>
+            <a:prstGeom prst="line">
+              <a:avLst/>
+            </a:prstGeom>
+            <a:ln>
+              <a:prstDash val="sysDot"/>
+            </a:ln>
+          </p:spPr>
+          <p:style>
+            <a:lnRef idx="3">
+              <a:schemeClr val="dk1"/>
+            </a:lnRef>
+            <a:fillRef idx="0">
+              <a:schemeClr val="dk1"/>
+            </a:fillRef>
+            <a:effectRef idx="2">
+              <a:schemeClr val="dk1"/>
+            </a:effectRef>
+            <a:fontRef idx="minor">
+              <a:schemeClr val="tx1"/>
+            </a:fontRef>
+          </p:style>
+        </p:cxnSp>
+        <p:cxnSp>
+          <p:nvCxnSpPr>
+            <p:cNvPr id="130" name="Straight Connector 129">
+              <a:extLst>
+                <a:ext uri="{FF2B5EF4-FFF2-40B4-BE49-F238E27FC236}">
+                  <a16:creationId xmlns:a16="http://schemas.microsoft.com/office/drawing/2014/main" id="{1455BC7D-D61D-4B4D-917F-6ABB2994EDC6}"/>
+                </a:ext>
+              </a:extLst>
+            </p:cNvPr>
+            <p:cNvCxnSpPr/>
+            <p:nvPr/>
+          </p:nvCxnSpPr>
+          <p:spPr>
+            <a:xfrm>
+              <a:off x="1366684" y="1710813"/>
+              <a:ext cx="0" cy="1902542"/>
+            </a:xfrm>
+            <a:prstGeom prst="line">
+              <a:avLst/>
+            </a:prstGeom>
+            <a:ln>
+              <a:prstDash val="sysDot"/>
+            </a:ln>
+          </p:spPr>
+          <p:style>
+            <a:lnRef idx="3">
+              <a:schemeClr val="dk1"/>
+            </a:lnRef>
+            <a:fillRef idx="0">
+              <a:schemeClr val="dk1"/>
+            </a:fillRef>
+            <a:effectRef idx="2">
+              <a:schemeClr val="dk1"/>
+            </a:effectRef>
+            <a:fontRef idx="minor">
+              <a:schemeClr val="tx1"/>
+            </a:fontRef>
+          </p:style>
+        </p:cxnSp>
+      </p:grpSp>
+      <p:cxnSp>
+        <p:nvCxnSpPr>
+          <p:cNvPr id="137" name="Straight Arrow Connector 136">
+            <a:extLst>
+              <a:ext uri="{FF2B5EF4-FFF2-40B4-BE49-F238E27FC236}">
+                <a16:creationId xmlns:a16="http://schemas.microsoft.com/office/drawing/2014/main" id="{4A9F40A8-ABAC-4303-9A65-A79077677EE3}"/>
+              </a:ext>
+            </a:extLst>
+          </p:cNvPr>
+          <p:cNvCxnSpPr/>
+          <p:nvPr/>
+        </p:nvCxnSpPr>
+        <p:spPr>
+          <a:xfrm>
+            <a:off x="1112514" y="2721185"/>
+            <a:ext cx="1473370" cy="265170"/>
+          </a:xfrm>
+          <a:prstGeom prst="straightConnector1">
+            <a:avLst/>
+          </a:prstGeom>
+          <a:ln>
+            <a:prstDash val="dash"/>
+            <a:tailEnd type="triangle"/>
+          </a:ln>
+        </p:spPr>
+        <p:style>
+          <a:lnRef idx="2">
+            <a:schemeClr val="dk1"/>
+          </a:lnRef>
+          <a:fillRef idx="0">
+            <a:schemeClr val="dk1"/>
+          </a:fillRef>
+          <a:effectRef idx="1">
+            <a:schemeClr val="dk1"/>
+          </a:effectRef>
+          <a:fontRef idx="minor">
+            <a:schemeClr val="tx1"/>
+          </a:fontRef>
+        </p:style>
+      </p:cxnSp>
+      <p:cxnSp>
+        <p:nvCxnSpPr>
+          <p:cNvPr id="138" name="Straight Arrow Connector 137">
+            <a:extLst>
+              <a:ext uri="{FF2B5EF4-FFF2-40B4-BE49-F238E27FC236}">
+                <a16:creationId xmlns:a16="http://schemas.microsoft.com/office/drawing/2014/main" id="{578933C2-D493-4704-9AD7-F572212FDE8C}"/>
+              </a:ext>
+            </a:extLst>
+          </p:cNvPr>
+          <p:cNvCxnSpPr>
+            <a:cxnSpLocks/>
+          </p:cNvCxnSpPr>
+          <p:nvPr/>
+        </p:nvCxnSpPr>
+        <p:spPr>
+          <a:xfrm flipV="1">
+            <a:off x="1137645" y="3028826"/>
+            <a:ext cx="1411228" cy="138445"/>
+          </a:xfrm>
+          <a:prstGeom prst="straightConnector1">
+            <a:avLst/>
+          </a:prstGeom>
+          <a:ln>
+            <a:prstDash val="dash"/>
+            <a:tailEnd type="triangle"/>
+          </a:ln>
+        </p:spPr>
+        <p:style>
+          <a:lnRef idx="2">
+            <a:schemeClr val="dk1"/>
+          </a:lnRef>
+          <a:fillRef idx="0">
+            <a:schemeClr val="dk1"/>
+          </a:fillRef>
+          <a:effectRef idx="1">
+            <a:schemeClr val="dk1"/>
+          </a:effectRef>
+          <a:fontRef idx="minor">
+            <a:schemeClr val="tx1"/>
+          </a:fontRef>
+        </p:style>
+      </p:cxnSp>
+      <p:cxnSp>
+        <p:nvCxnSpPr>
+          <p:cNvPr id="141" name="Straight Arrow Connector 140">
+            <a:extLst>
+              <a:ext uri="{FF2B5EF4-FFF2-40B4-BE49-F238E27FC236}">
+                <a16:creationId xmlns:a16="http://schemas.microsoft.com/office/drawing/2014/main" id="{A0206400-6358-4A2E-A560-C73E834DF00F}"/>
+              </a:ext>
+            </a:extLst>
+          </p:cNvPr>
+          <p:cNvCxnSpPr>
+            <a:cxnSpLocks/>
+          </p:cNvCxnSpPr>
+          <p:nvPr/>
+        </p:nvCxnSpPr>
+        <p:spPr>
+          <a:xfrm flipV="1">
+            <a:off x="958388" y="3076096"/>
+            <a:ext cx="1546392" cy="270561"/>
+          </a:xfrm>
+          <a:prstGeom prst="straightConnector1">
+            <a:avLst/>
+          </a:prstGeom>
+          <a:ln>
+            <a:prstDash val="dash"/>
+            <a:tailEnd type="triangle"/>
+          </a:ln>
+        </p:spPr>
+        <p:style>
+          <a:lnRef idx="2">
+            <a:schemeClr val="dk1"/>
+          </a:lnRef>
+          <a:fillRef idx="0">
+            <a:schemeClr val="dk1"/>
+          </a:fillRef>
+          <a:effectRef idx="1">
+            <a:schemeClr val="dk1"/>
+          </a:effectRef>
+          <a:fontRef idx="minor">
+            <a:schemeClr val="tx1"/>
+          </a:fontRef>
+        </p:style>
+      </p:cxnSp>
+      <p:cxnSp>
+        <p:nvCxnSpPr>
+          <p:cNvPr id="144" name="Straight Arrow Connector 143">
+            <a:extLst>
+              <a:ext uri="{FF2B5EF4-FFF2-40B4-BE49-F238E27FC236}">
+                <a16:creationId xmlns:a16="http://schemas.microsoft.com/office/drawing/2014/main" id="{920ADC29-3696-4DD8-8558-F524851A465A}"/>
+              </a:ext>
+            </a:extLst>
+          </p:cNvPr>
+          <p:cNvCxnSpPr>
+            <a:cxnSpLocks/>
+          </p:cNvCxnSpPr>
+          <p:nvPr/>
+        </p:nvCxnSpPr>
+        <p:spPr>
+          <a:xfrm>
+            <a:off x="873845" y="2921409"/>
+            <a:ext cx="1629201" cy="69621"/>
+          </a:xfrm>
+          <a:prstGeom prst="straightConnector1">
+            <a:avLst/>
+          </a:prstGeom>
+          <a:ln>
+            <a:prstDash val="dash"/>
+            <a:tailEnd type="triangle"/>
+          </a:ln>
+        </p:spPr>
+        <p:style>
+          <a:lnRef idx="2">
+            <a:schemeClr val="dk1"/>
+          </a:lnRef>
+          <a:fillRef idx="0">
+            <a:schemeClr val="dk1"/>
+          </a:fillRef>
+          <a:effectRef idx="1">
+            <a:schemeClr val="dk1"/>
+          </a:effectRef>
+          <a:fontRef idx="minor">
+            <a:schemeClr val="tx1"/>
+          </a:fontRef>
+        </p:style>
+      </p:cxnSp>
+      <p:sp>
+        <p:nvSpPr>
+          <p:cNvPr id="147" name="TextBox 146">
+            <a:extLst>
+              <a:ext uri="{FF2B5EF4-FFF2-40B4-BE49-F238E27FC236}">
+                <a16:creationId xmlns:a16="http://schemas.microsoft.com/office/drawing/2014/main" id="{0E493FBF-29F6-426B-BC45-773D7B61B239}"/>
+              </a:ext>
+            </a:extLst>
+          </p:cNvPr>
+          <p:cNvSpPr txBox="1"/>
+          <p:nvPr/>
+        </p:nvSpPr>
+        <p:spPr>
+          <a:xfrm>
+            <a:off x="2118434" y="5593656"/>
+            <a:ext cx="4928421" cy="523220"/>
+          </a:xfrm>
+          <a:prstGeom prst="rect">
+            <a:avLst/>
+          </a:prstGeom>
+          <a:noFill/>
+          <a:ln>
+            <a:noFill/>
+          </a:ln>
+        </p:spPr>
+        <p:txBody>
+          <a:bodyPr wrap="square" rtlCol="0">
+            <a:spAutoFit/>
+          </a:bodyPr>
+          <a:lstStyle/>
+          <a:p>
+            <a:r>
+              <a:rPr lang="en-US" sz="2800" dirty="0"/>
+              <a:t>Convolution Layers for Learning</a:t>
+            </a:r>
+          </a:p>
+        </p:txBody>
+      </p:sp>
+      <p:cxnSp>
+        <p:nvCxnSpPr>
+          <p:cNvPr id="149" name="Straight Connector 148">
+            <a:extLst>
+              <a:ext uri="{FF2B5EF4-FFF2-40B4-BE49-F238E27FC236}">
+                <a16:creationId xmlns:a16="http://schemas.microsoft.com/office/drawing/2014/main" id="{D9E2EB44-A5E9-4AAC-941F-F4B770CCB9E8}"/>
+              </a:ext>
+            </a:extLst>
+          </p:cNvPr>
+          <p:cNvCxnSpPr/>
+          <p:nvPr/>
+        </p:nvCxnSpPr>
+        <p:spPr>
+          <a:xfrm>
+            <a:off x="2298264" y="5397910"/>
+            <a:ext cx="6127981" cy="0"/>
+          </a:xfrm>
+          <a:prstGeom prst="line">
+            <a:avLst/>
+          </a:prstGeom>
+          <a:ln w="38100">
+            <a:solidFill>
+              <a:schemeClr val="tx1"/>
+            </a:solidFill>
+          </a:ln>
+        </p:spPr>
+        <p:style>
+          <a:lnRef idx="1">
+            <a:schemeClr val="accent1"/>
+          </a:lnRef>
+          <a:fillRef idx="0">
+            <a:schemeClr val="accent1"/>
+          </a:fillRef>
+          <a:effectRef idx="0">
+            <a:schemeClr val="accent1"/>
+          </a:effectRef>
+          <a:fontRef idx="minor">
+            <a:schemeClr val="tx1"/>
+          </a:fontRef>
+        </p:style>
+      </p:cxnSp>
+      <p:cxnSp>
+        <p:nvCxnSpPr>
+          <p:cNvPr id="150" name="Straight Connector 149">
+            <a:extLst>
+              <a:ext uri="{FF2B5EF4-FFF2-40B4-BE49-F238E27FC236}">
+                <a16:creationId xmlns:a16="http://schemas.microsoft.com/office/drawing/2014/main" id="{FC4331E0-D2FC-4793-8A33-844ECF61F330}"/>
+              </a:ext>
+            </a:extLst>
+          </p:cNvPr>
+          <p:cNvCxnSpPr>
+            <a:cxnSpLocks/>
+          </p:cNvCxnSpPr>
+          <p:nvPr/>
+        </p:nvCxnSpPr>
+        <p:spPr>
+          <a:xfrm>
+            <a:off x="8944708" y="5397910"/>
+            <a:ext cx="2766646" cy="0"/>
+          </a:xfrm>
+          <a:prstGeom prst="line">
+            <a:avLst/>
+          </a:prstGeom>
+          <a:ln w="38100">
+            <a:solidFill>
+              <a:schemeClr val="tx1"/>
+            </a:solidFill>
+          </a:ln>
+        </p:spPr>
+        <p:style>
+          <a:lnRef idx="1">
+            <a:schemeClr val="accent1"/>
+          </a:lnRef>
+          <a:fillRef idx="0">
+            <a:schemeClr val="accent1"/>
+          </a:fillRef>
+          <a:effectRef idx="0">
+            <a:schemeClr val="accent1"/>
+          </a:effectRef>
+          <a:fontRef idx="minor">
+            <a:schemeClr val="tx1"/>
+          </a:fontRef>
+        </p:style>
+      </p:cxnSp>
+      <p:sp>
+        <p:nvSpPr>
+          <p:cNvPr id="152" name="TextBox 151">
+            <a:extLst>
+              <a:ext uri="{FF2B5EF4-FFF2-40B4-BE49-F238E27FC236}">
+                <a16:creationId xmlns:a16="http://schemas.microsoft.com/office/drawing/2014/main" id="{B2F4C532-A6C4-4393-8098-B4FAC5E89ADA}"/>
+              </a:ext>
+            </a:extLst>
+          </p:cNvPr>
+          <p:cNvSpPr txBox="1"/>
+          <p:nvPr/>
+        </p:nvSpPr>
+        <p:spPr>
+          <a:xfrm>
+            <a:off x="8657128" y="5558723"/>
+            <a:ext cx="4928421" cy="954107"/>
+          </a:xfrm>
+          <a:prstGeom prst="rect">
+            <a:avLst/>
+          </a:prstGeom>
+          <a:noFill/>
+          <a:ln>
+            <a:noFill/>
+          </a:ln>
+        </p:spPr>
+        <p:txBody>
+          <a:bodyPr wrap="square" rtlCol="0">
+            <a:spAutoFit/>
+          </a:bodyPr>
+          <a:lstStyle/>
+          <a:p>
+            <a:r>
+              <a:rPr lang="en-US" sz="2800" dirty="0"/>
+              <a:t>Fully Connected Layers</a:t>
+            </a:r>
+          </a:p>
+          <a:p>
+            <a:r>
+              <a:rPr lang="en-US" sz="2800" dirty="0"/>
+              <a:t>for Classification</a:t>
+            </a:r>
+          </a:p>
+        </p:txBody>
+      </p:sp>
+      <p:sp>
+        <p:nvSpPr>
+          <p:cNvPr id="155" name="TextBox 154">
+            <a:extLst>
+              <a:ext uri="{FF2B5EF4-FFF2-40B4-BE49-F238E27FC236}">
+                <a16:creationId xmlns:a16="http://schemas.microsoft.com/office/drawing/2014/main" id="{9B50DBEA-2E88-49BC-98BA-A5C3F6921FB7}"/>
+              </a:ext>
+            </a:extLst>
+          </p:cNvPr>
+          <p:cNvSpPr txBox="1"/>
+          <p:nvPr/>
+        </p:nvSpPr>
+        <p:spPr>
+          <a:xfrm>
+            <a:off x="211563" y="5399264"/>
+            <a:ext cx="1243524" cy="954107"/>
+          </a:xfrm>
+          <a:prstGeom prst="rect">
+            <a:avLst/>
+          </a:prstGeom>
+          <a:noFill/>
+          <a:ln>
+            <a:noFill/>
+          </a:ln>
+        </p:spPr>
+        <p:txBody>
+          <a:bodyPr wrap="square" rtlCol="0">
+            <a:spAutoFit/>
+          </a:bodyPr>
+          <a:lstStyle/>
+          <a:p>
+            <a:r>
+              <a:rPr lang="en-US" sz="2800" dirty="0"/>
+              <a:t>Input</a:t>
+            </a:r>
+          </a:p>
+          <a:p>
+            <a:r>
+              <a:rPr lang="en-US" sz="2800" dirty="0"/>
+              <a:t>Image</a:t>
+            </a:r>
+          </a:p>
+        </p:txBody>
+      </p:sp>
+    </p:spTree>
+    <p:extLst>
+      <p:ext uri="{BB962C8B-B14F-4D97-AF65-F5344CB8AC3E}">
+        <p14:creationId xmlns:p14="http://schemas.microsoft.com/office/powerpoint/2010/main" val="3213794000"/>
       </p:ext>
     </p:extLst>
   </p:cSld>
